--- a/doc/advancement/Frequency-dependent attenuation in fractional.pptx
+++ b/doc/advancement/Frequency-dependent attenuation in fractional.pptx
@@ -5,10 +5,10 @@
     <p:sldMasterId id="2147483900" r:id="rId1"/>
   </p:sldMasterIdLst>
   <p:notesMasterIdLst>
-    <p:notesMasterId r:id="rId42"/>
+    <p:notesMasterId r:id="rId51"/>
   </p:notesMasterIdLst>
   <p:handoutMasterIdLst>
-    <p:handoutMasterId r:id="rId43"/>
+    <p:handoutMasterId r:id="rId52"/>
   </p:handoutMasterIdLst>
   <p:sldIdLst>
     <p:sldId id="256" r:id="rId2"/>
@@ -51,6 +51,15 @@
     <p:sldId id="296" r:id="rId39"/>
     <p:sldId id="297" r:id="rId40"/>
     <p:sldId id="298" r:id="rId41"/>
+    <p:sldId id="299" r:id="rId42"/>
+    <p:sldId id="300" r:id="rId43"/>
+    <p:sldId id="301" r:id="rId44"/>
+    <p:sldId id="302" r:id="rId45"/>
+    <p:sldId id="303" r:id="rId46"/>
+    <p:sldId id="304" r:id="rId47"/>
+    <p:sldId id="305" r:id="rId48"/>
+    <p:sldId id="307" r:id="rId49"/>
+    <p:sldId id="306" r:id="rId50"/>
   </p:sldIdLst>
   <p:sldSz cx="9144000" cy="6858000" type="screen4x3"/>
   <p:notesSz cx="6858000" cy="9144000"/>
@@ -12796,7 +12805,6 @@
               <a:rPr lang="en-GB" dirty="0"/>
               <a:t> Hill, Ed., 2010</a:t>
             </a:r>
-            <a:endParaRPr lang="en-GB" dirty="0"/>
           </a:p>
         </p:txBody>
       </p:sp>
@@ -18474,7 +18482,7 @@
         </p:nvSpPr>
         <p:spPr>
           <a:xfrm>
-            <a:off x="408384" y="-171400"/>
+            <a:off x="408384" y="197768"/>
             <a:ext cx="7620000" cy="854968"/>
           </a:xfrm>
         </p:spPr>
@@ -18484,11 +18492,7 @@
           <a:p>
             <a:r>
               <a:rPr lang="en-GB" sz="4000" dirty="0" smtClean="0"/>
-              <a:t>PDE </a:t>
-            </a:r>
-            <a:r>
-              <a:rPr lang="en-GB" sz="4000" dirty="0" smtClean="0"/>
-              <a:t>Poisson</a:t>
+              <a:t>PDE Poisson</a:t>
             </a:r>
             <a:endParaRPr lang="en-GB" dirty="0"/>
           </a:p>
@@ -20903,7 +20907,7 @@
         </p:blipFill>
         <p:spPr bwMode="auto">
           <a:xfrm>
-            <a:off x="3980485" y="1947047"/>
+            <a:off x="3980485" y="1700808"/>
             <a:ext cx="4686716" cy="4434281"/>
           </a:xfrm>
           <a:prstGeom prst="rect">
@@ -20921,291 +20925,6 @@
           </a:extLst>
         </p:spPr>
       </p:pic>
-      <p:sp>
-        <p:nvSpPr>
-          <p:cNvPr id="5" name="Subtitle 2"/>
-          <p:cNvSpPr txBox="1">
-            <a:spLocks/>
-          </p:cNvSpPr>
-          <p:nvPr/>
-        </p:nvSpPr>
-        <p:spPr>
-          <a:xfrm>
-            <a:off x="323528" y="548680"/>
-            <a:ext cx="7630616" cy="720079"/>
-          </a:xfrm>
-          <a:prstGeom prst="rect">
-            <a:avLst/>
-          </a:prstGeom>
-        </p:spPr>
-        <p:txBody>
-          <a:bodyPr vert="horz" lIns="91440" tIns="45720" rIns="91440" bIns="45720" rtlCol="0">
-            <a:noAutofit/>
-          </a:bodyPr>
-          <a:lstStyle>
-            <a:lvl1pPr marL="342900" indent="-228600" algn="l" defTabSz="914400" rtl="0" eaLnBrk="1" latinLnBrk="0" hangingPunct="1">
-              <a:spcBef>
-                <a:spcPct val="20000"/>
-              </a:spcBef>
-              <a:buClr>
-                <a:schemeClr val="accent1"/>
-              </a:buClr>
-              <a:buFont typeface="Arial" pitchFamily="34" charset="0"/>
-              <a:buChar char="•"/>
-              <a:defRPr sz="2200" kern="1200">
-                <a:solidFill>
-                  <a:schemeClr val="tx1"/>
-                </a:solidFill>
-                <a:latin typeface="+mn-lt"/>
-                <a:ea typeface="+mn-ea"/>
-                <a:cs typeface="+mn-cs"/>
-              </a:defRPr>
-            </a:lvl1pPr>
-            <a:lvl2pPr marL="640080" indent="-228600" algn="l" defTabSz="914400" rtl="0" eaLnBrk="1" latinLnBrk="0" hangingPunct="1">
-              <a:spcBef>
-                <a:spcPct val="20000"/>
-              </a:spcBef>
-              <a:buClr>
-                <a:schemeClr val="accent2"/>
-              </a:buClr>
-              <a:buFont typeface="Arial" pitchFamily="34" charset="0"/>
-              <a:buChar char="•"/>
-              <a:defRPr sz="2000" kern="1200">
-                <a:solidFill>
-                  <a:schemeClr val="tx1"/>
-                </a:solidFill>
-                <a:latin typeface="+mn-lt"/>
-                <a:ea typeface="+mn-ea"/>
-                <a:cs typeface="+mn-cs"/>
-              </a:defRPr>
-            </a:lvl2pPr>
-            <a:lvl3pPr marL="1005840" indent="-228600" algn="l" defTabSz="914400" rtl="0" eaLnBrk="1" latinLnBrk="0" hangingPunct="1">
-              <a:spcBef>
-                <a:spcPct val="20000"/>
-              </a:spcBef>
-              <a:buClr>
-                <a:schemeClr val="accent3"/>
-              </a:buClr>
-              <a:buFont typeface="Arial" pitchFamily="34" charset="0"/>
-              <a:buChar char="•"/>
-              <a:defRPr sz="1800" kern="1200">
-                <a:solidFill>
-                  <a:schemeClr val="tx1"/>
-                </a:solidFill>
-                <a:latin typeface="+mn-lt"/>
-                <a:ea typeface="+mn-ea"/>
-                <a:cs typeface="+mn-cs"/>
-              </a:defRPr>
-            </a:lvl3pPr>
-            <a:lvl4pPr marL="1280160" indent="-228600" algn="l" defTabSz="914400" rtl="0" eaLnBrk="1" latinLnBrk="0" hangingPunct="1">
-              <a:spcBef>
-                <a:spcPct val="20000"/>
-              </a:spcBef>
-              <a:buClr>
-                <a:schemeClr val="accent4"/>
-              </a:buClr>
-              <a:buFont typeface="Arial" pitchFamily="34" charset="0"/>
-              <a:buChar char="•"/>
-              <a:defRPr sz="1600" kern="1200">
-                <a:solidFill>
-                  <a:schemeClr val="tx1"/>
-                </a:solidFill>
-                <a:latin typeface="+mn-lt"/>
-                <a:ea typeface="+mn-ea"/>
-                <a:cs typeface="+mn-cs"/>
-              </a:defRPr>
-            </a:lvl4pPr>
-            <a:lvl5pPr marL="1554480" indent="-228600" algn="l" defTabSz="914400" rtl="0" eaLnBrk="1" latinLnBrk="0" hangingPunct="1">
-              <a:spcBef>
-                <a:spcPct val="20000"/>
-              </a:spcBef>
-              <a:buClr>
-                <a:schemeClr val="accent5"/>
-              </a:buClr>
-              <a:buFont typeface="Arial" pitchFamily="34" charset="0"/>
-              <a:buChar char="•"/>
-              <a:defRPr sz="1400" kern="1200" baseline="0">
-                <a:solidFill>
-                  <a:schemeClr val="tx1"/>
-                </a:solidFill>
-                <a:latin typeface="+mn-lt"/>
-                <a:ea typeface="+mn-ea"/>
-                <a:cs typeface="+mn-cs"/>
-              </a:defRPr>
-            </a:lvl5pPr>
-            <a:lvl6pPr marL="1737360" indent="-182880" algn="l" defTabSz="914400" rtl="0" eaLnBrk="1" latinLnBrk="0" hangingPunct="1">
-              <a:spcBef>
-                <a:spcPct val="20000"/>
-              </a:spcBef>
-              <a:buClr>
-                <a:schemeClr val="accent1"/>
-              </a:buClr>
-              <a:buFont typeface="Arial" pitchFamily="34" charset="0"/>
-              <a:buChar char="•"/>
-              <a:defRPr sz="1400" kern="1200" baseline="0">
-                <a:solidFill>
-                  <a:schemeClr val="tx1"/>
-                </a:solidFill>
-                <a:latin typeface="+mn-lt"/>
-                <a:ea typeface="+mn-ea"/>
-                <a:cs typeface="+mn-cs"/>
-              </a:defRPr>
-            </a:lvl6pPr>
-            <a:lvl7pPr marL="1920240" indent="-182880" algn="l" defTabSz="914400" rtl="0" eaLnBrk="1" latinLnBrk="0" hangingPunct="1">
-              <a:spcBef>
-                <a:spcPct val="20000"/>
-              </a:spcBef>
-              <a:buClr>
-                <a:schemeClr val="accent2"/>
-              </a:buClr>
-              <a:buFont typeface="Arial" pitchFamily="34" charset="0"/>
-              <a:buChar char="•"/>
-              <a:defRPr sz="1400" kern="1200">
-                <a:solidFill>
-                  <a:schemeClr val="tx1"/>
-                </a:solidFill>
-                <a:latin typeface="+mn-lt"/>
-                <a:ea typeface="+mn-ea"/>
-                <a:cs typeface="+mn-cs"/>
-              </a:defRPr>
-            </a:lvl7pPr>
-            <a:lvl8pPr marL="2103120" indent="-182880" algn="l" defTabSz="914400" rtl="0" eaLnBrk="1" latinLnBrk="0" hangingPunct="1">
-              <a:spcBef>
-                <a:spcPct val="20000"/>
-              </a:spcBef>
-              <a:buClr>
-                <a:schemeClr val="accent3"/>
-              </a:buClr>
-              <a:buFont typeface="Arial" pitchFamily="34" charset="0"/>
-              <a:buChar char="•"/>
-              <a:defRPr sz="1400" kern="1200">
-                <a:solidFill>
-                  <a:schemeClr val="tx1"/>
-                </a:solidFill>
-                <a:latin typeface="+mn-lt"/>
-                <a:ea typeface="+mn-ea"/>
-                <a:cs typeface="+mn-cs"/>
-              </a:defRPr>
-            </a:lvl8pPr>
-            <a:lvl9pPr marL="2286000" indent="-182880" algn="l" defTabSz="914400" rtl="0" eaLnBrk="1" latinLnBrk="0" hangingPunct="1">
-              <a:spcBef>
-                <a:spcPct val="20000"/>
-              </a:spcBef>
-              <a:buClr>
-                <a:schemeClr val="accent4"/>
-              </a:buClr>
-              <a:buFont typeface="Arial" pitchFamily="34" charset="0"/>
-              <a:buChar char="•"/>
-              <a:defRPr sz="1400" kern="1200">
-                <a:solidFill>
-                  <a:schemeClr val="tx1"/>
-                </a:solidFill>
-                <a:latin typeface="+mn-lt"/>
-                <a:ea typeface="+mn-ea"/>
-                <a:cs typeface="+mn-cs"/>
-              </a:defRPr>
-            </a:lvl9pPr>
-          </a:lstStyle>
-          <a:p>
-            <a:r>
-              <a:rPr lang="en-GB" sz="1200" i="1" dirty="0">
-                <a:solidFill>
-                  <a:schemeClr val="tx1">
-                    <a:tint val="75000"/>
-                  </a:schemeClr>
-                </a:solidFill>
-              </a:rPr>
-              <a:t>Study of the book: </a:t>
-            </a:r>
-          </a:p>
-          <a:p>
-            <a:pPr marL="571500" indent="-457200">
-              <a:buFont typeface="+mj-lt"/>
-              <a:buAutoNum type="arabicPeriod"/>
-            </a:pPr>
-            <a:r>
-              <a:rPr lang="en-GB" sz="1200" i="1" dirty="0">
-                <a:solidFill>
-                  <a:schemeClr val="tx1">
-                    <a:tint val="75000"/>
-                  </a:schemeClr>
-                </a:solidFill>
-              </a:rPr>
-              <a:t>Numerical methods for engineers, 6th ed., S.C </a:t>
-            </a:r>
-            <a:r>
-              <a:rPr lang="en-GB" sz="1200" i="1" dirty="0" err="1">
-                <a:solidFill>
-                  <a:schemeClr val="tx1">
-                    <a:tint val="75000"/>
-                  </a:schemeClr>
-                </a:solidFill>
-              </a:rPr>
-              <a:t>Chapra</a:t>
-            </a:r>
-            <a:r>
-              <a:rPr lang="en-GB" sz="1200" i="1" dirty="0">
-                <a:solidFill>
-                  <a:schemeClr val="tx1">
-                    <a:tint val="75000"/>
-                  </a:schemeClr>
-                </a:solidFill>
-              </a:rPr>
-              <a:t>, R.P </a:t>
-            </a:r>
-            <a:r>
-              <a:rPr lang="en-GB" sz="1200" i="1" dirty="0" err="1">
-                <a:solidFill>
-                  <a:schemeClr val="tx1">
-                    <a:tint val="75000"/>
-                  </a:schemeClr>
-                </a:solidFill>
-              </a:rPr>
-              <a:t>Canale</a:t>
-            </a:r>
-            <a:endParaRPr lang="en-GB" sz="1200" i="1" dirty="0">
-              <a:solidFill>
-                <a:schemeClr val="tx1">
-                  <a:tint val="75000"/>
-                </a:schemeClr>
-              </a:solidFill>
-            </a:endParaRPr>
-          </a:p>
-          <a:p>
-            <a:pPr marL="571500" indent="-457200">
-              <a:buFont typeface="+mj-lt"/>
-              <a:buAutoNum type="arabicPeriod"/>
-            </a:pPr>
-            <a:r>
-              <a:rPr lang="en-GB" sz="1200" i="1" dirty="0">
-                <a:solidFill>
-                  <a:schemeClr val="tx1">
-                    <a:tint val="75000"/>
-                  </a:schemeClr>
-                </a:solidFill>
-              </a:rPr>
-              <a:t>Numerical Analysis, 9th ed., R.L Burden, J.D </a:t>
-            </a:r>
-            <a:r>
-              <a:rPr lang="en-GB" sz="1200" i="1" dirty="0" err="1">
-                <a:solidFill>
-                  <a:schemeClr val="tx1">
-                    <a:tint val="75000"/>
-                  </a:schemeClr>
-                </a:solidFill>
-              </a:rPr>
-              <a:t>Faires</a:t>
-            </a:r>
-            <a:endParaRPr lang="en-GB" sz="1200" i="1" dirty="0">
-              <a:solidFill>
-                <a:schemeClr val="tx1">
-                  <a:tint val="75000"/>
-                </a:schemeClr>
-              </a:solidFill>
-            </a:endParaRPr>
-          </a:p>
-        </p:txBody>
-      </p:sp>
     </p:spTree>
     <p:extLst>
       <p:ext uri="{BB962C8B-B14F-4D97-AF65-F5344CB8AC3E}">
@@ -22194,7 +21913,6 @@
               <a:rPr lang="en-GB" dirty="0"/>
               <a:t>, 2010, vol. 1.</a:t>
             </a:r>
-            <a:endParaRPr lang="en-GB" dirty="0"/>
           </a:p>
         </p:txBody>
       </p:sp>
@@ -28725,8 +28443,8 @@
           </a:p>
         </p:txBody>
       </p:sp>
-      <mc:AlternateContent xmlns:mc="http://schemas.openxmlformats.org/markup-compatibility/2006">
-        <mc:Choice xmlns:a14="http://schemas.microsoft.com/office/drawing/2010/main" Requires="a14">
+      <mc:AlternateContent xmlns:mc="http://schemas.openxmlformats.org/markup-compatibility/2006" xmlns:a14="http://schemas.microsoft.com/office/drawing/2010/main">
+        <mc:Choice Requires="a14">
           <p:sp>
             <p:nvSpPr>
               <p:cNvPr id="3" name="Content Placeholder 2"/>
@@ -29471,15 +29189,11 @@
                   </a:rPr>
                   <a:t>    [0.1414]    [ 7.0711]    [ 0.1053]    [ 0.0543]    [0.9950]    [     0.9950]</a:t>
                 </a:r>
-                <a:endParaRPr lang="en-GB" sz="1100" dirty="0">
-                  <a:latin typeface="Courier New" pitchFamily="49" charset="0"/>
-                  <a:cs typeface="Courier New" pitchFamily="49" charset="0"/>
-                </a:endParaRPr>
               </a:p>
             </p:txBody>
           </p:sp>
         </mc:Choice>
-        <mc:Fallback>
+        <mc:Fallback xmlns="">
           <p:sp>
             <p:nvSpPr>
               <p:cNvPr id="3" name="Content Placeholder 2"/>
@@ -29614,8 +29328,8 @@
           </a:p>
         </p:txBody>
       </p:sp>
-      <mc:AlternateContent xmlns:mc="http://schemas.openxmlformats.org/markup-compatibility/2006">
-        <mc:Choice xmlns:a14="http://schemas.microsoft.com/office/drawing/2010/main" Requires="a14">
+      <mc:AlternateContent xmlns:mc="http://schemas.openxmlformats.org/markup-compatibility/2006" xmlns:a14="http://schemas.microsoft.com/office/drawing/2010/main">
+        <mc:Choice Requires="a14">
           <p:sp>
             <p:nvSpPr>
               <p:cNvPr id="3" name="Content Placeholder 2"/>
@@ -30470,7 +30184,7 @@
             </p:txBody>
           </p:sp>
         </mc:Choice>
-        <mc:Fallback>
+        <mc:Fallback xmlns="">
           <p:sp>
             <p:nvSpPr>
               <p:cNvPr id="3" name="Content Placeholder 2"/>
@@ -30605,8 +30319,8 @@
           </a:p>
         </p:txBody>
       </p:sp>
-      <mc:AlternateContent xmlns:mc="http://schemas.openxmlformats.org/markup-compatibility/2006">
-        <mc:Choice xmlns:a14="http://schemas.microsoft.com/office/drawing/2010/main" Requires="a14">
+      <mc:AlternateContent xmlns:mc="http://schemas.openxmlformats.org/markup-compatibility/2006" xmlns:a14="http://schemas.microsoft.com/office/drawing/2010/main">
+        <mc:Choice Requires="a14">
           <p:sp>
             <p:nvSpPr>
               <p:cNvPr id="3" name="Content Placeholder 2"/>
@@ -31383,7 +31097,7 @@
             </p:txBody>
           </p:sp>
         </mc:Choice>
-        <mc:Fallback>
+        <mc:Fallback xmlns="">
           <p:sp>
             <p:nvSpPr>
               <p:cNvPr id="3" name="Content Placeholder 2"/>
@@ -31477,8 +31191,8 @@
           </a:p>
         </p:txBody>
       </p:sp>
-      <mc:AlternateContent xmlns:mc="http://schemas.openxmlformats.org/markup-compatibility/2006">
-        <mc:Choice xmlns:a14="http://schemas.microsoft.com/office/drawing/2010/main" Requires="a14">
+      <mc:AlternateContent xmlns:mc="http://schemas.openxmlformats.org/markup-compatibility/2006" xmlns:a14="http://schemas.microsoft.com/office/drawing/2010/main">
+        <mc:Choice Requires="a14">
           <p:sp>
             <p:nvSpPr>
               <p:cNvPr id="3" name="Content Placeholder 2"/>
@@ -31712,15 +31426,7 @@
               <a:p>
                 <a:r>
                   <a:rPr lang="en-US" sz="1800" dirty="0"/>
-                  <a:t>Analytical </a:t>
-                </a:r>
-                <a:r>
-                  <a:rPr lang="en-US" sz="1800" dirty="0"/>
-                  <a:t>function</a:t>
-                </a:r>
-                <a:r>
-                  <a:rPr lang="en-US" sz="1800" dirty="0"/>
-                  <a:t>: </a:t>
+                  <a:t>Analytical function: </a:t>
                 </a:r>
                 <a14:m>
                   <m:oMath xmlns:m="http://schemas.openxmlformats.org/officeDocument/2006/math">
@@ -32169,7 +31875,7 @@
             </p:txBody>
           </p:sp>
         </mc:Choice>
-        <mc:Fallback>
+        <mc:Fallback xmlns="">
           <p:sp>
             <p:nvSpPr>
               <p:cNvPr id="3" name="Content Placeholder 2"/>
@@ -32304,8 +32010,8 @@
           </a:p>
         </p:txBody>
       </p:sp>
-      <mc:AlternateContent xmlns:mc="http://schemas.openxmlformats.org/markup-compatibility/2006">
-        <mc:Choice xmlns:a14="http://schemas.microsoft.com/office/drawing/2010/main" Requires="a14">
+      <mc:AlternateContent xmlns:mc="http://schemas.openxmlformats.org/markup-compatibility/2006" xmlns:a14="http://schemas.microsoft.com/office/drawing/2010/main">
+        <mc:Choice Requires="a14">
           <p:sp>
             <p:nvSpPr>
               <p:cNvPr id="3" name="Content Placeholder 2"/>
@@ -32373,18 +32079,24 @@
                     <m:sSub>
                       <m:sSubPr>
                         <m:ctrlPr>
-                          <a:rPr lang="en-GB" sz="1400"/>
+                          <a:rPr lang="en-GB" sz="1400" i="1">
+                            <a:latin typeface="Cambria Math"/>
+                          </a:rPr>
                         </m:ctrlPr>
                       </m:sSubPr>
                       <m:e>
                         <m:r>
-                          <a:rPr lang="en-GB" sz="1400"/>
+                          <a:rPr lang="en-GB" sz="1400">
+                            <a:latin typeface="Cambria Math"/>
+                          </a:rPr>
                           <m:t>𝐽</m:t>
                         </m:r>
                       </m:e>
                       <m:sub>
                         <m:r>
-                          <a:rPr lang="en-GB" sz="1400"/>
+                          <a:rPr lang="en-GB" sz="1400">
+                            <a:latin typeface="Cambria Math"/>
+                          </a:rPr>
                           <m:t>0</m:t>
                         </m:r>
                       </m:sub>
@@ -32392,26 +32104,36 @@
                     <m:d>
                       <m:dPr>
                         <m:ctrlPr>
-                          <a:rPr lang="en-GB" sz="1400"/>
+                          <a:rPr lang="en-GB" sz="1400" i="1">
+                            <a:latin typeface="Cambria Math"/>
+                          </a:rPr>
                         </m:ctrlPr>
                       </m:dPr>
                       <m:e>
                         <m:r>
-                          <a:rPr lang="en-GB" sz="1400"/>
+                          <a:rPr lang="en-GB" sz="1400">
+                            <a:latin typeface="Cambria Math"/>
+                          </a:rPr>
                           <m:t>𝑘h</m:t>
                         </m:r>
                       </m:e>
                     </m:d>
                     <m:r>
-                      <a:rPr lang="en-GB" sz="1400"/>
+                      <a:rPr lang="en-GB" sz="1400">
+                        <a:latin typeface="Cambria Math"/>
+                      </a:rPr>
                       <m:t> </m:t>
                     </m:r>
                     <m:r>
-                      <a:rPr lang="en-GB" sz="1400"/>
+                      <a:rPr lang="en-GB" sz="1400">
+                        <a:latin typeface="Cambria Math"/>
+                      </a:rPr>
                       <m:t>𝑖𝑛</m:t>
                     </m:r>
                     <m:r>
-                      <a:rPr lang="en-GB" sz="1400"/>
+                      <a:rPr lang="en-GB" sz="1400">
+                        <a:latin typeface="Cambria Math"/>
+                      </a:rPr>
                       <m:t> </m:t>
                     </m:r>
                     <m:d>
@@ -32419,12 +32141,16 @@
                         <m:begChr m:val="["/>
                         <m:endChr m:val="]"/>
                         <m:ctrlPr>
-                          <a:rPr lang="en-GB" sz="1400"/>
+                          <a:rPr lang="en-GB" sz="1400" i="1">
+                            <a:latin typeface="Cambria Math"/>
+                          </a:rPr>
                         </m:ctrlPr>
                       </m:dPr>
                       <m:e>
                         <m:r>
-                          <a:rPr lang="en-GB" sz="1400"/>
+                          <a:rPr lang="en-GB" sz="1400">
+                            <a:latin typeface="Cambria Math"/>
+                          </a:rPr>
                           <m:t>0</m:t>
                         </m:r>
                         <m:r>
@@ -32436,18 +32162,24 @@
                         <m:f>
                           <m:fPr>
                             <m:ctrlPr>
-                              <a:rPr lang="en-GB" sz="1400"/>
+                              <a:rPr lang="en-GB" sz="1400" i="1">
+                                <a:latin typeface="Cambria Math"/>
+                              </a:rPr>
                             </m:ctrlPr>
                           </m:fPr>
                           <m:num>
                             <m:r>
-                              <a:rPr lang="en-GB" sz="1400"/>
+                              <a:rPr lang="en-GB" sz="1400">
+                                <a:latin typeface="Cambria Math"/>
+                              </a:rPr>
                               <m:t>𝜋</m:t>
                             </m:r>
                           </m:num>
                           <m:den>
                             <m:r>
-                              <a:rPr lang="en-GB" sz="1400"/>
+                              <a:rPr lang="en-GB" sz="1400">
+                                <a:latin typeface="Cambria Math"/>
+                              </a:rPr>
                               <m:t>2</m:t>
                             </m:r>
                           </m:den>
@@ -32455,7 +32187,9 @@
                       </m:e>
                     </m:d>
                     <m:r>
-                      <a:rPr lang="en-GB" sz="1400"/>
+                      <a:rPr lang="en-GB" sz="1400">
+                        <a:latin typeface="Cambria Math"/>
+                      </a:rPr>
                       <m:t>(</m:t>
                     </m:r>
                   </m:oMath>
@@ -32469,7 +32203,9 @@
                     <m:sSub>
                       <m:sSubPr>
                         <m:ctrlPr>
-                          <a:rPr lang="en-GB" sz="1400"/>
+                          <a:rPr lang="en-GB" sz="1400" i="1">
+                            <a:latin typeface="Cambria Math"/>
+                          </a:rPr>
                         </m:ctrlPr>
                       </m:sSubPr>
                       <m:e>
@@ -32477,13 +32213,17 @@
                           <m:rPr>
                             <m:sty m:val="p"/>
                           </m:rPr>
-                          <a:rPr lang="en-GB" sz="1400"/>
+                          <a:rPr lang="en-GB" sz="1400">
+                            <a:latin typeface="Cambria Math"/>
+                          </a:rPr>
                           <m:t>θ</m:t>
                         </m:r>
                       </m:e>
                       <m:sub>
                         <m:r>
-                          <a:rPr lang="en-GB" sz="1400"/>
+                          <a:rPr lang="en-GB" sz="1400">
+                            <a:latin typeface="Cambria Math"/>
+                          </a:rPr>
                           <m:t>1</m:t>
                         </m:r>
                       </m:sub>
@@ -32499,7 +32239,9 @@
                     <m:sSub>
                       <m:sSubPr>
                         <m:ctrlPr>
-                          <a:rPr lang="en-GB" sz="1400"/>
+                          <a:rPr lang="en-GB" sz="1400" i="1">
+                            <a:latin typeface="Cambria Math"/>
+                          </a:rPr>
                         </m:ctrlPr>
                       </m:sSubPr>
                       <m:e>
@@ -32507,13 +32249,17 @@
                           <m:rPr>
                             <m:sty m:val="p"/>
                           </m:rPr>
-                          <a:rPr lang="en-GB" sz="1400"/>
+                          <a:rPr lang="en-GB" sz="1400">
+                            <a:latin typeface="Cambria Math"/>
+                          </a:rPr>
                           <m:t>θ</m:t>
                         </m:r>
                       </m:e>
                       <m:sub>
                         <m:r>
-                          <a:rPr lang="en-GB" sz="1400"/>
+                          <a:rPr lang="en-GB" sz="1400">
+                            <a:latin typeface="Cambria Math"/>
+                          </a:rPr>
                           <m:t>2</m:t>
                         </m:r>
                       </m:sub>
@@ -33335,7 +33081,7 @@
             </p:txBody>
           </p:sp>
         </mc:Choice>
-        <mc:Fallback>
+        <mc:Fallback xmlns="">
           <p:sp>
             <p:nvSpPr>
               <p:cNvPr id="3" name="Content Placeholder 2"/>
@@ -33797,6 +33543,7590 @@
     <p:extLst>
       <p:ext uri="{BB962C8B-B14F-4D97-AF65-F5344CB8AC3E}">
         <p14:creationId xmlns:p14="http://schemas.microsoft.com/office/powerpoint/2010/main" val="1864344957"/>
+      </p:ext>
+    </p:extLst>
+  </p:cSld>
+  <p:clrMapOvr>
+    <a:masterClrMapping/>
+  </p:clrMapOvr>
+  <p:timing>
+    <p:tnLst>
+      <p:par>
+        <p:cTn id="1" dur="indefinite" restart="never" nodeType="tmRoot"/>
+      </p:par>
+    </p:tnLst>
+  </p:timing>
+</p:sld>
+</file>
+
+<file path=ppt/slides/slide41.xml><?xml version="1.0" encoding="utf-8"?>
+<p:sld xmlns:a="http://schemas.openxmlformats.org/drawingml/2006/main" xmlns:r="http://schemas.openxmlformats.org/officeDocument/2006/relationships" xmlns:p="http://schemas.openxmlformats.org/presentationml/2006/main">
+  <p:cSld>
+    <p:spTree>
+      <p:nvGrpSpPr>
+        <p:cNvPr id="1" name=""/>
+        <p:cNvGrpSpPr/>
+        <p:nvPr/>
+      </p:nvGrpSpPr>
+      <p:grpSpPr>
+        <a:xfrm>
+          <a:off x="0" y="0"/>
+          <a:ext cx="0" cy="0"/>
+          <a:chOff x="0" y="0"/>
+          <a:chExt cx="0" cy="0"/>
+        </a:xfrm>
+      </p:grpSpPr>
+      <p:sp>
+        <p:nvSpPr>
+          <p:cNvPr id="2" name="Title 1"/>
+          <p:cNvSpPr>
+            <a:spLocks noGrp="1"/>
+          </p:cNvSpPr>
+          <p:nvPr>
+            <p:ph type="title" idx="4294967295"/>
+          </p:nvPr>
+        </p:nvSpPr>
+        <p:spPr>
+          <a:xfrm>
+            <a:off x="0" y="274638"/>
+            <a:ext cx="7620000" cy="1143000"/>
+          </a:xfrm>
+        </p:spPr>
+        <p:txBody>
+          <a:bodyPr/>
+          <a:lstStyle/>
+          <a:p>
+            <a:r>
+              <a:rPr lang="en-GB" dirty="0" smtClean="0"/>
+              <a:t>5-points to 9-points stencil</a:t>
+            </a:r>
+            <a:endParaRPr lang="en-GB" dirty="0"/>
+          </a:p>
+        </p:txBody>
+      </p:sp>
+      <p:pic>
+        <p:nvPicPr>
+          <p:cNvPr id="1026" name="Picture 2" descr="D:\Dropbox\Samuel\advancement\5-high order scheme\9-stencil.png"/>
+          <p:cNvPicPr>
+            <a:picLocks noChangeAspect="1" noChangeArrowheads="1"/>
+          </p:cNvPicPr>
+          <p:nvPr/>
+        </p:nvPicPr>
+        <p:blipFill>
+          <a:blip r:embed="rId2" cstate="print">
+            <a:extLst>
+              <a:ext uri="{28A0092B-C50C-407E-A947-70E740481C1C}">
+                <a14:useLocalDpi xmlns:a14="http://schemas.microsoft.com/office/drawing/2010/main" val="0"/>
+              </a:ext>
+            </a:extLst>
+          </a:blip>
+          <a:srcRect/>
+          <a:stretch>
+            <a:fillRect/>
+          </a:stretch>
+        </p:blipFill>
+        <p:spPr bwMode="auto">
+          <a:xfrm>
+            <a:off x="5239554" y="1551183"/>
+            <a:ext cx="2506165" cy="2510350"/>
+          </a:xfrm>
+          <a:prstGeom prst="rect">
+            <a:avLst/>
+          </a:prstGeom>
+          <a:noFill/>
+          <a:extLst>
+            <a:ext uri="{909E8E84-426E-40DD-AFC4-6F175D3DCCD1}">
+              <a14:hiddenFill xmlns:a14="http://schemas.microsoft.com/office/drawing/2010/main">
+                <a:solidFill>
+                  <a:srgbClr val="FFFFFF"/>
+                </a:solidFill>
+              </a14:hiddenFill>
+            </a:ext>
+          </a:extLst>
+        </p:spPr>
+      </p:pic>
+      <p:pic>
+        <p:nvPicPr>
+          <p:cNvPr id="1027" name="Picture 3" descr="D:\Dropbox\Samuel\advancement\5-high order scheme\5-stencil.png"/>
+          <p:cNvPicPr>
+            <a:picLocks noChangeAspect="1" noChangeArrowheads="1"/>
+          </p:cNvPicPr>
+          <p:nvPr/>
+        </p:nvPicPr>
+        <p:blipFill>
+          <a:blip r:embed="rId3" cstate="print">
+            <a:extLst>
+              <a:ext uri="{28A0092B-C50C-407E-A947-70E740481C1C}">
+                <a14:useLocalDpi xmlns:a14="http://schemas.microsoft.com/office/drawing/2010/main" val="0"/>
+              </a:ext>
+            </a:extLst>
+          </a:blip>
+          <a:srcRect/>
+          <a:stretch>
+            <a:fillRect/>
+          </a:stretch>
+        </p:blipFill>
+        <p:spPr bwMode="auto">
+          <a:xfrm>
+            <a:off x="539552" y="1551184"/>
+            <a:ext cx="2521677" cy="2525888"/>
+          </a:xfrm>
+          <a:prstGeom prst="rect">
+            <a:avLst/>
+          </a:prstGeom>
+          <a:noFill/>
+          <a:extLst>
+            <a:ext uri="{909E8E84-426E-40DD-AFC4-6F175D3DCCD1}">
+              <a14:hiddenFill xmlns:a14="http://schemas.microsoft.com/office/drawing/2010/main">
+                <a:solidFill>
+                  <a:srgbClr val="FFFFFF"/>
+                </a:solidFill>
+              </a14:hiddenFill>
+            </a:ext>
+          </a:extLst>
+        </p:spPr>
+      </p:pic>
+      <p:sp>
+        <p:nvSpPr>
+          <p:cNvPr id="4" name="Right Arrow 3"/>
+          <p:cNvSpPr/>
+          <p:nvPr/>
+        </p:nvSpPr>
+        <p:spPr>
+          <a:xfrm>
+            <a:off x="3635896" y="2624095"/>
+            <a:ext cx="1076151" cy="300849"/>
+          </a:xfrm>
+          <a:prstGeom prst="rightArrow">
+            <a:avLst/>
+          </a:prstGeom>
+        </p:spPr>
+        <p:style>
+          <a:lnRef idx="2">
+            <a:schemeClr val="accent1">
+              <a:shade val="50000"/>
+            </a:schemeClr>
+          </a:lnRef>
+          <a:fillRef idx="1">
+            <a:schemeClr val="accent1"/>
+          </a:fillRef>
+          <a:effectRef idx="0">
+            <a:schemeClr val="accent1"/>
+          </a:effectRef>
+          <a:fontRef idx="minor">
+            <a:schemeClr val="lt1"/>
+          </a:fontRef>
+        </p:style>
+        <p:txBody>
+          <a:bodyPr rtlCol="0" anchor="ctr"/>
+          <a:lstStyle/>
+          <a:p>
+            <a:pPr algn="ctr"/>
+            <a:endParaRPr lang="en-GB"/>
+          </a:p>
+        </p:txBody>
+      </p:sp>
+      <mc:AlternateContent xmlns:mc="http://schemas.openxmlformats.org/markup-compatibility/2006">
+        <mc:Choice xmlns:a14="http://schemas.microsoft.com/office/drawing/2010/main" Requires="a14">
+          <p:sp>
+            <p:nvSpPr>
+              <p:cNvPr id="5" name="TextBox 4"/>
+              <p:cNvSpPr txBox="1"/>
+              <p:nvPr/>
+            </p:nvSpPr>
+            <p:spPr>
+              <a:xfrm>
+                <a:off x="1565873" y="2179111"/>
+                <a:ext cx="557855" cy="307777"/>
+              </a:xfrm>
+              <a:prstGeom prst="rect">
+                <a:avLst/>
+              </a:prstGeom>
+              <a:noFill/>
+            </p:spPr>
+            <p:txBody>
+              <a:bodyPr wrap="square" rtlCol="0">
+                <a:spAutoFit/>
+              </a:bodyPr>
+              <a:lstStyle/>
+              <a:p>
+                <a14:m>
+                  <m:oMathPara xmlns:m="http://schemas.openxmlformats.org/officeDocument/2006/math">
+                    <m:oMathParaPr>
+                      <m:jc m:val="centerGroup"/>
+                    </m:oMathParaPr>
+                    <m:oMath xmlns:m="http://schemas.openxmlformats.org/officeDocument/2006/math">
+                      <m:sSub>
+                        <m:sSubPr>
+                          <m:ctrlPr>
+                            <a:rPr lang="fr-FR" sz="1400" b="0" i="1" smtClean="0">
+                              <a:solidFill>
+                                <a:srgbClr val="0070C0"/>
+                              </a:solidFill>
+                              <a:latin typeface="Cambria Math"/>
+                            </a:rPr>
+                          </m:ctrlPr>
+                        </m:sSubPr>
+                        <m:e>
+                          <m:r>
+                            <a:rPr lang="fr-FR" sz="1400" b="0" i="1" smtClean="0">
+                              <a:solidFill>
+                                <a:srgbClr val="0070C0"/>
+                              </a:solidFill>
+                              <a:latin typeface="Cambria Math"/>
+                            </a:rPr>
+                            <m:t>𝐴</m:t>
+                          </m:r>
+                        </m:e>
+                        <m:sub>
+                          <m:r>
+                            <a:rPr lang="fr-FR" sz="1400" b="0" i="1" smtClean="0">
+                              <a:solidFill>
+                                <a:srgbClr val="0070C0"/>
+                              </a:solidFill>
+                              <a:latin typeface="Cambria Math"/>
+                            </a:rPr>
+                            <m:t>0</m:t>
+                          </m:r>
+                        </m:sub>
+                      </m:sSub>
+                    </m:oMath>
+                  </m:oMathPara>
+                </a14:m>
+                <a:endParaRPr lang="en-GB" sz="1400" dirty="0"/>
+              </a:p>
+            </p:txBody>
+          </p:sp>
+        </mc:Choice>
+        <mc:Fallback>
+          <p:sp>
+            <p:nvSpPr>
+              <p:cNvPr id="5" name="TextBox 4"/>
+              <p:cNvSpPr txBox="1">
+                <a:spLocks noRot="1" noChangeAspect="1" noMove="1" noResize="1" noEditPoints="1" noAdjustHandles="1" noChangeArrowheads="1" noChangeShapeType="1" noTextEdit="1"/>
+              </p:cNvSpPr>
+              <p:nvPr/>
+            </p:nvSpPr>
+            <p:spPr>
+              <a:xfrm>
+                <a:off x="1565873" y="2179111"/>
+                <a:ext cx="557855" cy="307777"/>
+              </a:xfrm>
+              <a:prstGeom prst="rect">
+                <a:avLst/>
+              </a:prstGeom>
+              <a:blipFill rotWithShape="1">
+                <a:blip r:embed="rId4"/>
+                <a:stretch>
+                  <a:fillRect t="-1961" b="-17647"/>
+                </a:stretch>
+              </a:blipFill>
+            </p:spPr>
+            <p:txBody>
+              <a:bodyPr/>
+              <a:lstStyle/>
+              <a:p>
+                <a:r>
+                  <a:rPr lang="en-GB">
+                    <a:noFill/>
+                  </a:rPr>
+                  <a:t> </a:t>
+                </a:r>
+              </a:p>
+            </p:txBody>
+          </p:sp>
+        </mc:Fallback>
+      </mc:AlternateContent>
+      <mc:AlternateContent xmlns:mc="http://schemas.openxmlformats.org/markup-compatibility/2006">
+        <mc:Choice xmlns:a14="http://schemas.microsoft.com/office/drawing/2010/main" Requires="a14">
+          <p:sp>
+            <p:nvSpPr>
+              <p:cNvPr id="8" name="TextBox 7"/>
+              <p:cNvSpPr txBox="1"/>
+              <p:nvPr/>
+            </p:nvSpPr>
+            <p:spPr>
+              <a:xfrm>
+                <a:off x="6235269" y="2179110"/>
+                <a:ext cx="557855" cy="307777"/>
+              </a:xfrm>
+              <a:prstGeom prst="rect">
+                <a:avLst/>
+              </a:prstGeom>
+              <a:noFill/>
+            </p:spPr>
+            <p:txBody>
+              <a:bodyPr wrap="square" rtlCol="0">
+                <a:spAutoFit/>
+              </a:bodyPr>
+              <a:lstStyle/>
+              <a:p>
+                <a14:m>
+                  <m:oMathPara xmlns:m="http://schemas.openxmlformats.org/officeDocument/2006/math">
+                    <m:oMathParaPr>
+                      <m:jc m:val="centerGroup"/>
+                    </m:oMathParaPr>
+                    <m:oMath xmlns:m="http://schemas.openxmlformats.org/officeDocument/2006/math">
+                      <m:sSub>
+                        <m:sSubPr>
+                          <m:ctrlPr>
+                            <a:rPr lang="fr-FR" sz="1400" b="0" i="1" smtClean="0">
+                              <a:solidFill>
+                                <a:srgbClr val="0070C0"/>
+                              </a:solidFill>
+                              <a:latin typeface="Cambria Math"/>
+                            </a:rPr>
+                          </m:ctrlPr>
+                        </m:sSubPr>
+                        <m:e>
+                          <m:r>
+                            <a:rPr lang="fr-FR" sz="1400" b="0" i="1" smtClean="0">
+                              <a:solidFill>
+                                <a:srgbClr val="0070C0"/>
+                              </a:solidFill>
+                              <a:latin typeface="Cambria Math"/>
+                            </a:rPr>
+                            <m:t>𝐴</m:t>
+                          </m:r>
+                        </m:e>
+                        <m:sub>
+                          <m:r>
+                            <a:rPr lang="fr-FR" sz="1400" b="0" i="1" smtClean="0">
+                              <a:solidFill>
+                                <a:srgbClr val="0070C0"/>
+                              </a:solidFill>
+                              <a:latin typeface="Cambria Math"/>
+                            </a:rPr>
+                            <m:t>0</m:t>
+                          </m:r>
+                        </m:sub>
+                      </m:sSub>
+                    </m:oMath>
+                  </m:oMathPara>
+                </a14:m>
+                <a:endParaRPr lang="en-GB" sz="1400" dirty="0"/>
+              </a:p>
+            </p:txBody>
+          </p:sp>
+        </mc:Choice>
+        <mc:Fallback>
+          <p:sp>
+            <p:nvSpPr>
+              <p:cNvPr id="8" name="TextBox 7"/>
+              <p:cNvSpPr txBox="1">
+                <a:spLocks noRot="1" noChangeAspect="1" noMove="1" noResize="1" noEditPoints="1" noAdjustHandles="1" noChangeArrowheads="1" noChangeShapeType="1" noTextEdit="1"/>
+              </p:cNvSpPr>
+              <p:nvPr/>
+            </p:nvSpPr>
+            <p:spPr>
+              <a:xfrm>
+                <a:off x="6235269" y="2179110"/>
+                <a:ext cx="557855" cy="307777"/>
+              </a:xfrm>
+              <a:prstGeom prst="rect">
+                <a:avLst/>
+              </a:prstGeom>
+              <a:blipFill rotWithShape="1">
+                <a:blip r:embed="rId4"/>
+                <a:stretch>
+                  <a:fillRect t="-1961" b="-17647"/>
+                </a:stretch>
+              </a:blipFill>
+            </p:spPr>
+            <p:txBody>
+              <a:bodyPr/>
+              <a:lstStyle/>
+              <a:p>
+                <a:r>
+                  <a:rPr lang="en-GB">
+                    <a:noFill/>
+                  </a:rPr>
+                  <a:t> </a:t>
+                </a:r>
+              </a:p>
+            </p:txBody>
+          </p:sp>
+        </mc:Fallback>
+      </mc:AlternateContent>
+      <mc:AlternateContent xmlns:mc="http://schemas.openxmlformats.org/markup-compatibility/2006">
+        <mc:Choice xmlns:a14="http://schemas.microsoft.com/office/drawing/2010/main" Requires="a14">
+          <p:sp>
+            <p:nvSpPr>
+              <p:cNvPr id="11" name="TextBox 10"/>
+              <p:cNvSpPr txBox="1"/>
+              <p:nvPr/>
+            </p:nvSpPr>
+            <p:spPr>
+              <a:xfrm>
+                <a:off x="845793" y="2179111"/>
+                <a:ext cx="557855" cy="307777"/>
+              </a:xfrm>
+              <a:prstGeom prst="rect">
+                <a:avLst/>
+              </a:prstGeom>
+              <a:noFill/>
+            </p:spPr>
+            <p:txBody>
+              <a:bodyPr wrap="square" rtlCol="0">
+                <a:spAutoFit/>
+              </a:bodyPr>
+              <a:lstStyle/>
+              <a:p>
+                <a14:m>
+                  <m:oMathPara xmlns:m="http://schemas.openxmlformats.org/officeDocument/2006/math">
+                    <m:oMathParaPr>
+                      <m:jc m:val="centerGroup"/>
+                    </m:oMathParaPr>
+                    <m:oMath xmlns:m="http://schemas.openxmlformats.org/officeDocument/2006/math">
+                      <m:sSub>
+                        <m:sSubPr>
+                          <m:ctrlPr>
+                            <a:rPr lang="fr-FR" sz="1400" b="0" i="1" smtClean="0">
+                              <a:solidFill>
+                                <a:srgbClr val="FF0000"/>
+                              </a:solidFill>
+                              <a:latin typeface="Cambria Math"/>
+                            </a:rPr>
+                          </m:ctrlPr>
+                        </m:sSubPr>
+                        <m:e>
+                          <m:r>
+                            <a:rPr lang="fr-FR" sz="1400" b="0" i="1" smtClean="0">
+                              <a:solidFill>
+                                <a:srgbClr val="FF0000"/>
+                              </a:solidFill>
+                              <a:latin typeface="Cambria Math"/>
+                            </a:rPr>
+                            <m:t>𝐴</m:t>
+                          </m:r>
+                        </m:e>
+                        <m:sub>
+                          <m:r>
+                            <a:rPr lang="fr-FR" sz="1400" b="0" i="1" smtClean="0">
+                              <a:solidFill>
+                                <a:srgbClr val="FF0000"/>
+                              </a:solidFill>
+                              <a:latin typeface="Cambria Math"/>
+                            </a:rPr>
+                            <m:t>𝑠</m:t>
+                          </m:r>
+                        </m:sub>
+                      </m:sSub>
+                    </m:oMath>
+                  </m:oMathPara>
+                </a14:m>
+                <a:endParaRPr lang="en-GB" sz="1400" dirty="0"/>
+              </a:p>
+            </p:txBody>
+          </p:sp>
+        </mc:Choice>
+        <mc:Fallback>
+          <p:sp>
+            <p:nvSpPr>
+              <p:cNvPr id="11" name="TextBox 10"/>
+              <p:cNvSpPr txBox="1">
+                <a:spLocks noRot="1" noChangeAspect="1" noMove="1" noResize="1" noEditPoints="1" noAdjustHandles="1" noChangeArrowheads="1" noChangeShapeType="1" noTextEdit="1"/>
+              </p:cNvSpPr>
+              <p:nvPr/>
+            </p:nvSpPr>
+            <p:spPr>
+              <a:xfrm>
+                <a:off x="845793" y="2179111"/>
+                <a:ext cx="557855" cy="307777"/>
+              </a:xfrm>
+              <a:prstGeom prst="rect">
+                <a:avLst/>
+              </a:prstGeom>
+              <a:blipFill rotWithShape="1">
+                <a:blip r:embed="rId5"/>
+                <a:stretch>
+                  <a:fillRect t="-1961" b="-17647"/>
+                </a:stretch>
+              </a:blipFill>
+            </p:spPr>
+            <p:txBody>
+              <a:bodyPr/>
+              <a:lstStyle/>
+              <a:p>
+                <a:r>
+                  <a:rPr lang="en-GB">
+                    <a:noFill/>
+                  </a:rPr>
+                  <a:t> </a:t>
+                </a:r>
+              </a:p>
+            </p:txBody>
+          </p:sp>
+        </mc:Fallback>
+      </mc:AlternateContent>
+      <mc:AlternateContent xmlns:mc="http://schemas.openxmlformats.org/markup-compatibility/2006">
+        <mc:Choice xmlns:a14="http://schemas.microsoft.com/office/drawing/2010/main" Requires="a14">
+          <p:sp>
+            <p:nvSpPr>
+              <p:cNvPr id="15" name="TextBox 14"/>
+              <p:cNvSpPr txBox="1"/>
+              <p:nvPr/>
+            </p:nvSpPr>
+            <p:spPr>
+              <a:xfrm>
+                <a:off x="5530600" y="1529949"/>
+                <a:ext cx="557855" cy="307777"/>
+              </a:xfrm>
+              <a:prstGeom prst="rect">
+                <a:avLst/>
+              </a:prstGeom>
+              <a:noFill/>
+            </p:spPr>
+            <p:txBody>
+              <a:bodyPr wrap="square" rtlCol="0">
+                <a:spAutoFit/>
+              </a:bodyPr>
+              <a:lstStyle/>
+              <a:p>
+                <a14:m>
+                  <m:oMathPara xmlns:m="http://schemas.openxmlformats.org/officeDocument/2006/math">
+                    <m:oMathParaPr>
+                      <m:jc m:val="centerGroup"/>
+                    </m:oMathParaPr>
+                    <m:oMath xmlns:m="http://schemas.openxmlformats.org/officeDocument/2006/math">
+                      <m:sSub>
+                        <m:sSubPr>
+                          <m:ctrlPr>
+                            <a:rPr lang="fr-FR" sz="1400" b="0" i="1" smtClean="0">
+                              <a:solidFill>
+                                <a:srgbClr val="00B050"/>
+                              </a:solidFill>
+                              <a:latin typeface="Cambria Math"/>
+                            </a:rPr>
+                          </m:ctrlPr>
+                        </m:sSubPr>
+                        <m:e>
+                          <m:r>
+                            <a:rPr lang="fr-FR" sz="1400" b="0" i="1" smtClean="0">
+                              <a:solidFill>
+                                <a:srgbClr val="00B050"/>
+                              </a:solidFill>
+                              <a:latin typeface="Cambria Math"/>
+                            </a:rPr>
+                            <m:t>𝐴</m:t>
+                          </m:r>
+                        </m:e>
+                        <m:sub>
+                          <m:r>
+                            <a:rPr lang="fr-FR" sz="1400" b="0" i="1" smtClean="0">
+                              <a:solidFill>
+                                <a:srgbClr val="00B050"/>
+                              </a:solidFill>
+                              <a:latin typeface="Cambria Math"/>
+                            </a:rPr>
+                            <m:t>𝑐</m:t>
+                          </m:r>
+                        </m:sub>
+                      </m:sSub>
+                    </m:oMath>
+                  </m:oMathPara>
+                </a14:m>
+                <a:endParaRPr lang="en-GB" sz="1400" dirty="0"/>
+              </a:p>
+            </p:txBody>
+          </p:sp>
+        </mc:Choice>
+        <mc:Fallback>
+          <p:sp>
+            <p:nvSpPr>
+              <p:cNvPr id="15" name="TextBox 14"/>
+              <p:cNvSpPr txBox="1">
+                <a:spLocks noRot="1" noChangeAspect="1" noMove="1" noResize="1" noEditPoints="1" noAdjustHandles="1" noChangeArrowheads="1" noChangeShapeType="1" noTextEdit="1"/>
+              </p:cNvSpPr>
+              <p:nvPr/>
+            </p:nvSpPr>
+            <p:spPr>
+              <a:xfrm>
+                <a:off x="5530600" y="1529949"/>
+                <a:ext cx="557855" cy="307777"/>
+              </a:xfrm>
+              <a:prstGeom prst="rect">
+                <a:avLst/>
+              </a:prstGeom>
+              <a:blipFill rotWithShape="1">
+                <a:blip r:embed="rId6"/>
+                <a:stretch>
+                  <a:fillRect t="-2000" b="-20000"/>
+                </a:stretch>
+              </a:blipFill>
+            </p:spPr>
+            <p:txBody>
+              <a:bodyPr/>
+              <a:lstStyle/>
+              <a:p>
+                <a:r>
+                  <a:rPr lang="en-GB">
+                    <a:noFill/>
+                  </a:rPr>
+                  <a:t> </a:t>
+                </a:r>
+              </a:p>
+            </p:txBody>
+          </p:sp>
+        </mc:Fallback>
+      </mc:AlternateContent>
+      <mc:AlternateContent xmlns:mc="http://schemas.openxmlformats.org/markup-compatibility/2006">
+        <mc:Choice xmlns:a14="http://schemas.microsoft.com/office/drawing/2010/main" Requires="a14">
+          <p:sp>
+            <p:nvSpPr>
+              <p:cNvPr id="16" name="TextBox 15"/>
+              <p:cNvSpPr txBox="1"/>
+              <p:nvPr/>
+            </p:nvSpPr>
+            <p:spPr>
+              <a:xfrm>
+                <a:off x="5530600" y="2826093"/>
+                <a:ext cx="557855" cy="307777"/>
+              </a:xfrm>
+              <a:prstGeom prst="rect">
+                <a:avLst/>
+              </a:prstGeom>
+              <a:noFill/>
+            </p:spPr>
+            <p:txBody>
+              <a:bodyPr wrap="square" rtlCol="0">
+                <a:spAutoFit/>
+              </a:bodyPr>
+              <a:lstStyle/>
+              <a:p>
+                <a14:m>
+                  <m:oMathPara xmlns:m="http://schemas.openxmlformats.org/officeDocument/2006/math">
+                    <m:oMathParaPr>
+                      <m:jc m:val="centerGroup"/>
+                    </m:oMathParaPr>
+                    <m:oMath xmlns:m="http://schemas.openxmlformats.org/officeDocument/2006/math">
+                      <m:sSub>
+                        <m:sSubPr>
+                          <m:ctrlPr>
+                            <a:rPr lang="fr-FR" sz="1400" b="0" i="1" smtClean="0">
+                              <a:solidFill>
+                                <a:srgbClr val="00B050"/>
+                              </a:solidFill>
+                              <a:latin typeface="Cambria Math"/>
+                            </a:rPr>
+                          </m:ctrlPr>
+                        </m:sSubPr>
+                        <m:e>
+                          <m:r>
+                            <a:rPr lang="fr-FR" sz="1400" b="0" i="1" smtClean="0">
+                              <a:solidFill>
+                                <a:srgbClr val="00B050"/>
+                              </a:solidFill>
+                              <a:latin typeface="Cambria Math"/>
+                            </a:rPr>
+                            <m:t>𝐴</m:t>
+                          </m:r>
+                        </m:e>
+                        <m:sub>
+                          <m:r>
+                            <a:rPr lang="fr-FR" sz="1400" b="0" i="1" smtClean="0">
+                              <a:solidFill>
+                                <a:srgbClr val="00B050"/>
+                              </a:solidFill>
+                              <a:latin typeface="Cambria Math"/>
+                            </a:rPr>
+                            <m:t>𝑐</m:t>
+                          </m:r>
+                        </m:sub>
+                      </m:sSub>
+                    </m:oMath>
+                  </m:oMathPara>
+                </a14:m>
+                <a:endParaRPr lang="en-GB" sz="1400" dirty="0"/>
+              </a:p>
+            </p:txBody>
+          </p:sp>
+        </mc:Choice>
+        <mc:Fallback>
+          <p:sp>
+            <p:nvSpPr>
+              <p:cNvPr id="16" name="TextBox 15"/>
+              <p:cNvSpPr txBox="1">
+                <a:spLocks noRot="1" noChangeAspect="1" noMove="1" noResize="1" noEditPoints="1" noAdjustHandles="1" noChangeArrowheads="1" noChangeShapeType="1" noTextEdit="1"/>
+              </p:cNvSpPr>
+              <p:nvPr/>
+            </p:nvSpPr>
+            <p:spPr>
+              <a:xfrm>
+                <a:off x="5530600" y="2826093"/>
+                <a:ext cx="557855" cy="307777"/>
+              </a:xfrm>
+              <a:prstGeom prst="rect">
+                <a:avLst/>
+              </a:prstGeom>
+              <a:blipFill rotWithShape="1">
+                <a:blip r:embed="rId7"/>
+                <a:stretch>
+                  <a:fillRect t="-2000" b="-20000"/>
+                </a:stretch>
+              </a:blipFill>
+            </p:spPr>
+            <p:txBody>
+              <a:bodyPr/>
+              <a:lstStyle/>
+              <a:p>
+                <a:r>
+                  <a:rPr lang="en-GB">
+                    <a:noFill/>
+                  </a:rPr>
+                  <a:t> </a:t>
+                </a:r>
+              </a:p>
+            </p:txBody>
+          </p:sp>
+        </mc:Fallback>
+      </mc:AlternateContent>
+      <mc:AlternateContent xmlns:mc="http://schemas.openxmlformats.org/markup-compatibility/2006">
+        <mc:Choice xmlns:a14="http://schemas.microsoft.com/office/drawing/2010/main" Requires="a14">
+          <p:sp>
+            <p:nvSpPr>
+              <p:cNvPr id="17" name="TextBox 16"/>
+              <p:cNvSpPr txBox="1"/>
+              <p:nvPr/>
+            </p:nvSpPr>
+            <p:spPr>
+              <a:xfrm>
+                <a:off x="6970760" y="1526918"/>
+                <a:ext cx="557855" cy="307777"/>
+              </a:xfrm>
+              <a:prstGeom prst="rect">
+                <a:avLst/>
+              </a:prstGeom>
+              <a:noFill/>
+            </p:spPr>
+            <p:txBody>
+              <a:bodyPr wrap="square" rtlCol="0">
+                <a:spAutoFit/>
+              </a:bodyPr>
+              <a:lstStyle/>
+              <a:p>
+                <a14:m>
+                  <m:oMathPara xmlns:m="http://schemas.openxmlformats.org/officeDocument/2006/math">
+                    <m:oMathParaPr>
+                      <m:jc m:val="centerGroup"/>
+                    </m:oMathParaPr>
+                    <m:oMath xmlns:m="http://schemas.openxmlformats.org/officeDocument/2006/math">
+                      <m:sSub>
+                        <m:sSubPr>
+                          <m:ctrlPr>
+                            <a:rPr lang="fr-FR" sz="1400" b="0" i="1" smtClean="0">
+                              <a:solidFill>
+                                <a:srgbClr val="00B050"/>
+                              </a:solidFill>
+                              <a:latin typeface="Cambria Math"/>
+                            </a:rPr>
+                          </m:ctrlPr>
+                        </m:sSubPr>
+                        <m:e>
+                          <m:r>
+                            <a:rPr lang="fr-FR" sz="1400" b="0" i="1" smtClean="0">
+                              <a:solidFill>
+                                <a:srgbClr val="00B050"/>
+                              </a:solidFill>
+                              <a:latin typeface="Cambria Math"/>
+                            </a:rPr>
+                            <m:t>𝐴</m:t>
+                          </m:r>
+                        </m:e>
+                        <m:sub>
+                          <m:r>
+                            <a:rPr lang="fr-FR" sz="1400" b="0" i="1" smtClean="0">
+                              <a:solidFill>
+                                <a:srgbClr val="00B050"/>
+                              </a:solidFill>
+                              <a:latin typeface="Cambria Math"/>
+                            </a:rPr>
+                            <m:t>𝑐</m:t>
+                          </m:r>
+                        </m:sub>
+                      </m:sSub>
+                    </m:oMath>
+                  </m:oMathPara>
+                </a14:m>
+                <a:endParaRPr lang="en-GB" sz="1400" dirty="0">
+                  <a:solidFill>
+                    <a:srgbClr val="00B050"/>
+                  </a:solidFill>
+                </a:endParaRPr>
+              </a:p>
+            </p:txBody>
+          </p:sp>
+        </mc:Choice>
+        <mc:Fallback>
+          <p:sp>
+            <p:nvSpPr>
+              <p:cNvPr id="17" name="TextBox 16"/>
+              <p:cNvSpPr txBox="1">
+                <a:spLocks noRot="1" noChangeAspect="1" noMove="1" noResize="1" noEditPoints="1" noAdjustHandles="1" noChangeArrowheads="1" noChangeShapeType="1" noTextEdit="1"/>
+              </p:cNvSpPr>
+              <p:nvPr/>
+            </p:nvSpPr>
+            <p:spPr>
+              <a:xfrm>
+                <a:off x="6970760" y="1526918"/>
+                <a:ext cx="557855" cy="307777"/>
+              </a:xfrm>
+              <a:prstGeom prst="rect">
+                <a:avLst/>
+              </a:prstGeom>
+              <a:blipFill rotWithShape="1">
+                <a:blip r:embed="rId8"/>
+                <a:stretch>
+                  <a:fillRect t="-1961" b="-17647"/>
+                </a:stretch>
+              </a:blipFill>
+            </p:spPr>
+            <p:txBody>
+              <a:bodyPr/>
+              <a:lstStyle/>
+              <a:p>
+                <a:r>
+                  <a:rPr lang="en-GB">
+                    <a:noFill/>
+                  </a:rPr>
+                  <a:t> </a:t>
+                </a:r>
+              </a:p>
+            </p:txBody>
+          </p:sp>
+        </mc:Fallback>
+      </mc:AlternateContent>
+      <mc:AlternateContent xmlns:mc="http://schemas.openxmlformats.org/markup-compatibility/2006">
+        <mc:Choice xmlns:a14="http://schemas.microsoft.com/office/drawing/2010/main" Requires="a14">
+          <p:sp>
+            <p:nvSpPr>
+              <p:cNvPr id="18" name="TextBox 17"/>
+              <p:cNvSpPr txBox="1"/>
+              <p:nvPr/>
+            </p:nvSpPr>
+            <p:spPr>
+              <a:xfrm>
+                <a:off x="6970760" y="2827582"/>
+                <a:ext cx="557855" cy="307777"/>
+              </a:xfrm>
+              <a:prstGeom prst="rect">
+                <a:avLst/>
+              </a:prstGeom>
+              <a:noFill/>
+            </p:spPr>
+            <p:txBody>
+              <a:bodyPr wrap="square" rtlCol="0">
+                <a:spAutoFit/>
+              </a:bodyPr>
+              <a:lstStyle/>
+              <a:p>
+                <a14:m>
+                  <m:oMathPara xmlns:m="http://schemas.openxmlformats.org/officeDocument/2006/math">
+                    <m:oMathParaPr>
+                      <m:jc m:val="centerGroup"/>
+                    </m:oMathParaPr>
+                    <m:oMath xmlns:m="http://schemas.openxmlformats.org/officeDocument/2006/math">
+                      <m:sSub>
+                        <m:sSubPr>
+                          <m:ctrlPr>
+                            <a:rPr lang="fr-FR" sz="1400" b="0" i="1" smtClean="0">
+                              <a:solidFill>
+                                <a:srgbClr val="00B050"/>
+                              </a:solidFill>
+                              <a:latin typeface="Cambria Math"/>
+                            </a:rPr>
+                          </m:ctrlPr>
+                        </m:sSubPr>
+                        <m:e>
+                          <m:r>
+                            <a:rPr lang="fr-FR" sz="1400" b="0" i="1" smtClean="0">
+                              <a:solidFill>
+                                <a:srgbClr val="00B050"/>
+                              </a:solidFill>
+                              <a:latin typeface="Cambria Math"/>
+                            </a:rPr>
+                            <m:t>𝐴</m:t>
+                          </m:r>
+                        </m:e>
+                        <m:sub>
+                          <m:r>
+                            <a:rPr lang="fr-FR" sz="1400" b="0" i="1" smtClean="0">
+                              <a:solidFill>
+                                <a:srgbClr val="00B050"/>
+                              </a:solidFill>
+                              <a:latin typeface="Cambria Math"/>
+                            </a:rPr>
+                            <m:t>𝑐</m:t>
+                          </m:r>
+                        </m:sub>
+                      </m:sSub>
+                    </m:oMath>
+                  </m:oMathPara>
+                </a14:m>
+                <a:endParaRPr lang="en-GB" sz="1400" dirty="0"/>
+              </a:p>
+            </p:txBody>
+          </p:sp>
+        </mc:Choice>
+        <mc:Fallback>
+          <p:sp>
+            <p:nvSpPr>
+              <p:cNvPr id="18" name="TextBox 17"/>
+              <p:cNvSpPr txBox="1">
+                <a:spLocks noRot="1" noChangeAspect="1" noMove="1" noResize="1" noEditPoints="1" noAdjustHandles="1" noChangeArrowheads="1" noChangeShapeType="1" noTextEdit="1"/>
+              </p:cNvSpPr>
+              <p:nvPr/>
+            </p:nvSpPr>
+            <p:spPr>
+              <a:xfrm>
+                <a:off x="6970760" y="2827582"/>
+                <a:ext cx="557855" cy="307777"/>
+              </a:xfrm>
+              <a:prstGeom prst="rect">
+                <a:avLst/>
+              </a:prstGeom>
+              <a:blipFill rotWithShape="1">
+                <a:blip r:embed="rId9"/>
+                <a:stretch>
+                  <a:fillRect t="-2000" b="-20000"/>
+                </a:stretch>
+              </a:blipFill>
+            </p:spPr>
+            <p:txBody>
+              <a:bodyPr/>
+              <a:lstStyle/>
+              <a:p>
+                <a:r>
+                  <a:rPr lang="en-GB">
+                    <a:noFill/>
+                  </a:rPr>
+                  <a:t> </a:t>
+                </a:r>
+              </a:p>
+            </p:txBody>
+          </p:sp>
+        </mc:Fallback>
+      </mc:AlternateContent>
+      <mc:AlternateContent xmlns:mc="http://schemas.openxmlformats.org/markup-compatibility/2006">
+        <mc:Choice xmlns:a14="http://schemas.microsoft.com/office/drawing/2010/main" Requires="a14">
+          <p:sp>
+            <p:nvSpPr>
+              <p:cNvPr id="23" name="TextBox 22"/>
+              <p:cNvSpPr txBox="1"/>
+              <p:nvPr/>
+            </p:nvSpPr>
+            <p:spPr>
+              <a:xfrm>
+                <a:off x="2719398" y="2179108"/>
+                <a:ext cx="557855" cy="307777"/>
+              </a:xfrm>
+              <a:prstGeom prst="rect">
+                <a:avLst/>
+              </a:prstGeom>
+              <a:noFill/>
+            </p:spPr>
+            <p:txBody>
+              <a:bodyPr wrap="square" rtlCol="0">
+                <a:spAutoFit/>
+              </a:bodyPr>
+              <a:lstStyle/>
+              <a:p>
+                <a14:m>
+                  <m:oMathPara xmlns:m="http://schemas.openxmlformats.org/officeDocument/2006/math">
+                    <m:oMathParaPr>
+                      <m:jc m:val="centerGroup"/>
+                    </m:oMathParaPr>
+                    <m:oMath xmlns:m="http://schemas.openxmlformats.org/officeDocument/2006/math">
+                      <m:sSub>
+                        <m:sSubPr>
+                          <m:ctrlPr>
+                            <a:rPr lang="fr-FR" sz="1400" b="0" i="1" smtClean="0">
+                              <a:solidFill>
+                                <a:srgbClr val="FF0000"/>
+                              </a:solidFill>
+                              <a:latin typeface="Cambria Math"/>
+                            </a:rPr>
+                          </m:ctrlPr>
+                        </m:sSubPr>
+                        <m:e>
+                          <m:r>
+                            <a:rPr lang="fr-FR" sz="1400" b="0" i="1" smtClean="0">
+                              <a:solidFill>
+                                <a:srgbClr val="FF0000"/>
+                              </a:solidFill>
+                              <a:latin typeface="Cambria Math"/>
+                            </a:rPr>
+                            <m:t>𝐴</m:t>
+                          </m:r>
+                        </m:e>
+                        <m:sub>
+                          <m:r>
+                            <a:rPr lang="fr-FR" sz="1400" b="0" i="1" smtClean="0">
+                              <a:solidFill>
+                                <a:srgbClr val="FF0000"/>
+                              </a:solidFill>
+                              <a:latin typeface="Cambria Math"/>
+                            </a:rPr>
+                            <m:t>𝑠</m:t>
+                          </m:r>
+                        </m:sub>
+                      </m:sSub>
+                    </m:oMath>
+                  </m:oMathPara>
+                </a14:m>
+                <a:endParaRPr lang="en-GB" sz="1400" dirty="0"/>
+              </a:p>
+            </p:txBody>
+          </p:sp>
+        </mc:Choice>
+        <mc:Fallback>
+          <p:sp>
+            <p:nvSpPr>
+              <p:cNvPr id="23" name="TextBox 22"/>
+              <p:cNvSpPr txBox="1">
+                <a:spLocks noRot="1" noChangeAspect="1" noMove="1" noResize="1" noEditPoints="1" noAdjustHandles="1" noChangeArrowheads="1" noChangeShapeType="1" noTextEdit="1"/>
+              </p:cNvSpPr>
+              <p:nvPr/>
+            </p:nvSpPr>
+            <p:spPr>
+              <a:xfrm>
+                <a:off x="2719398" y="2179108"/>
+                <a:ext cx="557855" cy="307777"/>
+              </a:xfrm>
+              <a:prstGeom prst="rect">
+                <a:avLst/>
+              </a:prstGeom>
+              <a:blipFill rotWithShape="1">
+                <a:blip r:embed="rId10"/>
+                <a:stretch>
+                  <a:fillRect t="-1961" b="-17647"/>
+                </a:stretch>
+              </a:blipFill>
+            </p:spPr>
+            <p:txBody>
+              <a:bodyPr/>
+              <a:lstStyle/>
+              <a:p>
+                <a:r>
+                  <a:rPr lang="en-GB">
+                    <a:noFill/>
+                  </a:rPr>
+                  <a:t> </a:t>
+                </a:r>
+              </a:p>
+            </p:txBody>
+          </p:sp>
+        </mc:Fallback>
+      </mc:AlternateContent>
+      <mc:AlternateContent xmlns:mc="http://schemas.openxmlformats.org/markup-compatibility/2006">
+        <mc:Choice xmlns:a14="http://schemas.microsoft.com/office/drawing/2010/main" Requires="a14">
+          <p:sp>
+            <p:nvSpPr>
+              <p:cNvPr id="24" name="TextBox 23"/>
+              <p:cNvSpPr txBox="1"/>
+              <p:nvPr/>
+            </p:nvSpPr>
+            <p:spPr>
+              <a:xfrm>
+                <a:off x="1578155" y="3127355"/>
+                <a:ext cx="557855" cy="307777"/>
+              </a:xfrm>
+              <a:prstGeom prst="rect">
+                <a:avLst/>
+              </a:prstGeom>
+              <a:noFill/>
+            </p:spPr>
+            <p:txBody>
+              <a:bodyPr wrap="square" rtlCol="0">
+                <a:spAutoFit/>
+              </a:bodyPr>
+              <a:lstStyle/>
+              <a:p>
+                <a14:m>
+                  <m:oMathPara xmlns:m="http://schemas.openxmlformats.org/officeDocument/2006/math">
+                    <m:oMathParaPr>
+                      <m:jc m:val="centerGroup"/>
+                    </m:oMathParaPr>
+                    <m:oMath xmlns:m="http://schemas.openxmlformats.org/officeDocument/2006/math">
+                      <m:sSub>
+                        <m:sSubPr>
+                          <m:ctrlPr>
+                            <a:rPr lang="fr-FR" sz="1400" b="0" i="1" smtClean="0">
+                              <a:solidFill>
+                                <a:srgbClr val="FF0000"/>
+                              </a:solidFill>
+                              <a:latin typeface="Cambria Math"/>
+                            </a:rPr>
+                          </m:ctrlPr>
+                        </m:sSubPr>
+                        <m:e>
+                          <m:r>
+                            <a:rPr lang="fr-FR" sz="1400" b="0" i="1" smtClean="0">
+                              <a:solidFill>
+                                <a:srgbClr val="FF0000"/>
+                              </a:solidFill>
+                              <a:latin typeface="Cambria Math"/>
+                            </a:rPr>
+                            <m:t>𝐴</m:t>
+                          </m:r>
+                        </m:e>
+                        <m:sub>
+                          <m:r>
+                            <a:rPr lang="fr-FR" sz="1400" b="0" i="1" smtClean="0">
+                              <a:solidFill>
+                                <a:srgbClr val="FF0000"/>
+                              </a:solidFill>
+                              <a:latin typeface="Cambria Math"/>
+                            </a:rPr>
+                            <m:t>𝑠</m:t>
+                          </m:r>
+                        </m:sub>
+                      </m:sSub>
+                    </m:oMath>
+                  </m:oMathPara>
+                </a14:m>
+                <a:endParaRPr lang="en-GB" sz="1400" dirty="0"/>
+              </a:p>
+            </p:txBody>
+          </p:sp>
+        </mc:Choice>
+        <mc:Fallback>
+          <p:sp>
+            <p:nvSpPr>
+              <p:cNvPr id="24" name="TextBox 23"/>
+              <p:cNvSpPr txBox="1">
+                <a:spLocks noRot="1" noChangeAspect="1" noMove="1" noResize="1" noEditPoints="1" noAdjustHandles="1" noChangeArrowheads="1" noChangeShapeType="1" noTextEdit="1"/>
+              </p:cNvSpPr>
+              <p:nvPr/>
+            </p:nvSpPr>
+            <p:spPr>
+              <a:xfrm>
+                <a:off x="1578155" y="3127355"/>
+                <a:ext cx="557855" cy="307777"/>
+              </a:xfrm>
+              <a:prstGeom prst="rect">
+                <a:avLst/>
+              </a:prstGeom>
+              <a:blipFill rotWithShape="1">
+                <a:blip r:embed="rId5"/>
+                <a:stretch>
+                  <a:fillRect t="-1961" b="-17647"/>
+                </a:stretch>
+              </a:blipFill>
+            </p:spPr>
+            <p:txBody>
+              <a:bodyPr/>
+              <a:lstStyle/>
+              <a:p>
+                <a:r>
+                  <a:rPr lang="en-GB">
+                    <a:noFill/>
+                  </a:rPr>
+                  <a:t> </a:t>
+                </a:r>
+              </a:p>
+            </p:txBody>
+          </p:sp>
+        </mc:Fallback>
+      </mc:AlternateContent>
+      <mc:AlternateContent xmlns:mc="http://schemas.openxmlformats.org/markup-compatibility/2006">
+        <mc:Choice xmlns:a14="http://schemas.microsoft.com/office/drawing/2010/main" Requires="a14">
+          <p:sp>
+            <p:nvSpPr>
+              <p:cNvPr id="25" name="TextBox 24"/>
+              <p:cNvSpPr txBox="1"/>
+              <p:nvPr/>
+            </p:nvSpPr>
+            <p:spPr>
+              <a:xfrm>
+                <a:off x="1578155" y="1495853"/>
+                <a:ext cx="557855" cy="307777"/>
+              </a:xfrm>
+              <a:prstGeom prst="rect">
+                <a:avLst/>
+              </a:prstGeom>
+              <a:noFill/>
+            </p:spPr>
+            <p:txBody>
+              <a:bodyPr wrap="square" rtlCol="0">
+                <a:spAutoFit/>
+              </a:bodyPr>
+              <a:lstStyle/>
+              <a:p>
+                <a14:m>
+                  <m:oMathPara xmlns:m="http://schemas.openxmlformats.org/officeDocument/2006/math">
+                    <m:oMathParaPr>
+                      <m:jc m:val="centerGroup"/>
+                    </m:oMathParaPr>
+                    <m:oMath xmlns:m="http://schemas.openxmlformats.org/officeDocument/2006/math">
+                      <m:sSub>
+                        <m:sSubPr>
+                          <m:ctrlPr>
+                            <a:rPr lang="fr-FR" sz="1400" b="0" i="1" smtClean="0">
+                              <a:solidFill>
+                                <a:srgbClr val="FF0000"/>
+                              </a:solidFill>
+                              <a:latin typeface="Cambria Math"/>
+                            </a:rPr>
+                          </m:ctrlPr>
+                        </m:sSubPr>
+                        <m:e>
+                          <m:r>
+                            <a:rPr lang="fr-FR" sz="1400" b="0" i="1" smtClean="0">
+                              <a:solidFill>
+                                <a:srgbClr val="FF0000"/>
+                              </a:solidFill>
+                              <a:latin typeface="Cambria Math"/>
+                            </a:rPr>
+                            <m:t>𝐴</m:t>
+                          </m:r>
+                        </m:e>
+                        <m:sub>
+                          <m:r>
+                            <a:rPr lang="fr-FR" sz="1400" b="0" i="1" smtClean="0">
+                              <a:solidFill>
+                                <a:srgbClr val="FF0000"/>
+                              </a:solidFill>
+                              <a:latin typeface="Cambria Math"/>
+                            </a:rPr>
+                            <m:t>𝑠</m:t>
+                          </m:r>
+                        </m:sub>
+                      </m:sSub>
+                    </m:oMath>
+                  </m:oMathPara>
+                </a14:m>
+                <a:endParaRPr lang="en-GB" sz="1400" dirty="0"/>
+              </a:p>
+            </p:txBody>
+          </p:sp>
+        </mc:Choice>
+        <mc:Fallback>
+          <p:sp>
+            <p:nvSpPr>
+              <p:cNvPr id="25" name="TextBox 24"/>
+              <p:cNvSpPr txBox="1">
+                <a:spLocks noRot="1" noChangeAspect="1" noMove="1" noResize="1" noEditPoints="1" noAdjustHandles="1" noChangeArrowheads="1" noChangeShapeType="1" noTextEdit="1"/>
+              </p:cNvSpPr>
+              <p:nvPr/>
+            </p:nvSpPr>
+            <p:spPr>
+              <a:xfrm>
+                <a:off x="1578155" y="1495853"/>
+                <a:ext cx="557855" cy="307777"/>
+              </a:xfrm>
+              <a:prstGeom prst="rect">
+                <a:avLst/>
+              </a:prstGeom>
+              <a:blipFill rotWithShape="1">
+                <a:blip r:embed="rId5"/>
+                <a:stretch>
+                  <a:fillRect t="-1961" b="-17647"/>
+                </a:stretch>
+              </a:blipFill>
+            </p:spPr>
+            <p:txBody>
+              <a:bodyPr/>
+              <a:lstStyle/>
+              <a:p>
+                <a:r>
+                  <a:rPr lang="en-GB">
+                    <a:noFill/>
+                  </a:rPr>
+                  <a:t> </a:t>
+                </a:r>
+              </a:p>
+            </p:txBody>
+          </p:sp>
+        </mc:Fallback>
+      </mc:AlternateContent>
+      <mc:AlternateContent xmlns:mc="http://schemas.openxmlformats.org/markup-compatibility/2006">
+        <mc:Choice xmlns:a14="http://schemas.microsoft.com/office/drawing/2010/main" Requires="a14">
+          <p:sp>
+            <p:nvSpPr>
+              <p:cNvPr id="28" name="TextBox 27"/>
+              <p:cNvSpPr txBox="1"/>
+              <p:nvPr/>
+            </p:nvSpPr>
+            <p:spPr>
+              <a:xfrm>
+                <a:off x="5524916" y="2179111"/>
+                <a:ext cx="557855" cy="307777"/>
+              </a:xfrm>
+              <a:prstGeom prst="rect">
+                <a:avLst/>
+              </a:prstGeom>
+              <a:noFill/>
+            </p:spPr>
+            <p:txBody>
+              <a:bodyPr wrap="square" rtlCol="0">
+                <a:spAutoFit/>
+              </a:bodyPr>
+              <a:lstStyle/>
+              <a:p>
+                <a14:m>
+                  <m:oMathPara xmlns:m="http://schemas.openxmlformats.org/officeDocument/2006/math">
+                    <m:oMathParaPr>
+                      <m:jc m:val="centerGroup"/>
+                    </m:oMathParaPr>
+                    <m:oMath xmlns:m="http://schemas.openxmlformats.org/officeDocument/2006/math">
+                      <m:sSub>
+                        <m:sSubPr>
+                          <m:ctrlPr>
+                            <a:rPr lang="fr-FR" sz="1400" b="0" i="1" smtClean="0">
+                              <a:solidFill>
+                                <a:srgbClr val="FF0000"/>
+                              </a:solidFill>
+                              <a:latin typeface="Cambria Math"/>
+                            </a:rPr>
+                          </m:ctrlPr>
+                        </m:sSubPr>
+                        <m:e>
+                          <m:r>
+                            <a:rPr lang="fr-FR" sz="1400" b="0" i="1" smtClean="0">
+                              <a:solidFill>
+                                <a:srgbClr val="FF0000"/>
+                              </a:solidFill>
+                              <a:latin typeface="Cambria Math"/>
+                            </a:rPr>
+                            <m:t>𝐴</m:t>
+                          </m:r>
+                        </m:e>
+                        <m:sub>
+                          <m:r>
+                            <a:rPr lang="fr-FR" sz="1400" b="0" i="1" smtClean="0">
+                              <a:solidFill>
+                                <a:srgbClr val="FF0000"/>
+                              </a:solidFill>
+                              <a:latin typeface="Cambria Math"/>
+                            </a:rPr>
+                            <m:t>𝑠</m:t>
+                          </m:r>
+                        </m:sub>
+                      </m:sSub>
+                    </m:oMath>
+                  </m:oMathPara>
+                </a14:m>
+                <a:endParaRPr lang="en-GB" sz="1400" dirty="0"/>
+              </a:p>
+            </p:txBody>
+          </p:sp>
+        </mc:Choice>
+        <mc:Fallback>
+          <p:sp>
+            <p:nvSpPr>
+              <p:cNvPr id="28" name="TextBox 27"/>
+              <p:cNvSpPr txBox="1">
+                <a:spLocks noRot="1" noChangeAspect="1" noMove="1" noResize="1" noEditPoints="1" noAdjustHandles="1" noChangeArrowheads="1" noChangeShapeType="1" noTextEdit="1"/>
+              </p:cNvSpPr>
+              <p:nvPr/>
+            </p:nvSpPr>
+            <p:spPr>
+              <a:xfrm>
+                <a:off x="5524916" y="2179111"/>
+                <a:ext cx="557855" cy="307777"/>
+              </a:xfrm>
+              <a:prstGeom prst="rect">
+                <a:avLst/>
+              </a:prstGeom>
+              <a:blipFill rotWithShape="1">
+                <a:blip r:embed="rId10"/>
+                <a:stretch>
+                  <a:fillRect t="-1961" b="-17647"/>
+                </a:stretch>
+              </a:blipFill>
+            </p:spPr>
+            <p:txBody>
+              <a:bodyPr/>
+              <a:lstStyle/>
+              <a:p>
+                <a:r>
+                  <a:rPr lang="en-GB">
+                    <a:noFill/>
+                  </a:rPr>
+                  <a:t> </a:t>
+                </a:r>
+              </a:p>
+            </p:txBody>
+          </p:sp>
+        </mc:Fallback>
+      </mc:AlternateContent>
+      <mc:AlternateContent xmlns:mc="http://schemas.openxmlformats.org/markup-compatibility/2006">
+        <mc:Choice xmlns:a14="http://schemas.microsoft.com/office/drawing/2010/main" Requires="a14">
+          <p:sp>
+            <p:nvSpPr>
+              <p:cNvPr id="29" name="TextBox 28"/>
+              <p:cNvSpPr txBox="1"/>
+              <p:nvPr/>
+            </p:nvSpPr>
+            <p:spPr>
+              <a:xfrm>
+                <a:off x="7398521" y="2179108"/>
+                <a:ext cx="557855" cy="307777"/>
+              </a:xfrm>
+              <a:prstGeom prst="rect">
+                <a:avLst/>
+              </a:prstGeom>
+              <a:noFill/>
+            </p:spPr>
+            <p:txBody>
+              <a:bodyPr wrap="square" rtlCol="0">
+                <a:spAutoFit/>
+              </a:bodyPr>
+              <a:lstStyle/>
+              <a:p>
+                <a14:m>
+                  <m:oMathPara xmlns:m="http://schemas.openxmlformats.org/officeDocument/2006/math">
+                    <m:oMathParaPr>
+                      <m:jc m:val="centerGroup"/>
+                    </m:oMathParaPr>
+                    <m:oMath xmlns:m="http://schemas.openxmlformats.org/officeDocument/2006/math">
+                      <m:sSub>
+                        <m:sSubPr>
+                          <m:ctrlPr>
+                            <a:rPr lang="fr-FR" sz="1400" b="0" i="1" smtClean="0">
+                              <a:solidFill>
+                                <a:srgbClr val="FF0000"/>
+                              </a:solidFill>
+                              <a:latin typeface="Cambria Math"/>
+                            </a:rPr>
+                          </m:ctrlPr>
+                        </m:sSubPr>
+                        <m:e>
+                          <m:r>
+                            <a:rPr lang="fr-FR" sz="1400" b="0" i="1" smtClean="0">
+                              <a:solidFill>
+                                <a:srgbClr val="FF0000"/>
+                              </a:solidFill>
+                              <a:latin typeface="Cambria Math"/>
+                            </a:rPr>
+                            <m:t>𝐴</m:t>
+                          </m:r>
+                        </m:e>
+                        <m:sub>
+                          <m:r>
+                            <a:rPr lang="fr-FR" sz="1400" b="0" i="1" smtClean="0">
+                              <a:solidFill>
+                                <a:srgbClr val="FF0000"/>
+                              </a:solidFill>
+                              <a:latin typeface="Cambria Math"/>
+                            </a:rPr>
+                            <m:t>𝑠</m:t>
+                          </m:r>
+                        </m:sub>
+                      </m:sSub>
+                    </m:oMath>
+                  </m:oMathPara>
+                </a14:m>
+                <a:endParaRPr lang="en-GB" sz="1400" dirty="0"/>
+              </a:p>
+            </p:txBody>
+          </p:sp>
+        </mc:Choice>
+        <mc:Fallback>
+          <p:sp>
+            <p:nvSpPr>
+              <p:cNvPr id="29" name="TextBox 28"/>
+              <p:cNvSpPr txBox="1">
+                <a:spLocks noRot="1" noChangeAspect="1" noMove="1" noResize="1" noEditPoints="1" noAdjustHandles="1" noChangeArrowheads="1" noChangeShapeType="1" noTextEdit="1"/>
+              </p:cNvSpPr>
+              <p:nvPr/>
+            </p:nvSpPr>
+            <p:spPr>
+              <a:xfrm>
+                <a:off x="7398521" y="2179108"/>
+                <a:ext cx="557855" cy="307777"/>
+              </a:xfrm>
+              <a:prstGeom prst="rect">
+                <a:avLst/>
+              </a:prstGeom>
+              <a:blipFill rotWithShape="1">
+                <a:blip r:embed="rId5"/>
+                <a:stretch>
+                  <a:fillRect t="-1961" b="-17647"/>
+                </a:stretch>
+              </a:blipFill>
+            </p:spPr>
+            <p:txBody>
+              <a:bodyPr/>
+              <a:lstStyle/>
+              <a:p>
+                <a:r>
+                  <a:rPr lang="en-GB">
+                    <a:noFill/>
+                  </a:rPr>
+                  <a:t> </a:t>
+                </a:r>
+              </a:p>
+            </p:txBody>
+          </p:sp>
+        </mc:Fallback>
+      </mc:AlternateContent>
+      <mc:AlternateContent xmlns:mc="http://schemas.openxmlformats.org/markup-compatibility/2006">
+        <mc:Choice xmlns:a14="http://schemas.microsoft.com/office/drawing/2010/main" Requires="a14">
+          <p:sp>
+            <p:nvSpPr>
+              <p:cNvPr id="30" name="TextBox 29"/>
+              <p:cNvSpPr txBox="1"/>
+              <p:nvPr/>
+            </p:nvSpPr>
+            <p:spPr>
+              <a:xfrm>
+                <a:off x="6257278" y="3127355"/>
+                <a:ext cx="557855" cy="307777"/>
+              </a:xfrm>
+              <a:prstGeom prst="rect">
+                <a:avLst/>
+              </a:prstGeom>
+              <a:noFill/>
+            </p:spPr>
+            <p:txBody>
+              <a:bodyPr wrap="square" rtlCol="0">
+                <a:spAutoFit/>
+              </a:bodyPr>
+              <a:lstStyle/>
+              <a:p>
+                <a14:m>
+                  <m:oMathPara xmlns:m="http://schemas.openxmlformats.org/officeDocument/2006/math">
+                    <m:oMathParaPr>
+                      <m:jc m:val="centerGroup"/>
+                    </m:oMathParaPr>
+                    <m:oMath xmlns:m="http://schemas.openxmlformats.org/officeDocument/2006/math">
+                      <m:sSub>
+                        <m:sSubPr>
+                          <m:ctrlPr>
+                            <a:rPr lang="fr-FR" sz="1400" b="0" i="1" smtClean="0">
+                              <a:solidFill>
+                                <a:srgbClr val="FF0000"/>
+                              </a:solidFill>
+                              <a:latin typeface="Cambria Math"/>
+                            </a:rPr>
+                          </m:ctrlPr>
+                        </m:sSubPr>
+                        <m:e>
+                          <m:r>
+                            <a:rPr lang="fr-FR" sz="1400" b="0" i="1" smtClean="0">
+                              <a:solidFill>
+                                <a:srgbClr val="FF0000"/>
+                              </a:solidFill>
+                              <a:latin typeface="Cambria Math"/>
+                            </a:rPr>
+                            <m:t>𝐴</m:t>
+                          </m:r>
+                        </m:e>
+                        <m:sub>
+                          <m:r>
+                            <a:rPr lang="fr-FR" sz="1400" b="0" i="1" smtClean="0">
+                              <a:solidFill>
+                                <a:srgbClr val="FF0000"/>
+                              </a:solidFill>
+                              <a:latin typeface="Cambria Math"/>
+                            </a:rPr>
+                            <m:t>𝑠</m:t>
+                          </m:r>
+                        </m:sub>
+                      </m:sSub>
+                    </m:oMath>
+                  </m:oMathPara>
+                </a14:m>
+                <a:endParaRPr lang="en-GB" sz="1400" dirty="0"/>
+              </a:p>
+            </p:txBody>
+          </p:sp>
+        </mc:Choice>
+        <mc:Fallback>
+          <p:sp>
+            <p:nvSpPr>
+              <p:cNvPr id="30" name="TextBox 29"/>
+              <p:cNvSpPr txBox="1">
+                <a:spLocks noRot="1" noChangeAspect="1" noMove="1" noResize="1" noEditPoints="1" noAdjustHandles="1" noChangeArrowheads="1" noChangeShapeType="1" noTextEdit="1"/>
+              </p:cNvSpPr>
+              <p:nvPr/>
+            </p:nvSpPr>
+            <p:spPr>
+              <a:xfrm>
+                <a:off x="6257278" y="3127355"/>
+                <a:ext cx="557855" cy="307777"/>
+              </a:xfrm>
+              <a:prstGeom prst="rect">
+                <a:avLst/>
+              </a:prstGeom>
+              <a:blipFill rotWithShape="1">
+                <a:blip r:embed="rId10"/>
+                <a:stretch>
+                  <a:fillRect t="-1961" b="-17647"/>
+                </a:stretch>
+              </a:blipFill>
+            </p:spPr>
+            <p:txBody>
+              <a:bodyPr/>
+              <a:lstStyle/>
+              <a:p>
+                <a:r>
+                  <a:rPr lang="en-GB">
+                    <a:noFill/>
+                  </a:rPr>
+                  <a:t> </a:t>
+                </a:r>
+              </a:p>
+            </p:txBody>
+          </p:sp>
+        </mc:Fallback>
+      </mc:AlternateContent>
+      <mc:AlternateContent xmlns:mc="http://schemas.openxmlformats.org/markup-compatibility/2006">
+        <mc:Choice xmlns:a14="http://schemas.microsoft.com/office/drawing/2010/main" Requires="a14">
+          <p:sp>
+            <p:nvSpPr>
+              <p:cNvPr id="31" name="TextBox 30"/>
+              <p:cNvSpPr txBox="1"/>
+              <p:nvPr/>
+            </p:nvSpPr>
+            <p:spPr>
+              <a:xfrm>
+                <a:off x="6257278" y="1495853"/>
+                <a:ext cx="557855" cy="307777"/>
+              </a:xfrm>
+              <a:prstGeom prst="rect">
+                <a:avLst/>
+              </a:prstGeom>
+              <a:noFill/>
+            </p:spPr>
+            <p:txBody>
+              <a:bodyPr wrap="square" rtlCol="0">
+                <a:spAutoFit/>
+              </a:bodyPr>
+              <a:lstStyle/>
+              <a:p>
+                <a14:m>
+                  <m:oMathPara xmlns:m="http://schemas.openxmlformats.org/officeDocument/2006/math">
+                    <m:oMathParaPr>
+                      <m:jc m:val="centerGroup"/>
+                    </m:oMathParaPr>
+                    <m:oMath xmlns:m="http://schemas.openxmlformats.org/officeDocument/2006/math">
+                      <m:sSub>
+                        <m:sSubPr>
+                          <m:ctrlPr>
+                            <a:rPr lang="fr-FR" sz="1400" b="0" i="1" smtClean="0">
+                              <a:solidFill>
+                                <a:srgbClr val="FF0000"/>
+                              </a:solidFill>
+                              <a:latin typeface="Cambria Math"/>
+                            </a:rPr>
+                          </m:ctrlPr>
+                        </m:sSubPr>
+                        <m:e>
+                          <m:r>
+                            <a:rPr lang="fr-FR" sz="1400" b="0" i="1" smtClean="0">
+                              <a:solidFill>
+                                <a:srgbClr val="FF0000"/>
+                              </a:solidFill>
+                              <a:latin typeface="Cambria Math"/>
+                            </a:rPr>
+                            <m:t>𝐴</m:t>
+                          </m:r>
+                        </m:e>
+                        <m:sub>
+                          <m:r>
+                            <a:rPr lang="fr-FR" sz="1400" b="0" i="1" smtClean="0">
+                              <a:solidFill>
+                                <a:srgbClr val="FF0000"/>
+                              </a:solidFill>
+                              <a:latin typeface="Cambria Math"/>
+                            </a:rPr>
+                            <m:t>𝑠</m:t>
+                          </m:r>
+                        </m:sub>
+                      </m:sSub>
+                    </m:oMath>
+                  </m:oMathPara>
+                </a14:m>
+                <a:endParaRPr lang="en-GB" sz="1400" dirty="0"/>
+              </a:p>
+            </p:txBody>
+          </p:sp>
+        </mc:Choice>
+        <mc:Fallback>
+          <p:sp>
+            <p:nvSpPr>
+              <p:cNvPr id="31" name="TextBox 30"/>
+              <p:cNvSpPr txBox="1">
+                <a:spLocks noRot="1" noChangeAspect="1" noMove="1" noResize="1" noEditPoints="1" noAdjustHandles="1" noChangeArrowheads="1" noChangeShapeType="1" noTextEdit="1"/>
+              </p:cNvSpPr>
+              <p:nvPr/>
+            </p:nvSpPr>
+            <p:spPr>
+              <a:xfrm>
+                <a:off x="6257278" y="1495853"/>
+                <a:ext cx="557855" cy="307777"/>
+              </a:xfrm>
+              <a:prstGeom prst="rect">
+                <a:avLst/>
+              </a:prstGeom>
+              <a:blipFill rotWithShape="1">
+                <a:blip r:embed="rId10"/>
+                <a:stretch>
+                  <a:fillRect t="-1961" b="-17647"/>
+                </a:stretch>
+              </a:blipFill>
+            </p:spPr>
+            <p:txBody>
+              <a:bodyPr/>
+              <a:lstStyle/>
+              <a:p>
+                <a:r>
+                  <a:rPr lang="en-GB">
+                    <a:noFill/>
+                  </a:rPr>
+                  <a:t> </a:t>
+                </a:r>
+              </a:p>
+            </p:txBody>
+          </p:sp>
+        </mc:Fallback>
+      </mc:AlternateContent>
+      <mc:AlternateContent xmlns:mc="http://schemas.openxmlformats.org/markup-compatibility/2006">
+        <mc:Choice xmlns:a14="http://schemas.microsoft.com/office/drawing/2010/main" Requires="a14">
+          <p:sp>
+            <p:nvSpPr>
+              <p:cNvPr id="6" name="Rectangle 5"/>
+              <p:cNvSpPr/>
+              <p:nvPr/>
+            </p:nvSpPr>
+            <p:spPr>
+              <a:xfrm>
+                <a:off x="1259632" y="4538619"/>
+                <a:ext cx="6192688" cy="1455014"/>
+              </a:xfrm>
+              <a:prstGeom prst="rect">
+                <a:avLst/>
+              </a:prstGeom>
+            </p:spPr>
+            <p:txBody>
+              <a:bodyPr wrap="square">
+                <a:spAutoFit/>
+              </a:bodyPr>
+              <a:lstStyle/>
+              <a:p>
+                <a14:m>
+                  <m:oMathPara xmlns:m="http://schemas.openxmlformats.org/officeDocument/2006/math">
+                    <m:oMathParaPr>
+                      <m:jc m:val="centerGroup"/>
+                    </m:oMathParaPr>
+                    <m:oMath xmlns:m="http://schemas.openxmlformats.org/officeDocument/2006/math">
+                      <m:sSub>
+                        <m:sSubPr>
+                          <m:ctrlPr>
+                            <a:rPr lang="en-GB" sz="2400" i="1"/>
+                          </m:ctrlPr>
+                        </m:sSubPr>
+                        <m:e>
+                          <m:r>
+                            <a:rPr lang="en-GB" sz="2400" i="1"/>
+                            <m:t>𝐴</m:t>
+                          </m:r>
+                        </m:e>
+                        <m:sub>
+                          <m:r>
+                            <a:rPr lang="en-GB" sz="2400" i="1"/>
+                            <m:t>0</m:t>
+                          </m:r>
+                        </m:sub>
+                      </m:sSub>
+                      <m:sSub>
+                        <m:sSubPr>
+                          <m:ctrlPr>
+                            <a:rPr lang="en-GB" sz="2400" i="1"/>
+                          </m:ctrlPr>
+                        </m:sSubPr>
+                        <m:e>
+                          <m:r>
+                            <a:rPr lang="en-GB" sz="2400" i="1"/>
+                            <m:t>𝜙</m:t>
+                          </m:r>
+                        </m:e>
+                        <m:sub>
+                          <m:r>
+                            <a:rPr lang="en-GB" sz="2400" i="1"/>
+                            <m:t>𝑖</m:t>
+                          </m:r>
+                          <m:r>
+                            <a:rPr lang="en-GB" sz="2400" i="1"/>
+                            <m:t>,</m:t>
+                          </m:r>
+                          <m:r>
+                            <a:rPr lang="en-GB" sz="2400" i="1"/>
+                            <m:t>𝑗</m:t>
+                          </m:r>
+                        </m:sub>
+                      </m:sSub>
+                      <m:r>
+                        <a:rPr lang="en-GB" sz="2400"/>
+                        <m:t>+</m:t>
+                      </m:r>
+                      <m:sSub>
+                        <m:sSubPr>
+                          <m:ctrlPr>
+                            <a:rPr lang="en-GB" sz="2400" i="1"/>
+                          </m:ctrlPr>
+                        </m:sSubPr>
+                        <m:e>
+                          <m:r>
+                            <m:rPr>
+                              <m:sty m:val="p"/>
+                            </m:rPr>
+                            <a:rPr lang="en-GB" sz="2400"/>
+                            <m:t>A</m:t>
+                          </m:r>
+                        </m:e>
+                        <m:sub>
+                          <m:r>
+                            <m:rPr>
+                              <m:sty m:val="p"/>
+                            </m:rPr>
+                            <a:rPr lang="en-GB" sz="2400"/>
+                            <m:t>s</m:t>
+                          </m:r>
+                        </m:sub>
+                      </m:sSub>
+                      <m:sSub>
+                        <m:sSubPr>
+                          <m:ctrlPr>
+                            <a:rPr lang="en-GB" sz="2400" i="1"/>
+                          </m:ctrlPr>
+                        </m:sSubPr>
+                        <m:e>
+                          <m:r>
+                            <m:rPr>
+                              <m:sty m:val="p"/>
+                            </m:rPr>
+                            <a:rPr lang="en-GB" sz="2400"/>
+                            <m:t>σ</m:t>
+                          </m:r>
+                        </m:e>
+                        <m:sub>
+                          <m:r>
+                            <m:rPr>
+                              <m:sty m:val="p"/>
+                            </m:rPr>
+                            <a:rPr lang="en-GB" sz="2400"/>
+                            <m:t>s</m:t>
+                          </m:r>
+                        </m:sub>
+                      </m:sSub>
+                      <m:r>
+                        <a:rPr lang="en-GB" sz="2400"/>
+                        <m:t>+</m:t>
+                      </m:r>
+                      <m:sSub>
+                        <m:sSubPr>
+                          <m:ctrlPr>
+                            <a:rPr lang="en-GB" sz="2400" i="1"/>
+                          </m:ctrlPr>
+                        </m:sSubPr>
+                        <m:e>
+                          <m:r>
+                            <m:rPr>
+                              <m:sty m:val="p"/>
+                            </m:rPr>
+                            <a:rPr lang="en-GB" sz="2400"/>
+                            <m:t>A</m:t>
+                          </m:r>
+                        </m:e>
+                        <m:sub>
+                          <m:r>
+                            <m:rPr>
+                              <m:sty m:val="p"/>
+                            </m:rPr>
+                            <a:rPr lang="en-GB" sz="2400"/>
+                            <m:t>c</m:t>
+                          </m:r>
+                        </m:sub>
+                      </m:sSub>
+                      <m:sSub>
+                        <m:sSubPr>
+                          <m:ctrlPr>
+                            <a:rPr lang="en-GB" sz="2400" i="1"/>
+                          </m:ctrlPr>
+                        </m:sSubPr>
+                        <m:e>
+                          <m:r>
+                            <m:rPr>
+                              <m:sty m:val="p"/>
+                            </m:rPr>
+                            <a:rPr lang="en-GB" sz="2400"/>
+                            <m:t>σ</m:t>
+                          </m:r>
+                        </m:e>
+                        <m:sub>
+                          <m:r>
+                            <m:rPr>
+                              <m:sty m:val="p"/>
+                            </m:rPr>
+                            <a:rPr lang="en-GB" sz="2400"/>
+                            <m:t>c</m:t>
+                          </m:r>
+                        </m:sub>
+                      </m:sSub>
+                      <m:r>
+                        <a:rPr lang="en-GB" sz="2400"/>
+                        <m:t>=0</m:t>
+                      </m:r>
+                    </m:oMath>
+                  </m:oMathPara>
+                </a14:m>
+                <a:endParaRPr lang="en-GB" sz="2400" dirty="0"/>
+              </a:p>
+              <a:p>
+                <a14:m>
+                  <m:oMathPara xmlns:m="http://schemas.openxmlformats.org/officeDocument/2006/math">
+                    <m:oMathParaPr>
+                      <m:jc m:val="centerGroup"/>
+                    </m:oMathParaPr>
+                    <m:oMath xmlns:m="http://schemas.openxmlformats.org/officeDocument/2006/math">
+                      <m:sSub>
+                        <m:sSubPr>
+                          <m:ctrlPr>
+                            <a:rPr lang="en-GB" sz="2400" i="1"/>
+                          </m:ctrlPr>
+                        </m:sSubPr>
+                        <m:e>
+                          <m:r>
+                            <a:rPr lang="en-GB" sz="2400" i="1"/>
+                            <m:t>𝜎</m:t>
+                          </m:r>
+                        </m:e>
+                        <m:sub>
+                          <m:r>
+                            <a:rPr lang="en-GB" sz="2400" i="1"/>
+                            <m:t>𝑠</m:t>
+                          </m:r>
+                        </m:sub>
+                      </m:sSub>
+                      <m:r>
+                        <a:rPr lang="en-GB" sz="2400" i="1"/>
+                        <m:t>=</m:t>
+                      </m:r>
+                      <m:sSub>
+                        <m:sSubPr>
+                          <m:ctrlPr>
+                            <a:rPr lang="en-GB" sz="2400" i="1"/>
+                          </m:ctrlPr>
+                        </m:sSubPr>
+                        <m:e>
+                          <m:r>
+                            <a:rPr lang="en-GB" sz="2400" i="1"/>
+                            <m:t>𝜙</m:t>
+                          </m:r>
+                        </m:e>
+                        <m:sub>
+                          <m:r>
+                            <a:rPr lang="en-GB" sz="2400" i="1"/>
+                            <m:t>𝑖</m:t>
+                          </m:r>
+                          <m:r>
+                            <a:rPr lang="en-GB" sz="2400" i="1"/>
+                            <m:t>,</m:t>
+                          </m:r>
+                          <m:r>
+                            <a:rPr lang="en-GB" sz="2400" i="1"/>
+                            <m:t>𝑗</m:t>
+                          </m:r>
+                          <m:r>
+                            <a:rPr lang="en-GB" sz="2400" i="1"/>
+                            <m:t>+1</m:t>
+                          </m:r>
+                        </m:sub>
+                      </m:sSub>
+                      <m:r>
+                        <a:rPr lang="en-GB" sz="2400" i="1"/>
+                        <m:t>+</m:t>
+                      </m:r>
+                      <m:sSub>
+                        <m:sSubPr>
+                          <m:ctrlPr>
+                            <a:rPr lang="en-GB" sz="2400" i="1"/>
+                          </m:ctrlPr>
+                        </m:sSubPr>
+                        <m:e>
+                          <m:r>
+                            <a:rPr lang="en-GB" sz="2400" i="1"/>
+                            <m:t>𝜙</m:t>
+                          </m:r>
+                        </m:e>
+                        <m:sub>
+                          <m:r>
+                            <a:rPr lang="en-GB" sz="2400" i="1"/>
+                            <m:t>𝑖</m:t>
+                          </m:r>
+                          <m:r>
+                            <a:rPr lang="en-GB" sz="2400" i="1"/>
+                            <m:t>+1,</m:t>
+                          </m:r>
+                          <m:r>
+                            <a:rPr lang="en-GB" sz="2400" i="1"/>
+                            <m:t>𝑗</m:t>
+                          </m:r>
+                        </m:sub>
+                      </m:sSub>
+                      <m:r>
+                        <a:rPr lang="en-GB" sz="2400" i="1"/>
+                        <m:t>+</m:t>
+                      </m:r>
+                      <m:sSub>
+                        <m:sSubPr>
+                          <m:ctrlPr>
+                            <a:rPr lang="en-GB" sz="2400" i="1"/>
+                          </m:ctrlPr>
+                        </m:sSubPr>
+                        <m:e>
+                          <m:r>
+                            <a:rPr lang="en-GB" sz="2400" i="1"/>
+                            <m:t>𝜙</m:t>
+                          </m:r>
+                        </m:e>
+                        <m:sub>
+                          <m:r>
+                            <a:rPr lang="en-GB" sz="2400" i="1"/>
+                            <m:t>𝑖</m:t>
+                          </m:r>
+                          <m:r>
+                            <a:rPr lang="en-GB" sz="2400" i="1"/>
+                            <m:t>,</m:t>
+                          </m:r>
+                          <m:r>
+                            <a:rPr lang="en-GB" sz="2400" i="1"/>
+                            <m:t>𝑗</m:t>
+                          </m:r>
+                          <m:r>
+                            <a:rPr lang="en-GB" sz="2400" i="1"/>
+                            <m:t>−1</m:t>
+                          </m:r>
+                        </m:sub>
+                      </m:sSub>
+                      <m:r>
+                        <a:rPr lang="en-GB" sz="2400" i="1"/>
+                        <m:t>+</m:t>
+                      </m:r>
+                      <m:sSub>
+                        <m:sSubPr>
+                          <m:ctrlPr>
+                            <a:rPr lang="en-GB" sz="2400" i="1"/>
+                          </m:ctrlPr>
+                        </m:sSubPr>
+                        <m:e>
+                          <m:r>
+                            <a:rPr lang="en-GB" sz="2400" i="1"/>
+                            <m:t>𝜙</m:t>
+                          </m:r>
+                        </m:e>
+                        <m:sub>
+                          <m:r>
+                            <a:rPr lang="en-GB" sz="2400" i="1"/>
+                            <m:t>𝑖</m:t>
+                          </m:r>
+                          <m:r>
+                            <a:rPr lang="en-GB" sz="2400" i="1"/>
+                            <m:t>−1,</m:t>
+                          </m:r>
+                          <m:r>
+                            <a:rPr lang="en-GB" sz="2400" i="1"/>
+                            <m:t>𝑗</m:t>
+                          </m:r>
+                        </m:sub>
+                      </m:sSub>
+                    </m:oMath>
+                  </m:oMathPara>
+                </a14:m>
+                <a:endParaRPr lang="en-GB" sz="2400" dirty="0"/>
+              </a:p>
+              <a:p>
+                <a14:m>
+                  <m:oMathPara xmlns:m="http://schemas.openxmlformats.org/officeDocument/2006/math">
+                    <m:oMathParaPr>
+                      <m:jc m:val="centerGroup"/>
+                    </m:oMathParaPr>
+                    <m:oMath xmlns:m="http://schemas.openxmlformats.org/officeDocument/2006/math">
+                      <m:sSub>
+                        <m:sSubPr>
+                          <m:ctrlPr>
+                            <a:rPr lang="en-GB" sz="2400" i="1"/>
+                          </m:ctrlPr>
+                        </m:sSubPr>
+                        <m:e>
+                          <m:r>
+                            <a:rPr lang="en-GB" sz="2400" i="1"/>
+                            <m:t>𝜎</m:t>
+                          </m:r>
+                        </m:e>
+                        <m:sub>
+                          <m:r>
+                            <a:rPr lang="en-GB" sz="2400" i="1"/>
+                            <m:t>𝑐</m:t>
+                          </m:r>
+                        </m:sub>
+                      </m:sSub>
+                      <m:r>
+                        <a:rPr lang="en-GB" sz="2400" i="1"/>
+                        <m:t>=</m:t>
+                      </m:r>
+                      <m:sSub>
+                        <m:sSubPr>
+                          <m:ctrlPr>
+                            <a:rPr lang="en-GB" sz="2400" i="1"/>
+                          </m:ctrlPr>
+                        </m:sSubPr>
+                        <m:e>
+                          <m:r>
+                            <a:rPr lang="en-GB" sz="2400" i="1"/>
+                            <m:t>𝜙</m:t>
+                          </m:r>
+                        </m:e>
+                        <m:sub>
+                          <m:r>
+                            <a:rPr lang="en-GB" sz="2400" i="1"/>
+                            <m:t>𝑖</m:t>
+                          </m:r>
+                          <m:r>
+                            <a:rPr lang="en-GB" sz="2400" i="1"/>
+                            <m:t>+1,</m:t>
+                          </m:r>
+                          <m:r>
+                            <a:rPr lang="en-GB" sz="2400" i="1"/>
+                            <m:t>𝑗</m:t>
+                          </m:r>
+                          <m:r>
+                            <a:rPr lang="en-GB" sz="2400" i="1"/>
+                            <m:t>+1</m:t>
+                          </m:r>
+                        </m:sub>
+                      </m:sSub>
+                      <m:r>
+                        <a:rPr lang="en-GB" sz="2400" i="1"/>
+                        <m:t>+</m:t>
+                      </m:r>
+                      <m:sSub>
+                        <m:sSubPr>
+                          <m:ctrlPr>
+                            <a:rPr lang="en-GB" sz="2400" i="1"/>
+                          </m:ctrlPr>
+                        </m:sSubPr>
+                        <m:e>
+                          <m:r>
+                            <a:rPr lang="en-GB" sz="2400" i="1"/>
+                            <m:t>𝜙</m:t>
+                          </m:r>
+                        </m:e>
+                        <m:sub>
+                          <m:r>
+                            <a:rPr lang="en-GB" sz="2400" i="1"/>
+                            <m:t>𝑖</m:t>
+                          </m:r>
+                          <m:r>
+                            <a:rPr lang="en-GB" sz="2400" i="1"/>
+                            <m:t>+1,</m:t>
+                          </m:r>
+                          <m:r>
+                            <a:rPr lang="en-GB" sz="2400" i="1"/>
+                            <m:t>𝑗</m:t>
+                          </m:r>
+                          <m:r>
+                            <a:rPr lang="en-GB" sz="2400" i="1"/>
+                            <m:t>−1</m:t>
+                          </m:r>
+                        </m:sub>
+                      </m:sSub>
+                      <m:r>
+                        <a:rPr lang="en-GB" sz="2400" i="1"/>
+                        <m:t>+</m:t>
+                      </m:r>
+                      <m:sSub>
+                        <m:sSubPr>
+                          <m:ctrlPr>
+                            <a:rPr lang="en-GB" sz="2400" i="1"/>
+                          </m:ctrlPr>
+                        </m:sSubPr>
+                        <m:e>
+                          <m:r>
+                            <a:rPr lang="en-GB" sz="2400" i="1"/>
+                            <m:t>𝜙</m:t>
+                          </m:r>
+                        </m:e>
+                        <m:sub>
+                          <m:r>
+                            <a:rPr lang="en-GB" sz="2400" i="1"/>
+                            <m:t>𝑖</m:t>
+                          </m:r>
+                          <m:r>
+                            <a:rPr lang="en-GB" sz="2400" i="1"/>
+                            <m:t>−1,</m:t>
+                          </m:r>
+                          <m:r>
+                            <a:rPr lang="en-GB" sz="2400" i="1"/>
+                            <m:t>𝑗</m:t>
+                          </m:r>
+                          <m:r>
+                            <a:rPr lang="en-GB" sz="2400" i="1"/>
+                            <m:t>−1</m:t>
+                          </m:r>
+                        </m:sub>
+                      </m:sSub>
+                      <m:r>
+                        <a:rPr lang="en-GB" sz="2400" i="1"/>
+                        <m:t>+</m:t>
+                      </m:r>
+                      <m:sSub>
+                        <m:sSubPr>
+                          <m:ctrlPr>
+                            <a:rPr lang="en-GB" sz="2400" i="1"/>
+                          </m:ctrlPr>
+                        </m:sSubPr>
+                        <m:e>
+                          <m:r>
+                            <a:rPr lang="en-GB" sz="2400" i="1"/>
+                            <m:t>𝜙</m:t>
+                          </m:r>
+                        </m:e>
+                        <m:sub>
+                          <m:r>
+                            <a:rPr lang="en-GB" sz="2400" i="1"/>
+                            <m:t>𝑖</m:t>
+                          </m:r>
+                          <m:r>
+                            <a:rPr lang="en-GB" sz="2400" i="1"/>
+                            <m:t>−1,</m:t>
+                          </m:r>
+                          <m:r>
+                            <a:rPr lang="en-GB" sz="2400" i="1"/>
+                            <m:t>𝑗</m:t>
+                          </m:r>
+                          <m:r>
+                            <a:rPr lang="en-GB" sz="2400" i="1"/>
+                            <m:t>+1</m:t>
+                          </m:r>
+                        </m:sub>
+                      </m:sSub>
+                    </m:oMath>
+                  </m:oMathPara>
+                </a14:m>
+                <a:endParaRPr lang="en-GB" sz="2400" dirty="0"/>
+              </a:p>
+            </p:txBody>
+          </p:sp>
+        </mc:Choice>
+        <mc:Fallback>
+          <p:sp>
+            <p:nvSpPr>
+              <p:cNvPr id="6" name="Rectangle 5"/>
+              <p:cNvSpPr>
+                <a:spLocks noRot="1" noChangeAspect="1" noMove="1" noResize="1" noEditPoints="1" noAdjustHandles="1" noChangeArrowheads="1" noChangeShapeType="1" noTextEdit="1"/>
+              </p:cNvSpPr>
+              <p:nvPr/>
+            </p:nvSpPr>
+            <p:spPr>
+              <a:xfrm>
+                <a:off x="1259632" y="4538619"/>
+                <a:ext cx="6192688" cy="1455014"/>
+              </a:xfrm>
+              <a:prstGeom prst="rect">
+                <a:avLst/>
+              </a:prstGeom>
+              <a:blipFill rotWithShape="1">
+                <a:blip r:embed="rId11"/>
+                <a:stretch>
+                  <a:fillRect t="-2941" r="-591" b="-3361"/>
+                </a:stretch>
+              </a:blipFill>
+            </p:spPr>
+            <p:txBody>
+              <a:bodyPr/>
+              <a:lstStyle/>
+              <a:p>
+                <a:r>
+                  <a:rPr lang="en-GB">
+                    <a:noFill/>
+                  </a:rPr>
+                  <a:t> </a:t>
+                </a:r>
+              </a:p>
+            </p:txBody>
+          </p:sp>
+        </mc:Fallback>
+      </mc:AlternateContent>
+    </p:spTree>
+    <p:extLst>
+      <p:ext uri="{BB962C8B-B14F-4D97-AF65-F5344CB8AC3E}">
+        <p14:creationId xmlns:p14="http://schemas.microsoft.com/office/powerpoint/2010/main" val="1426668695"/>
+      </p:ext>
+    </p:extLst>
+  </p:cSld>
+  <p:clrMapOvr>
+    <a:masterClrMapping/>
+  </p:clrMapOvr>
+  <p:timing>
+    <p:tnLst>
+      <p:par>
+        <p:cTn id="1" dur="indefinite" restart="never" nodeType="tmRoot"/>
+      </p:par>
+    </p:tnLst>
+  </p:timing>
+</p:sld>
+</file>
+
+<file path=ppt/slides/slide42.xml><?xml version="1.0" encoding="utf-8"?>
+<p:sld xmlns:a="http://schemas.openxmlformats.org/drawingml/2006/main" xmlns:r="http://schemas.openxmlformats.org/officeDocument/2006/relationships" xmlns:p="http://schemas.openxmlformats.org/presentationml/2006/main">
+  <p:cSld>
+    <p:spTree>
+      <p:nvGrpSpPr>
+        <p:cNvPr id="1" name=""/>
+        <p:cNvGrpSpPr/>
+        <p:nvPr/>
+      </p:nvGrpSpPr>
+      <p:grpSpPr>
+        <a:xfrm>
+          <a:off x="0" y="0"/>
+          <a:ext cx="0" cy="0"/>
+          <a:chOff x="0" y="0"/>
+          <a:chExt cx="0" cy="0"/>
+        </a:xfrm>
+      </p:grpSpPr>
+      <p:sp>
+        <p:nvSpPr>
+          <p:cNvPr id="2" name="Title 1"/>
+          <p:cNvSpPr>
+            <a:spLocks noGrp="1"/>
+          </p:cNvSpPr>
+          <p:nvPr>
+            <p:ph type="title" idx="4294967295"/>
+          </p:nvPr>
+        </p:nvSpPr>
+        <p:spPr>
+          <a:xfrm>
+            <a:off x="0" y="-162272"/>
+            <a:ext cx="7620000" cy="1143000"/>
+          </a:xfrm>
+        </p:spPr>
+        <p:txBody>
+          <a:bodyPr/>
+          <a:lstStyle/>
+          <a:p>
+            <a:r>
+              <a:rPr lang="en-GB" sz="4400" dirty="0" smtClean="0"/>
+              <a:t>Central &amp; Sommerfeld Schemes</a:t>
+            </a:r>
+            <a:endParaRPr lang="en-GB" sz="4400" dirty="0"/>
+          </a:p>
+        </p:txBody>
+      </p:sp>
+      <mc:AlternateContent xmlns:mc="http://schemas.openxmlformats.org/markup-compatibility/2006">
+        <mc:Choice xmlns:a14="http://schemas.microsoft.com/office/drawing/2010/main" Requires="a14">
+          <p:graphicFrame>
+            <p:nvGraphicFramePr>
+              <p:cNvPr id="4" name="Table 3"/>
+              <p:cNvGraphicFramePr>
+                <a:graphicFrameLocks noGrp="1"/>
+              </p:cNvGraphicFramePr>
+              <p:nvPr>
+                <p:extLst>
+                  <p:ext uri="{D42A27DB-BD31-4B8C-83A1-F6EECF244321}">
+                    <p14:modId xmlns:p14="http://schemas.microsoft.com/office/powerpoint/2010/main" val="2868172573"/>
+                  </p:ext>
+                </p:extLst>
+              </p:nvPr>
+            </p:nvGraphicFramePr>
+            <p:xfrm>
+              <a:off x="179512" y="980728"/>
+              <a:ext cx="8064896" cy="3016703"/>
+            </p:xfrm>
+            <a:graphic>
+              <a:graphicData uri="http://schemas.openxmlformats.org/drawingml/2006/table">
+                <a:tbl>
+                  <a:tblPr firstRow="1" firstCol="1" bandRow="1">
+                    <a:tableStyleId>{5C22544A-7EE6-4342-B048-85BDC9FD1C3A}</a:tableStyleId>
+                  </a:tblPr>
+                  <a:tblGrid>
+                    <a:gridCol w="1008112"/>
+                    <a:gridCol w="2500218"/>
+                    <a:gridCol w="2278283"/>
+                    <a:gridCol w="2278283"/>
+                  </a:tblGrid>
+                  <a:tr h="409230">
+                    <a:tc>
+                      <a:txBody>
+                        <a:bodyPr/>
+                        <a:lstStyle/>
+                        <a:p>
+                          <a:pPr marR="144145" algn="ctr">
+                            <a:spcBef>
+                              <a:spcPts val="1200"/>
+                            </a:spcBef>
+                            <a:spcAft>
+                              <a:spcPts val="300"/>
+                            </a:spcAft>
+                          </a:pPr>
+                          <a:r>
+                            <a:rPr lang="en-US" sz="2000" kern="1600" dirty="0">
+                              <a:effectLst/>
+                            </a:rPr>
+                            <a:t>Order</a:t>
+                          </a:r>
+                          <a:endParaRPr lang="en-GB" sz="2000" b="1" kern="1600" dirty="0">
+                            <a:effectLst/>
+                            <a:latin typeface="Calibri"/>
+                            <a:ea typeface="Times New Roman"/>
+                          </a:endParaRPr>
+                        </a:p>
+                      </a:txBody>
+                      <a:tcPr marL="68580" marR="68580" marT="0" marB="0"/>
+                    </a:tc>
+                    <a:tc>
+                      <a:txBody>
+                        <a:bodyPr/>
+                        <a:lstStyle/>
+                        <a:p>
+                          <a:pPr marR="144145" algn="ctr">
+                            <a:spcBef>
+                              <a:spcPts val="1200"/>
+                            </a:spcBef>
+                            <a:spcAft>
+                              <a:spcPts val="300"/>
+                            </a:spcAft>
+                          </a:pPr>
+                          <a14:m>
+                            <m:oMathPara xmlns:m="http://schemas.openxmlformats.org/officeDocument/2006/math">
+                              <m:oMathParaPr>
+                                <m:jc m:val="centerGroup"/>
+                              </m:oMathParaPr>
+                              <m:oMath xmlns:m="http://schemas.openxmlformats.org/officeDocument/2006/math">
+                                <m:sSub>
+                                  <m:sSubPr>
+                                    <m:ctrlPr>
+                                      <a:rPr lang="en-GB" sz="2000" kern="1600">
+                                        <a:effectLst/>
+                                      </a:rPr>
+                                    </m:ctrlPr>
+                                  </m:sSubPr>
+                                  <m:e>
+                                    <m:r>
+                                      <a:rPr lang="en-US" sz="2000" kern="1600">
+                                        <a:effectLst/>
+                                      </a:rPr>
+                                      <m:t>𝑨</m:t>
+                                    </m:r>
+                                  </m:e>
+                                  <m:sub>
+                                    <m:r>
+                                      <a:rPr lang="en-US" sz="2000" kern="1600">
+                                        <a:effectLst/>
+                                      </a:rPr>
+                                      <m:t>𝟎</m:t>
+                                    </m:r>
+                                  </m:sub>
+                                </m:sSub>
+                              </m:oMath>
+                            </m:oMathPara>
+                          </a14:m>
+                          <a:endParaRPr lang="en-GB" sz="2000" b="1" kern="1600" dirty="0">
+                            <a:effectLst/>
+                            <a:latin typeface="Calibri"/>
+                            <a:ea typeface="Times New Roman"/>
+                          </a:endParaRPr>
+                        </a:p>
+                      </a:txBody>
+                      <a:tcPr marL="68580" marR="68580" marT="0" marB="0"/>
+                    </a:tc>
+                    <a:tc>
+                      <a:txBody>
+                        <a:bodyPr/>
+                        <a:lstStyle/>
+                        <a:p>
+                          <a:pPr marR="144145" algn="ctr">
+                            <a:spcBef>
+                              <a:spcPts val="1200"/>
+                            </a:spcBef>
+                            <a:spcAft>
+                              <a:spcPts val="300"/>
+                            </a:spcAft>
+                          </a:pPr>
+                          <a14:m>
+                            <m:oMathPara xmlns:m="http://schemas.openxmlformats.org/officeDocument/2006/math">
+                              <m:oMathParaPr>
+                                <m:jc m:val="centerGroup"/>
+                              </m:oMathParaPr>
+                              <m:oMath xmlns:m="http://schemas.openxmlformats.org/officeDocument/2006/math">
+                                <m:sSub>
+                                  <m:sSubPr>
+                                    <m:ctrlPr>
+                                      <a:rPr lang="en-GB" sz="2000" kern="1600">
+                                        <a:effectLst/>
+                                      </a:rPr>
+                                    </m:ctrlPr>
+                                  </m:sSubPr>
+                                  <m:e>
+                                    <m:r>
+                                      <a:rPr lang="en-US" sz="2000" kern="1600">
+                                        <a:effectLst/>
+                                      </a:rPr>
+                                      <m:t>𝑨</m:t>
+                                    </m:r>
+                                  </m:e>
+                                  <m:sub>
+                                    <m:r>
+                                      <a:rPr lang="en-US" sz="2000" kern="1600">
+                                        <a:effectLst/>
+                                      </a:rPr>
+                                      <m:t>𝒔</m:t>
+                                    </m:r>
+                                  </m:sub>
+                                </m:sSub>
+                              </m:oMath>
+                            </m:oMathPara>
+                          </a14:m>
+                          <a:endParaRPr lang="en-GB" sz="2000" b="1" kern="1600">
+                            <a:effectLst/>
+                            <a:latin typeface="Calibri"/>
+                            <a:ea typeface="Times New Roman"/>
+                          </a:endParaRPr>
+                        </a:p>
+                      </a:txBody>
+                      <a:tcPr marL="68580" marR="68580" marT="0" marB="0"/>
+                    </a:tc>
+                    <a:tc>
+                      <a:txBody>
+                        <a:bodyPr/>
+                        <a:lstStyle/>
+                        <a:p>
+                          <a:pPr marR="144145" algn="ctr">
+                            <a:spcBef>
+                              <a:spcPts val="1200"/>
+                            </a:spcBef>
+                            <a:spcAft>
+                              <a:spcPts val="300"/>
+                            </a:spcAft>
+                          </a:pPr>
+                          <a14:m>
+                            <m:oMathPara xmlns:m="http://schemas.openxmlformats.org/officeDocument/2006/math">
+                              <m:oMathParaPr>
+                                <m:jc m:val="centerGroup"/>
+                              </m:oMathParaPr>
+                              <m:oMath xmlns:m="http://schemas.openxmlformats.org/officeDocument/2006/math">
+                                <m:sSub>
+                                  <m:sSubPr>
+                                    <m:ctrlPr>
+                                      <a:rPr lang="en-GB" sz="2000" kern="1600">
+                                        <a:effectLst/>
+                                      </a:rPr>
+                                    </m:ctrlPr>
+                                  </m:sSubPr>
+                                  <m:e>
+                                    <m:r>
+                                      <a:rPr lang="en-US" sz="2000" kern="1600">
+                                        <a:effectLst/>
+                                      </a:rPr>
+                                      <m:t>𝑨</m:t>
+                                    </m:r>
+                                  </m:e>
+                                  <m:sub>
+                                    <m:r>
+                                      <a:rPr lang="en-US" sz="2000" kern="1600">
+                                        <a:effectLst/>
+                                      </a:rPr>
+                                      <m:t>𝒄</m:t>
+                                    </m:r>
+                                  </m:sub>
+                                </m:sSub>
+                              </m:oMath>
+                            </m:oMathPara>
+                          </a14:m>
+                          <a:endParaRPr lang="en-GB" sz="2000" b="1" kern="1600" dirty="0">
+                            <a:effectLst/>
+                            <a:latin typeface="Calibri"/>
+                            <a:ea typeface="Times New Roman"/>
+                          </a:endParaRPr>
+                        </a:p>
+                      </a:txBody>
+                      <a:tcPr marL="68580" marR="68580" marT="0" marB="0"/>
+                    </a:tc>
+                  </a:tr>
+                  <a:tr h="416875">
+                    <a:tc>
+                      <a:txBody>
+                        <a:bodyPr/>
+                        <a:lstStyle/>
+                        <a:p>
+                          <a:pPr marR="144145" algn="ctr">
+                            <a:spcBef>
+                              <a:spcPts val="1200"/>
+                            </a:spcBef>
+                            <a:spcAft>
+                              <a:spcPts val="300"/>
+                            </a:spcAft>
+                          </a:pPr>
+                          <a:r>
+                            <a:rPr lang="en-US" sz="2000" kern="1600">
+                              <a:effectLst/>
+                            </a:rPr>
+                            <a:t>2</a:t>
+                          </a:r>
+                          <a:r>
+                            <a:rPr lang="en-US" sz="2000" kern="1600" baseline="30000">
+                              <a:effectLst/>
+                            </a:rPr>
+                            <a:t>nd</a:t>
+                          </a:r>
+                          <a:endParaRPr lang="en-GB" sz="2000" b="1" kern="1600">
+                            <a:effectLst/>
+                            <a:latin typeface="Calibri"/>
+                            <a:ea typeface="Times New Roman"/>
+                          </a:endParaRPr>
+                        </a:p>
+                      </a:txBody>
+                      <a:tcPr marL="68580" marR="68580" marT="0" marB="0"/>
+                    </a:tc>
+                    <a:tc>
+                      <a:txBody>
+                        <a:bodyPr/>
+                        <a:lstStyle/>
+                        <a:p>
+                          <a:pPr marR="144145" algn="l">
+                            <a:spcBef>
+                              <a:spcPts val="1200"/>
+                            </a:spcBef>
+                            <a:spcAft>
+                              <a:spcPts val="300"/>
+                            </a:spcAft>
+                          </a:pPr>
+                          <a14:m>
+                            <m:oMathPara xmlns:m="http://schemas.openxmlformats.org/officeDocument/2006/math">
+                              <m:oMathParaPr>
+                                <m:jc m:val="centerGroup"/>
+                              </m:oMathParaPr>
+                              <m:oMath xmlns:m="http://schemas.openxmlformats.org/officeDocument/2006/math">
+                                <m:r>
+                                  <a:rPr lang="en-US" sz="1600" kern="1600">
+                                    <a:effectLst/>
+                                  </a:rPr>
+                                  <m:t>−4+</m:t>
+                                </m:r>
+                                <m:sSup>
+                                  <m:sSupPr>
+                                    <m:ctrlPr>
+                                      <a:rPr lang="en-GB" sz="1600" kern="1600">
+                                        <a:effectLst/>
+                                      </a:rPr>
+                                    </m:ctrlPr>
+                                  </m:sSupPr>
+                                  <m:e>
+                                    <m:d>
+                                      <m:dPr>
+                                        <m:ctrlPr>
+                                          <a:rPr lang="en-GB" sz="1600" kern="1600">
+                                            <a:effectLst/>
+                                          </a:rPr>
+                                        </m:ctrlPr>
+                                      </m:dPr>
+                                      <m:e>
+                                        <m:r>
+                                          <a:rPr lang="en-US" sz="1600" kern="1600">
+                                            <a:effectLst/>
+                                          </a:rPr>
+                                          <m:t>𝑘h</m:t>
+                                        </m:r>
+                                      </m:e>
+                                    </m:d>
+                                  </m:e>
+                                  <m:sup>
+                                    <m:r>
+                                      <a:rPr lang="en-US" sz="1600" kern="1600">
+                                        <a:effectLst/>
+                                      </a:rPr>
+                                      <m:t>2</m:t>
+                                    </m:r>
+                                  </m:sup>
+                                </m:sSup>
+                              </m:oMath>
+                            </m:oMathPara>
+                          </a14:m>
+                          <a:endParaRPr lang="en-GB" sz="1400" b="1" kern="1600" dirty="0">
+                            <a:effectLst/>
+                            <a:latin typeface="Calibri"/>
+                            <a:ea typeface="Times New Roman"/>
+                          </a:endParaRPr>
+                        </a:p>
+                      </a:txBody>
+                      <a:tcPr marL="68580" marR="68580" marT="0" marB="0"/>
+                    </a:tc>
+                    <a:tc>
+                      <a:txBody>
+                        <a:bodyPr/>
+                        <a:lstStyle/>
+                        <a:p>
+                          <a:pPr marR="144145" algn="l">
+                            <a:spcBef>
+                              <a:spcPts val="1200"/>
+                            </a:spcBef>
+                            <a:spcAft>
+                              <a:spcPts val="300"/>
+                            </a:spcAft>
+                          </a:pPr>
+                          <a14:m>
+                            <m:oMathPara xmlns:m="http://schemas.openxmlformats.org/officeDocument/2006/math">
+                              <m:oMathParaPr>
+                                <m:jc m:val="centerGroup"/>
+                              </m:oMathParaPr>
+                              <m:oMath xmlns:m="http://schemas.openxmlformats.org/officeDocument/2006/math">
+                                <m:r>
+                                  <a:rPr lang="en-US" sz="1600" kern="1600">
+                                    <a:effectLst/>
+                                  </a:rPr>
+                                  <m:t>1</m:t>
+                                </m:r>
+                              </m:oMath>
+                            </m:oMathPara>
+                          </a14:m>
+                          <a:endParaRPr lang="en-GB" sz="1400" b="1" kern="1600">
+                            <a:effectLst/>
+                            <a:latin typeface="Calibri"/>
+                            <a:ea typeface="Times New Roman"/>
+                          </a:endParaRPr>
+                        </a:p>
+                      </a:txBody>
+                      <a:tcPr marL="68580" marR="68580" marT="0" marB="0"/>
+                    </a:tc>
+                    <a:tc>
+                      <a:txBody>
+                        <a:bodyPr/>
+                        <a:lstStyle/>
+                        <a:p>
+                          <a:pPr marR="144145" algn="l">
+                            <a:spcBef>
+                              <a:spcPts val="1200"/>
+                            </a:spcBef>
+                            <a:spcAft>
+                              <a:spcPts val="300"/>
+                            </a:spcAft>
+                          </a:pPr>
+                          <a14:m>
+                            <m:oMathPara xmlns:m="http://schemas.openxmlformats.org/officeDocument/2006/math">
+                              <m:oMathParaPr>
+                                <m:jc m:val="centerGroup"/>
+                              </m:oMathParaPr>
+                              <m:oMath xmlns:m="http://schemas.openxmlformats.org/officeDocument/2006/math">
+                                <m:r>
+                                  <a:rPr lang="en-US" sz="1600" kern="1600">
+                                    <a:effectLst/>
+                                  </a:rPr>
+                                  <m:t>0</m:t>
+                                </m:r>
+                              </m:oMath>
+                            </m:oMathPara>
+                          </a14:m>
+                          <a:endParaRPr lang="en-GB" sz="1400" b="1" kern="1600">
+                            <a:effectLst/>
+                            <a:latin typeface="Calibri"/>
+                            <a:ea typeface="Times New Roman"/>
+                          </a:endParaRPr>
+                        </a:p>
+                      </a:txBody>
+                      <a:tcPr marL="68580" marR="68580" marT="0" marB="0"/>
+                    </a:tc>
+                  </a:tr>
+                  <a:tr h="706746">
+                    <a:tc>
+                      <a:txBody>
+                        <a:bodyPr/>
+                        <a:lstStyle/>
+                        <a:p>
+                          <a:pPr marR="144145" algn="ctr">
+                            <a:spcBef>
+                              <a:spcPts val="1200"/>
+                            </a:spcBef>
+                            <a:spcAft>
+                              <a:spcPts val="300"/>
+                            </a:spcAft>
+                          </a:pPr>
+                          <a:r>
+                            <a:rPr lang="en-US" sz="2000" kern="1600">
+                              <a:effectLst/>
+                            </a:rPr>
+                            <a:t>4</a:t>
+                          </a:r>
+                          <a:r>
+                            <a:rPr lang="en-US" sz="2000" kern="1600" baseline="30000">
+                              <a:effectLst/>
+                            </a:rPr>
+                            <a:t>th</a:t>
+                          </a:r>
+                          <a:endParaRPr lang="en-GB" sz="2000" b="1" kern="1600">
+                            <a:effectLst/>
+                            <a:latin typeface="Calibri"/>
+                            <a:ea typeface="Times New Roman"/>
+                          </a:endParaRPr>
+                        </a:p>
+                      </a:txBody>
+                      <a:tcPr marL="68580" marR="68580" marT="0" marB="0"/>
+                    </a:tc>
+                    <a:tc>
+                      <a:txBody>
+                        <a:bodyPr/>
+                        <a:lstStyle/>
+                        <a:p>
+                          <a:pPr marR="144145" algn="just">
+                            <a:spcBef>
+                              <a:spcPts val="1200"/>
+                            </a:spcBef>
+                            <a:spcAft>
+                              <a:spcPts val="300"/>
+                            </a:spcAft>
+                          </a:pPr>
+                          <a14:m>
+                            <m:oMathPara xmlns:m="http://schemas.openxmlformats.org/officeDocument/2006/math">
+                              <m:oMathParaPr>
+                                <m:jc m:val="centerGroup"/>
+                              </m:oMathParaPr>
+                              <m:oMath xmlns:m="http://schemas.openxmlformats.org/officeDocument/2006/math">
+                                <m:r>
+                                  <a:rPr lang="en-US" sz="1600" kern="1600">
+                                    <a:effectLst/>
+                                  </a:rPr>
+                                  <m:t>−</m:t>
+                                </m:r>
+                                <m:f>
+                                  <m:fPr>
+                                    <m:ctrlPr>
+                                      <a:rPr lang="en-GB" sz="1600" kern="1600">
+                                        <a:effectLst/>
+                                      </a:rPr>
+                                    </m:ctrlPr>
+                                  </m:fPr>
+                                  <m:num>
+                                    <m:r>
+                                      <a:rPr lang="en-US" sz="1600" kern="1600">
+                                        <a:effectLst/>
+                                      </a:rPr>
+                                      <m:t>10</m:t>
+                                    </m:r>
+                                  </m:num>
+                                  <m:den>
+                                    <m:r>
+                                      <a:rPr lang="en-US" sz="1600" kern="1600">
+                                        <a:effectLst/>
+                                      </a:rPr>
+                                      <m:t>3</m:t>
+                                    </m:r>
+                                  </m:den>
+                                </m:f>
+                                <m:r>
+                                  <a:rPr lang="en-US" sz="1600" kern="1600">
+                                    <a:effectLst/>
+                                  </a:rPr>
+                                  <m:t>+</m:t>
+                                </m:r>
+                                <m:sSup>
+                                  <m:sSupPr>
+                                    <m:ctrlPr>
+                                      <a:rPr lang="en-GB" sz="1600" kern="1600">
+                                        <a:effectLst/>
+                                      </a:rPr>
+                                    </m:ctrlPr>
+                                  </m:sSupPr>
+                                  <m:e>
+                                    <m:d>
+                                      <m:dPr>
+                                        <m:ctrlPr>
+                                          <a:rPr lang="en-GB" sz="1600" kern="1600">
+                                            <a:effectLst/>
+                                          </a:rPr>
+                                        </m:ctrlPr>
+                                      </m:dPr>
+                                      <m:e>
+                                        <m:r>
+                                          <a:rPr lang="en-US" sz="1600" kern="1600">
+                                            <a:effectLst/>
+                                          </a:rPr>
+                                          <m:t>𝑘h</m:t>
+                                        </m:r>
+                                      </m:e>
+                                    </m:d>
+                                  </m:e>
+                                  <m:sup>
+                                    <m:r>
+                                      <a:rPr lang="en-US" sz="1600" kern="1600">
+                                        <a:effectLst/>
+                                      </a:rPr>
+                                      <m:t>2</m:t>
+                                    </m:r>
+                                  </m:sup>
+                                </m:sSup>
+                                <m:r>
+                                  <a:rPr lang="en-US" sz="1600" kern="1600">
+                                    <a:effectLst/>
+                                  </a:rPr>
+                                  <m:t>(</m:t>
+                                </m:r>
+                                <m:f>
+                                  <m:fPr>
+                                    <m:ctrlPr>
+                                      <a:rPr lang="en-GB" sz="1600" kern="1600">
+                                        <a:effectLst/>
+                                      </a:rPr>
+                                    </m:ctrlPr>
+                                  </m:fPr>
+                                  <m:num>
+                                    <m:r>
+                                      <a:rPr lang="en-US" sz="1600" kern="1600">
+                                        <a:effectLst/>
+                                      </a:rPr>
+                                      <m:t>2</m:t>
+                                    </m:r>
+                                  </m:num>
+                                  <m:den>
+                                    <m:r>
+                                      <a:rPr lang="en-US" sz="1600" kern="1600">
+                                        <a:effectLst/>
+                                      </a:rPr>
+                                      <m:t>3</m:t>
+                                    </m:r>
+                                  </m:den>
+                                </m:f>
+                                <m:r>
+                                  <a:rPr lang="en-US" sz="1600" kern="1600">
+                                    <a:effectLst/>
+                                  </a:rPr>
+                                  <m:t>+</m:t>
+                                </m:r>
+                                <m:f>
+                                  <m:fPr>
+                                    <m:ctrlPr>
+                                      <a:rPr lang="en-GB" sz="1600" kern="1600">
+                                        <a:effectLst/>
+                                      </a:rPr>
+                                    </m:ctrlPr>
+                                  </m:fPr>
+                                  <m:num>
+                                    <m:r>
+                                      <a:rPr lang="en-US" sz="1600" kern="1600">
+                                        <a:effectLst/>
+                                      </a:rPr>
+                                      <m:t>𝛾</m:t>
+                                    </m:r>
+                                  </m:num>
+                                  <m:den>
+                                    <m:r>
+                                      <a:rPr lang="en-US" sz="1600" kern="1600">
+                                        <a:effectLst/>
+                                      </a:rPr>
+                                      <m:t>36</m:t>
+                                    </m:r>
+                                  </m:den>
+                                </m:f>
+                                <m:r>
+                                  <a:rPr lang="en-US" sz="1600" kern="1600">
+                                    <a:effectLst/>
+                                  </a:rPr>
+                                  <m:t>)</m:t>
+                                </m:r>
+                              </m:oMath>
+                            </m:oMathPara>
+                          </a14:m>
+                          <a:endParaRPr lang="en-GB" sz="1400" b="1" kern="1600">
+                            <a:effectLst/>
+                            <a:latin typeface="Calibri"/>
+                            <a:ea typeface="Times New Roman"/>
+                          </a:endParaRPr>
+                        </a:p>
+                      </a:txBody>
+                      <a:tcPr marL="68580" marR="68580" marT="0" marB="0"/>
+                    </a:tc>
+                    <a:tc>
+                      <a:txBody>
+                        <a:bodyPr/>
+                        <a:lstStyle/>
+                        <a:p>
+                          <a:pPr marR="144145" algn="just">
+                            <a:spcBef>
+                              <a:spcPts val="1200"/>
+                            </a:spcBef>
+                            <a:spcAft>
+                              <a:spcPts val="300"/>
+                            </a:spcAft>
+                          </a:pPr>
+                          <a14:m>
+                            <m:oMathPara xmlns:m="http://schemas.openxmlformats.org/officeDocument/2006/math">
+                              <m:oMathParaPr>
+                                <m:jc m:val="centerGroup"/>
+                              </m:oMathParaPr>
+                              <m:oMath xmlns:m="http://schemas.openxmlformats.org/officeDocument/2006/math">
+                                <m:f>
+                                  <m:fPr>
+                                    <m:ctrlPr>
+                                      <a:rPr lang="en-GB" sz="1600" kern="1600">
+                                        <a:effectLst/>
+                                      </a:rPr>
+                                    </m:ctrlPr>
+                                  </m:fPr>
+                                  <m:num>
+                                    <m:r>
+                                      <a:rPr lang="en-US" sz="1600" kern="1600">
+                                        <a:effectLst/>
+                                      </a:rPr>
+                                      <m:t>2</m:t>
+                                    </m:r>
+                                  </m:num>
+                                  <m:den>
+                                    <m:r>
+                                      <a:rPr lang="en-US" sz="1600" kern="1600">
+                                        <a:effectLst/>
+                                      </a:rPr>
+                                      <m:t>3</m:t>
+                                    </m:r>
+                                  </m:den>
+                                </m:f>
+                                <m:r>
+                                  <a:rPr lang="en-US" sz="1600" kern="1600">
+                                    <a:effectLst/>
+                                  </a:rPr>
+                                  <m:t>+</m:t>
+                                </m:r>
+                                <m:sSup>
+                                  <m:sSupPr>
+                                    <m:ctrlPr>
+                                      <a:rPr lang="en-GB" sz="1600" kern="1600">
+                                        <a:effectLst/>
+                                      </a:rPr>
+                                    </m:ctrlPr>
+                                  </m:sSupPr>
+                                  <m:e>
+                                    <m:d>
+                                      <m:dPr>
+                                        <m:ctrlPr>
+                                          <a:rPr lang="en-GB" sz="1600" kern="1600">
+                                            <a:effectLst/>
+                                          </a:rPr>
+                                        </m:ctrlPr>
+                                      </m:dPr>
+                                      <m:e>
+                                        <m:r>
+                                          <a:rPr lang="en-US" sz="1600" kern="1600">
+                                            <a:effectLst/>
+                                          </a:rPr>
+                                          <m:t>𝑘h</m:t>
+                                        </m:r>
+                                      </m:e>
+                                    </m:d>
+                                  </m:e>
+                                  <m:sup>
+                                    <m:r>
+                                      <a:rPr lang="en-US" sz="1600" kern="1600">
+                                        <a:effectLst/>
+                                      </a:rPr>
+                                      <m:t>2</m:t>
+                                    </m:r>
+                                  </m:sup>
+                                </m:sSup>
+                                <m:r>
+                                  <a:rPr lang="en-US" sz="1600" kern="1600">
+                                    <a:effectLst/>
+                                  </a:rPr>
+                                  <m:t>(</m:t>
+                                </m:r>
+                                <m:f>
+                                  <m:fPr>
+                                    <m:ctrlPr>
+                                      <a:rPr lang="en-GB" sz="1600" kern="1600">
+                                        <a:effectLst/>
+                                      </a:rPr>
+                                    </m:ctrlPr>
+                                  </m:fPr>
+                                  <m:num>
+                                    <m:r>
+                                      <a:rPr lang="en-US" sz="1600" kern="1600">
+                                        <a:effectLst/>
+                                      </a:rPr>
+                                      <m:t>1</m:t>
+                                    </m:r>
+                                  </m:num>
+                                  <m:den>
+                                    <m:r>
+                                      <a:rPr lang="en-US" sz="1600" kern="1600">
+                                        <a:effectLst/>
+                                      </a:rPr>
+                                      <m:t>12</m:t>
+                                    </m:r>
+                                  </m:den>
+                                </m:f>
+                                <m:r>
+                                  <a:rPr lang="en-US" sz="1600" kern="1600">
+                                    <a:effectLst/>
+                                  </a:rPr>
+                                  <m:t>−</m:t>
+                                </m:r>
+                                <m:f>
+                                  <m:fPr>
+                                    <m:ctrlPr>
+                                      <a:rPr lang="en-GB" sz="1600" kern="1600">
+                                        <a:effectLst/>
+                                      </a:rPr>
+                                    </m:ctrlPr>
+                                  </m:fPr>
+                                  <m:num>
+                                    <m:r>
+                                      <a:rPr lang="en-US" sz="1600" kern="1600">
+                                        <a:effectLst/>
+                                      </a:rPr>
+                                      <m:t>𝛾</m:t>
+                                    </m:r>
+                                  </m:num>
+                                  <m:den>
+                                    <m:r>
+                                      <a:rPr lang="en-US" sz="1600" kern="1600">
+                                        <a:effectLst/>
+                                      </a:rPr>
+                                      <m:t>72</m:t>
+                                    </m:r>
+                                  </m:den>
+                                </m:f>
+                                <m:r>
+                                  <a:rPr lang="en-US" sz="1600" kern="1600">
+                                    <a:effectLst/>
+                                  </a:rPr>
+                                  <m:t>)</m:t>
+                                </m:r>
+                              </m:oMath>
+                            </m:oMathPara>
+                          </a14:m>
+                          <a:endParaRPr lang="en-GB" sz="1400" b="1" kern="1600">
+                            <a:effectLst/>
+                            <a:latin typeface="Calibri"/>
+                            <a:ea typeface="Times New Roman"/>
+                          </a:endParaRPr>
+                        </a:p>
+                      </a:txBody>
+                      <a:tcPr marL="68580" marR="68580" marT="0" marB="0"/>
+                    </a:tc>
+                    <a:tc>
+                      <a:txBody>
+                        <a:bodyPr/>
+                        <a:lstStyle/>
+                        <a:p>
+                          <a:pPr marR="144145" algn="just">
+                            <a:spcBef>
+                              <a:spcPts val="1200"/>
+                            </a:spcBef>
+                            <a:spcAft>
+                              <a:spcPts val="300"/>
+                            </a:spcAft>
+                          </a:pPr>
+                          <a14:m>
+                            <m:oMathPara xmlns:m="http://schemas.openxmlformats.org/officeDocument/2006/math">
+                              <m:oMathParaPr>
+                                <m:jc m:val="centerGroup"/>
+                              </m:oMathParaPr>
+                              <m:oMath xmlns:m="http://schemas.openxmlformats.org/officeDocument/2006/math">
+                                <m:f>
+                                  <m:fPr>
+                                    <m:ctrlPr>
+                                      <a:rPr lang="en-GB" sz="1600" kern="1600">
+                                        <a:effectLst/>
+                                      </a:rPr>
+                                    </m:ctrlPr>
+                                  </m:fPr>
+                                  <m:num>
+                                    <m:r>
+                                      <a:rPr lang="en-US" sz="1600" kern="1600">
+                                        <a:effectLst/>
+                                      </a:rPr>
+                                      <m:t>1</m:t>
+                                    </m:r>
+                                  </m:num>
+                                  <m:den>
+                                    <m:r>
+                                      <a:rPr lang="en-US" sz="1600" kern="1600">
+                                        <a:effectLst/>
+                                      </a:rPr>
+                                      <m:t>6</m:t>
+                                    </m:r>
+                                  </m:den>
+                                </m:f>
+                                <m:r>
+                                  <a:rPr lang="en-US" sz="1600" kern="1600">
+                                    <a:effectLst/>
+                                  </a:rPr>
+                                  <m:t>+</m:t>
+                                </m:r>
+                                <m:sSup>
+                                  <m:sSupPr>
+                                    <m:ctrlPr>
+                                      <a:rPr lang="en-GB" sz="1600" kern="1600">
+                                        <a:effectLst/>
+                                      </a:rPr>
+                                    </m:ctrlPr>
+                                  </m:sSupPr>
+                                  <m:e>
+                                    <m:d>
+                                      <m:dPr>
+                                        <m:ctrlPr>
+                                          <a:rPr lang="en-GB" sz="1600" kern="1600">
+                                            <a:effectLst/>
+                                          </a:rPr>
+                                        </m:ctrlPr>
+                                      </m:dPr>
+                                      <m:e>
+                                        <m:r>
+                                          <a:rPr lang="en-US" sz="1600" kern="1600">
+                                            <a:effectLst/>
+                                          </a:rPr>
+                                          <m:t>𝑘h</m:t>
+                                        </m:r>
+                                      </m:e>
+                                    </m:d>
+                                  </m:e>
+                                  <m:sup>
+                                    <m:r>
+                                      <a:rPr lang="en-US" sz="1600" kern="1600">
+                                        <a:effectLst/>
+                                      </a:rPr>
+                                      <m:t>2</m:t>
+                                    </m:r>
+                                  </m:sup>
+                                </m:sSup>
+                                <m:r>
+                                  <a:rPr lang="en-US" sz="1600" kern="1600">
+                                    <a:effectLst/>
+                                  </a:rPr>
+                                  <m:t> </m:t>
+                                </m:r>
+                                <m:r>
+                                  <a:rPr lang="en-US" sz="1600" kern="1600">
+                                    <a:effectLst/>
+                                  </a:rPr>
+                                  <m:t>𝛾</m:t>
+                                </m:r>
+                                <m:r>
+                                  <a:rPr lang="en-US" sz="1600" kern="1600">
+                                    <a:effectLst/>
+                                  </a:rPr>
+                                  <m:t>/144 </m:t>
+                                </m:r>
+                              </m:oMath>
+                            </m:oMathPara>
+                          </a14:m>
+                          <a:endParaRPr lang="en-GB" sz="1400" b="1" kern="1600">
+                            <a:effectLst/>
+                            <a:latin typeface="Calibri"/>
+                            <a:ea typeface="Times New Roman"/>
+                          </a:endParaRPr>
+                        </a:p>
+                      </a:txBody>
+                      <a:tcPr marL="68580" marR="68580" marT="0" marB="0"/>
+                    </a:tc>
+                  </a:tr>
+                  <a:tr h="1123812">
+                    <a:tc>
+                      <a:txBody>
+                        <a:bodyPr/>
+                        <a:lstStyle/>
+                        <a:p>
+                          <a:pPr marR="144145" algn="ctr">
+                            <a:spcBef>
+                              <a:spcPts val="1200"/>
+                            </a:spcBef>
+                            <a:spcAft>
+                              <a:spcPts val="300"/>
+                            </a:spcAft>
+                          </a:pPr>
+                          <a:r>
+                            <a:rPr lang="en-US" sz="2000" kern="1600" dirty="0">
+                              <a:effectLst/>
+                            </a:rPr>
+                            <a:t>5</a:t>
+                          </a:r>
+                          <a:r>
+                            <a:rPr lang="en-US" sz="2000" kern="1600" baseline="30000" dirty="0">
+                              <a:effectLst/>
+                            </a:rPr>
+                            <a:t>th</a:t>
+                          </a:r>
+                          <a:endParaRPr lang="en-GB" sz="2000" b="1" kern="1600" dirty="0">
+                            <a:effectLst/>
+                            <a:latin typeface="Calibri"/>
+                            <a:ea typeface="Times New Roman"/>
+                          </a:endParaRPr>
+                        </a:p>
+                      </a:txBody>
+                      <a:tcPr marL="68580" marR="68580" marT="0" marB="0"/>
+                    </a:tc>
+                    <a:tc>
+                      <a:txBody>
+                        <a:bodyPr/>
+                        <a:lstStyle/>
+                        <a:p>
+                          <a:pPr marR="144145" algn="just">
+                            <a:spcBef>
+                              <a:spcPts val="1200"/>
+                            </a:spcBef>
+                            <a:spcAft>
+                              <a:spcPts val="300"/>
+                            </a:spcAft>
+                          </a:pPr>
+                          <a14:m>
+                            <m:oMathPara xmlns:m="http://schemas.openxmlformats.org/officeDocument/2006/math">
+                              <m:oMathParaPr>
+                                <m:jc m:val="centerGroup"/>
+                              </m:oMathParaPr>
+                              <m:oMath xmlns:m="http://schemas.openxmlformats.org/officeDocument/2006/math">
+                                <m:r>
+                                  <a:rPr lang="en-US" sz="1600" kern="1600">
+                                    <a:effectLst/>
+                                  </a:rPr>
+                                  <m:t>−</m:t>
+                                </m:r>
+                                <m:f>
+                                  <m:fPr>
+                                    <m:ctrlPr>
+                                      <a:rPr lang="en-GB" sz="1600" kern="1600">
+                                        <a:effectLst/>
+                                      </a:rPr>
+                                    </m:ctrlPr>
+                                  </m:fPr>
+                                  <m:num>
+                                    <m:r>
+                                      <a:rPr lang="en-US" sz="1600" kern="1600">
+                                        <a:effectLst/>
+                                      </a:rPr>
+                                      <m:t>10</m:t>
+                                    </m:r>
+                                  </m:num>
+                                  <m:den>
+                                    <m:r>
+                                      <a:rPr lang="en-US" sz="1600" kern="1600">
+                                        <a:effectLst/>
+                                      </a:rPr>
+                                      <m:t>3</m:t>
+                                    </m:r>
+                                  </m:den>
+                                </m:f>
+                                <m:r>
+                                  <a:rPr lang="en-US" sz="1600" kern="1600">
+                                    <a:effectLst/>
+                                  </a:rPr>
+                                  <m:t>+</m:t>
+                                </m:r>
+                                <m:f>
+                                  <m:fPr>
+                                    <m:ctrlPr>
+                                      <a:rPr lang="en-GB" sz="1600" kern="1600">
+                                        <a:effectLst/>
+                                      </a:rPr>
+                                    </m:ctrlPr>
+                                  </m:fPr>
+                                  <m:num>
+                                    <m:r>
+                                      <a:rPr lang="en-US" sz="1600" kern="1600">
+                                        <a:effectLst/>
+                                      </a:rPr>
+                                      <m:t>67</m:t>
+                                    </m:r>
+                                  </m:num>
+                                  <m:den>
+                                    <m:r>
+                                      <a:rPr lang="en-US" sz="1600" kern="1600">
+                                        <a:effectLst/>
+                                      </a:rPr>
+                                      <m:t>90</m:t>
+                                    </m:r>
+                                  </m:den>
+                                </m:f>
+                                <m:sSup>
+                                  <m:sSupPr>
+                                    <m:ctrlPr>
+                                      <a:rPr lang="en-GB" sz="1600" kern="1600">
+                                        <a:effectLst/>
+                                      </a:rPr>
+                                    </m:ctrlPr>
+                                  </m:sSupPr>
+                                  <m:e>
+                                    <m:d>
+                                      <m:dPr>
+                                        <m:ctrlPr>
+                                          <a:rPr lang="en-GB" sz="1600" kern="1600">
+                                            <a:effectLst/>
+                                          </a:rPr>
+                                        </m:ctrlPr>
+                                      </m:dPr>
+                                      <m:e>
+                                        <m:r>
+                                          <a:rPr lang="en-US" sz="1600" kern="1600">
+                                            <a:effectLst/>
+                                          </a:rPr>
+                                          <m:t>𝑘h</m:t>
+                                        </m:r>
+                                      </m:e>
+                                    </m:d>
+                                  </m:e>
+                                  <m:sup>
+                                    <m:r>
+                                      <a:rPr lang="en-US" sz="1600" kern="1600">
+                                        <a:effectLst/>
+                                      </a:rPr>
+                                      <m:t>2</m:t>
+                                    </m:r>
+                                  </m:sup>
+                                </m:sSup>
+                                <m:r>
+                                  <a:rPr lang="en-US" sz="1600" kern="1600">
+                                    <a:effectLst/>
+                                  </a:rPr>
+                                  <m:t>+</m:t>
+                                </m:r>
+                                <m:f>
+                                  <m:fPr>
+                                    <m:ctrlPr>
+                                      <a:rPr lang="en-GB" sz="1600" kern="1600">
+                                        <a:effectLst/>
+                                      </a:rPr>
+                                    </m:ctrlPr>
+                                  </m:fPr>
+                                  <m:num>
+                                    <m:r>
+                                      <a:rPr lang="en-US" sz="1600" kern="1600">
+                                        <a:effectLst/>
+                                      </a:rPr>
+                                      <m:t>𝛿</m:t>
+                                    </m:r>
+                                    <m:r>
+                                      <a:rPr lang="en-US" sz="1600" kern="1600">
+                                        <a:effectLst/>
+                                      </a:rPr>
+                                      <m:t>−3</m:t>
+                                    </m:r>
+                                  </m:num>
+                                  <m:den>
+                                    <m:r>
+                                      <a:rPr lang="en-US" sz="1600" kern="1600">
+                                        <a:effectLst/>
+                                      </a:rPr>
+                                      <m:t>180</m:t>
+                                    </m:r>
+                                  </m:den>
+                                </m:f>
+                                <m:sSup>
+                                  <m:sSupPr>
+                                    <m:ctrlPr>
+                                      <a:rPr lang="en-GB" sz="1600" kern="1600">
+                                        <a:effectLst/>
+                                      </a:rPr>
+                                    </m:ctrlPr>
+                                  </m:sSupPr>
+                                  <m:e>
+                                    <m:d>
+                                      <m:dPr>
+                                        <m:ctrlPr>
+                                          <a:rPr lang="en-GB" sz="1600" kern="1600">
+                                            <a:effectLst/>
+                                          </a:rPr>
+                                        </m:ctrlPr>
+                                      </m:dPr>
+                                      <m:e>
+                                        <m:r>
+                                          <a:rPr lang="en-US" sz="1600" kern="1600">
+                                            <a:effectLst/>
+                                          </a:rPr>
+                                          <m:t>𝑘h</m:t>
+                                        </m:r>
+                                      </m:e>
+                                    </m:d>
+                                  </m:e>
+                                  <m:sup>
+                                    <m:r>
+                                      <a:rPr lang="en-US" sz="1600" kern="1600">
+                                        <a:effectLst/>
+                                      </a:rPr>
+                                      <m:t>4</m:t>
+                                    </m:r>
+                                  </m:sup>
+                                </m:sSup>
+                              </m:oMath>
+                            </m:oMathPara>
+                          </a14:m>
+                          <a:endParaRPr lang="en-GB" sz="1400" b="1" kern="1600" dirty="0">
+                            <a:effectLst/>
+                            <a:latin typeface="Calibri"/>
+                            <a:ea typeface="Times New Roman"/>
+                          </a:endParaRPr>
+                        </a:p>
+                      </a:txBody>
+                      <a:tcPr marL="68580" marR="68580" marT="0" marB="0"/>
+                    </a:tc>
+                    <a:tc>
+                      <a:txBody>
+                        <a:bodyPr/>
+                        <a:lstStyle/>
+                        <a:p>
+                          <a:pPr marR="144145" algn="just">
+                            <a:spcBef>
+                              <a:spcPts val="1200"/>
+                            </a:spcBef>
+                            <a:spcAft>
+                              <a:spcPts val="300"/>
+                            </a:spcAft>
+                          </a:pPr>
+                          <a14:m>
+                            <m:oMathPara xmlns:m="http://schemas.openxmlformats.org/officeDocument/2006/math">
+                              <m:oMathParaPr>
+                                <m:jc m:val="centerGroup"/>
+                              </m:oMathParaPr>
+                              <m:oMath xmlns:m="http://schemas.openxmlformats.org/officeDocument/2006/math">
+                                <m:f>
+                                  <m:fPr>
+                                    <m:ctrlPr>
+                                      <a:rPr lang="en-GB" sz="1600" kern="1600">
+                                        <a:effectLst/>
+                                      </a:rPr>
+                                    </m:ctrlPr>
+                                  </m:fPr>
+                                  <m:num>
+                                    <m:r>
+                                      <a:rPr lang="en-US" sz="1600" kern="1600">
+                                        <a:effectLst/>
+                                      </a:rPr>
+                                      <m:t>2</m:t>
+                                    </m:r>
+                                  </m:num>
+                                  <m:den>
+                                    <m:r>
+                                      <a:rPr lang="en-US" sz="1600" kern="1600">
+                                        <a:effectLst/>
+                                      </a:rPr>
+                                      <m:t>3</m:t>
+                                    </m:r>
+                                  </m:den>
+                                </m:f>
+                                <m:r>
+                                  <a:rPr lang="en-US" sz="1600" kern="1600">
+                                    <a:effectLst/>
+                                  </a:rPr>
+                                  <m:t>+</m:t>
+                                </m:r>
+                                <m:f>
+                                  <m:fPr>
+                                    <m:ctrlPr>
+                                      <a:rPr lang="en-GB" sz="1600" kern="1600">
+                                        <a:effectLst/>
+                                      </a:rPr>
+                                    </m:ctrlPr>
+                                  </m:fPr>
+                                  <m:num>
+                                    <m:r>
+                                      <a:rPr lang="en-US" sz="1600" kern="1600">
+                                        <a:effectLst/>
+                                      </a:rPr>
+                                      <m:t>2</m:t>
+                                    </m:r>
+                                  </m:num>
+                                  <m:den>
+                                    <m:r>
+                                      <a:rPr lang="en-US" sz="1600" kern="1600">
+                                        <a:effectLst/>
+                                      </a:rPr>
+                                      <m:t>45</m:t>
+                                    </m:r>
+                                  </m:den>
+                                </m:f>
+                                <m:sSup>
+                                  <m:sSupPr>
+                                    <m:ctrlPr>
+                                      <a:rPr lang="en-GB" sz="1600" kern="1600">
+                                        <a:effectLst/>
+                                      </a:rPr>
+                                    </m:ctrlPr>
+                                  </m:sSupPr>
+                                  <m:e>
+                                    <m:d>
+                                      <m:dPr>
+                                        <m:ctrlPr>
+                                          <a:rPr lang="en-GB" sz="1600" kern="1600">
+                                            <a:effectLst/>
+                                          </a:rPr>
+                                        </m:ctrlPr>
+                                      </m:dPr>
+                                      <m:e>
+                                        <m:r>
+                                          <a:rPr lang="en-US" sz="1600" kern="1600">
+                                            <a:effectLst/>
+                                          </a:rPr>
+                                          <m:t>𝑘h</m:t>
+                                        </m:r>
+                                      </m:e>
+                                    </m:d>
+                                  </m:e>
+                                  <m:sup>
+                                    <m:r>
+                                      <a:rPr lang="en-US" sz="1600" kern="1600">
+                                        <a:effectLst/>
+                                      </a:rPr>
+                                      <m:t>2</m:t>
+                                    </m:r>
+                                  </m:sup>
+                                </m:sSup>
+                                <m:r>
+                                  <a:rPr lang="en-US" sz="1600" kern="1600">
+                                    <a:effectLst/>
+                                  </a:rPr>
+                                  <m:t>+</m:t>
+                                </m:r>
+                                <m:f>
+                                  <m:fPr>
+                                    <m:ctrlPr>
+                                      <a:rPr lang="en-GB" sz="1600" kern="1600">
+                                        <a:effectLst/>
+                                      </a:rPr>
+                                    </m:ctrlPr>
+                                  </m:fPr>
+                                  <m:num>
+                                    <m:r>
+                                      <a:rPr lang="en-US" sz="1600" kern="1600">
+                                        <a:effectLst/>
+                                      </a:rPr>
+                                      <m:t>3−2</m:t>
+                                    </m:r>
+                                    <m:r>
+                                      <a:rPr lang="en-US" sz="1600" kern="1600">
+                                        <a:effectLst/>
+                                      </a:rPr>
+                                      <m:t>𝛿</m:t>
+                                    </m:r>
+                                  </m:num>
+                                  <m:den>
+                                    <m:r>
+                                      <a:rPr lang="en-US" sz="1600" kern="1600">
+                                        <a:effectLst/>
+                                      </a:rPr>
+                                      <m:t>720</m:t>
+                                    </m:r>
+                                  </m:den>
+                                </m:f>
+                                <m:sSup>
+                                  <m:sSupPr>
+                                    <m:ctrlPr>
+                                      <a:rPr lang="en-GB" sz="1600" kern="1600">
+                                        <a:effectLst/>
+                                      </a:rPr>
+                                    </m:ctrlPr>
+                                  </m:sSupPr>
+                                  <m:e>
+                                    <m:d>
+                                      <m:dPr>
+                                        <m:ctrlPr>
+                                          <a:rPr lang="en-GB" sz="1600" kern="1600">
+                                            <a:effectLst/>
+                                          </a:rPr>
+                                        </m:ctrlPr>
+                                      </m:dPr>
+                                      <m:e>
+                                        <m:r>
+                                          <a:rPr lang="en-US" sz="1600" kern="1600">
+                                            <a:effectLst/>
+                                          </a:rPr>
+                                          <m:t>𝑘h</m:t>
+                                        </m:r>
+                                      </m:e>
+                                    </m:d>
+                                  </m:e>
+                                  <m:sup>
+                                    <m:r>
+                                      <a:rPr lang="en-US" sz="1600" kern="1600">
+                                        <a:effectLst/>
+                                      </a:rPr>
+                                      <m:t>4</m:t>
+                                    </m:r>
+                                  </m:sup>
+                                </m:sSup>
+                              </m:oMath>
+                            </m:oMathPara>
+                          </a14:m>
+                          <a:endParaRPr lang="en-GB" sz="1400" b="1" kern="1600" dirty="0">
+                            <a:effectLst/>
+                            <a:latin typeface="Calibri"/>
+                            <a:ea typeface="Times New Roman"/>
+                          </a:endParaRPr>
+                        </a:p>
+                      </a:txBody>
+                      <a:tcPr marL="68580" marR="68580" marT="0" marB="0"/>
+                    </a:tc>
+                    <a:tc>
+                      <a:txBody>
+                        <a:bodyPr/>
+                        <a:lstStyle/>
+                        <a:p>
+                          <a:pPr marR="144145" algn="just">
+                            <a:spcBef>
+                              <a:spcPts val="1200"/>
+                            </a:spcBef>
+                            <a:spcAft>
+                              <a:spcPts val="300"/>
+                            </a:spcAft>
+                          </a:pPr>
+                          <a14:m>
+                            <m:oMathPara xmlns:m="http://schemas.openxmlformats.org/officeDocument/2006/math">
+                              <m:oMathParaPr>
+                                <m:jc m:val="centerGroup"/>
+                              </m:oMathParaPr>
+                              <m:oMath xmlns:m="http://schemas.openxmlformats.org/officeDocument/2006/math">
+                                <m:f>
+                                  <m:fPr>
+                                    <m:ctrlPr>
+                                      <a:rPr lang="en-GB" sz="1600" kern="1600">
+                                        <a:effectLst/>
+                                      </a:rPr>
+                                    </m:ctrlPr>
+                                  </m:fPr>
+                                  <m:num>
+                                    <m:r>
+                                      <a:rPr lang="en-US" sz="1600" kern="1600">
+                                        <a:effectLst/>
+                                      </a:rPr>
+                                      <m:t>1</m:t>
+                                    </m:r>
+                                  </m:num>
+                                  <m:den>
+                                    <m:r>
+                                      <a:rPr lang="en-US" sz="1600" kern="1600">
+                                        <a:effectLst/>
+                                      </a:rPr>
+                                      <m:t>6</m:t>
+                                    </m:r>
+                                  </m:den>
+                                </m:f>
+                                <m:r>
+                                  <a:rPr lang="en-US" sz="1600" kern="1600">
+                                    <a:effectLst/>
+                                  </a:rPr>
+                                  <m:t>+</m:t>
+                                </m:r>
+                                <m:f>
+                                  <m:fPr>
+                                    <m:ctrlPr>
+                                      <a:rPr lang="en-GB" sz="1600" kern="1600">
+                                        <a:effectLst/>
+                                      </a:rPr>
+                                    </m:ctrlPr>
+                                  </m:fPr>
+                                  <m:num>
+                                    <m:r>
+                                      <a:rPr lang="en-US" sz="1600" kern="1600">
+                                        <a:effectLst/>
+                                      </a:rPr>
+                                      <m:t>7</m:t>
+                                    </m:r>
+                                  </m:num>
+                                  <m:den>
+                                    <m:r>
+                                      <a:rPr lang="en-US" sz="1600" kern="1600">
+                                        <a:effectLst/>
+                                      </a:rPr>
+                                      <m:t>360</m:t>
+                                    </m:r>
+                                  </m:den>
+                                </m:f>
+                                <m:sSup>
+                                  <m:sSupPr>
+                                    <m:ctrlPr>
+                                      <a:rPr lang="en-GB" sz="1600" kern="1600">
+                                        <a:effectLst/>
+                                      </a:rPr>
+                                    </m:ctrlPr>
+                                  </m:sSupPr>
+                                  <m:e>
+                                    <m:d>
+                                      <m:dPr>
+                                        <m:ctrlPr>
+                                          <a:rPr lang="en-GB" sz="1600" kern="1600">
+                                            <a:effectLst/>
+                                          </a:rPr>
+                                        </m:ctrlPr>
+                                      </m:dPr>
+                                      <m:e>
+                                        <m:r>
+                                          <a:rPr lang="en-US" sz="1600" kern="1600">
+                                            <a:effectLst/>
+                                          </a:rPr>
+                                          <m:t>𝑘h</m:t>
+                                        </m:r>
+                                      </m:e>
+                                    </m:d>
+                                  </m:e>
+                                  <m:sup>
+                                    <m:r>
+                                      <a:rPr lang="en-US" sz="1600" kern="1600">
+                                        <a:effectLst/>
+                                      </a:rPr>
+                                      <m:t>2</m:t>
+                                    </m:r>
+                                  </m:sup>
+                                </m:sSup>
+                                <m:r>
+                                  <a:rPr lang="en-US" sz="1600" kern="1600">
+                                    <a:effectLst/>
+                                  </a:rPr>
+                                  <m:t>+</m:t>
+                                </m:r>
+                                <m:f>
+                                  <m:fPr>
+                                    <m:ctrlPr>
+                                      <a:rPr lang="en-GB" sz="1600" kern="1600">
+                                        <a:effectLst/>
+                                      </a:rPr>
+                                    </m:ctrlPr>
+                                  </m:fPr>
+                                  <m:num>
+                                    <m:r>
+                                      <a:rPr lang="en-US" sz="1600" kern="1600">
+                                        <a:effectLst/>
+                                      </a:rPr>
+                                      <m:t>𝛿</m:t>
+                                    </m:r>
+                                  </m:num>
+                                  <m:den>
+                                    <m:r>
+                                      <a:rPr lang="en-US" sz="1600" kern="1600">
+                                        <a:effectLst/>
+                                      </a:rPr>
+                                      <m:t>720</m:t>
+                                    </m:r>
+                                  </m:den>
+                                </m:f>
+                                <m:sSup>
+                                  <m:sSupPr>
+                                    <m:ctrlPr>
+                                      <a:rPr lang="en-GB" sz="1600" kern="1600">
+                                        <a:effectLst/>
+                                      </a:rPr>
+                                    </m:ctrlPr>
+                                  </m:sSupPr>
+                                  <m:e>
+                                    <m:d>
+                                      <m:dPr>
+                                        <m:ctrlPr>
+                                          <a:rPr lang="en-GB" sz="1600" kern="1600">
+                                            <a:effectLst/>
+                                          </a:rPr>
+                                        </m:ctrlPr>
+                                      </m:dPr>
+                                      <m:e>
+                                        <m:r>
+                                          <a:rPr lang="en-US" sz="1600" kern="1600">
+                                            <a:effectLst/>
+                                          </a:rPr>
+                                          <m:t>𝑘h</m:t>
+                                        </m:r>
+                                      </m:e>
+                                    </m:d>
+                                  </m:e>
+                                  <m:sup>
+                                    <m:r>
+                                      <a:rPr lang="en-US" sz="1600" kern="1600">
+                                        <a:effectLst/>
+                                      </a:rPr>
+                                      <m:t>4</m:t>
+                                    </m:r>
+                                  </m:sup>
+                                </m:sSup>
+                              </m:oMath>
+                            </m:oMathPara>
+                          </a14:m>
+                          <a:endParaRPr lang="en-GB" sz="1400" b="1" kern="1600" dirty="0">
+                            <a:effectLst/>
+                            <a:latin typeface="Calibri"/>
+                            <a:ea typeface="Times New Roman"/>
+                          </a:endParaRPr>
+                        </a:p>
+                      </a:txBody>
+                      <a:tcPr marL="68580" marR="68580" marT="0" marB="0"/>
+                    </a:tc>
+                  </a:tr>
+                  <a:tr h="360040">
+                    <a:tc>
+                      <a:txBody>
+                        <a:bodyPr/>
+                        <a:lstStyle/>
+                        <a:p>
+                          <a:pPr marR="144145" algn="ctr">
+                            <a:spcBef>
+                              <a:spcPts val="1200"/>
+                            </a:spcBef>
+                            <a:spcAft>
+                              <a:spcPts val="300"/>
+                            </a:spcAft>
+                          </a:pPr>
+                          <a:r>
+                            <a:rPr lang="en-GB" sz="2000" b="1" kern="1600" dirty="0" smtClean="0">
+                              <a:effectLst/>
+                              <a:latin typeface="Calibri"/>
+                              <a:ea typeface="Times New Roman"/>
+                            </a:rPr>
+                            <a:t>exact</a:t>
+                          </a:r>
+                          <a:endParaRPr lang="en-GB" sz="2000" b="1" kern="1600" dirty="0">
+                            <a:effectLst/>
+                            <a:latin typeface="Calibri"/>
+                            <a:ea typeface="Times New Roman"/>
+                          </a:endParaRPr>
+                        </a:p>
+                      </a:txBody>
+                      <a:tcPr marL="68580" marR="68580" marT="0" marB="0"/>
+                    </a:tc>
+                    <a:tc>
+                      <a:txBody>
+                        <a:bodyPr/>
+                        <a:lstStyle/>
+                        <a:p>
+                          <a:pPr marR="144145" algn="just">
+                            <a:spcBef>
+                              <a:spcPts val="1200"/>
+                            </a:spcBef>
+                            <a:spcAft>
+                              <a:spcPts val="300"/>
+                            </a:spcAft>
+                          </a:pPr>
+                          <a14:m>
+                            <m:oMathPara xmlns:m="http://schemas.openxmlformats.org/officeDocument/2006/math">
+                              <m:oMathParaPr>
+                                <m:jc m:val="centerGroup"/>
+                              </m:oMathParaPr>
+                              <m:oMath xmlns:m="http://schemas.openxmlformats.org/officeDocument/2006/math">
+                                <m:r>
+                                  <a:rPr lang="fr-FR" sz="1600" b="0" i="1" kern="1600" smtClean="0">
+                                    <a:solidFill>
+                                      <a:schemeClr val="dk1"/>
+                                    </a:solidFill>
+                                    <a:effectLst/>
+                                    <a:latin typeface="+mn-lt"/>
+                                    <a:ea typeface="+mn-ea"/>
+                                    <a:cs typeface="+mn-cs"/>
+                                  </a:rPr>
+                                  <m:t>4</m:t>
+                                </m:r>
+                                <m:sSub>
+                                  <m:sSubPr>
+                                    <m:ctrlPr>
+                                      <a:rPr lang="fr-FR" sz="1600" b="0" i="1" kern="1600" smtClean="0">
+                                        <a:solidFill>
+                                          <a:schemeClr val="dk1"/>
+                                        </a:solidFill>
+                                        <a:effectLst/>
+                                        <a:latin typeface="+mn-lt"/>
+                                        <a:ea typeface="+mn-ea"/>
+                                        <a:cs typeface="+mn-cs"/>
+                                      </a:rPr>
+                                    </m:ctrlPr>
+                                  </m:sSubPr>
+                                  <m:e>
+                                    <m:r>
+                                      <a:rPr lang="fr-FR" sz="1600" b="0" i="1" kern="1600" smtClean="0">
+                                        <a:solidFill>
+                                          <a:schemeClr val="dk1"/>
+                                        </a:solidFill>
+                                        <a:effectLst/>
+                                        <a:latin typeface="+mn-lt"/>
+                                        <a:ea typeface="+mn-ea"/>
+                                        <a:cs typeface="+mn-cs"/>
+                                      </a:rPr>
+                                      <m:t>𝐽</m:t>
+                                    </m:r>
+                                  </m:e>
+                                  <m:sub>
+                                    <m:r>
+                                      <a:rPr lang="fr-FR" sz="1600" b="0" i="1" kern="1600" smtClean="0">
+                                        <a:solidFill>
+                                          <a:schemeClr val="dk1"/>
+                                        </a:solidFill>
+                                        <a:effectLst/>
+                                        <a:latin typeface="+mn-lt"/>
+                                        <a:ea typeface="+mn-ea"/>
+                                        <a:cs typeface="+mn-cs"/>
+                                      </a:rPr>
+                                      <m:t>0</m:t>
+                                    </m:r>
+                                  </m:sub>
+                                </m:sSub>
+                                <m:r>
+                                  <a:rPr lang="fr-FR" sz="1600" b="0" i="1" kern="1600" smtClean="0">
+                                    <a:solidFill>
+                                      <a:schemeClr val="dk1"/>
+                                    </a:solidFill>
+                                    <a:effectLst/>
+                                    <a:latin typeface="+mn-lt"/>
+                                    <a:ea typeface="+mn-ea"/>
+                                    <a:cs typeface="+mn-cs"/>
+                                  </a:rPr>
+                                  <m:t>(</m:t>
+                                </m:r>
+                                <m:r>
+                                  <a:rPr lang="fr-FR" sz="1600" b="0" i="1" kern="1600" smtClean="0">
+                                    <a:solidFill>
+                                      <a:schemeClr val="dk1"/>
+                                    </a:solidFill>
+                                    <a:effectLst/>
+                                    <a:latin typeface="+mn-lt"/>
+                                    <a:ea typeface="+mn-ea"/>
+                                    <a:cs typeface="+mn-cs"/>
+                                  </a:rPr>
+                                  <m:t>𝑘h</m:t>
+                                </m:r>
+                                <m:r>
+                                  <a:rPr lang="fr-FR" sz="1600" b="0" i="1" kern="1600" smtClean="0">
+                                    <a:solidFill>
+                                      <a:schemeClr val="dk1"/>
+                                    </a:solidFill>
+                                    <a:effectLst/>
+                                    <a:latin typeface="+mn-lt"/>
+                                    <a:ea typeface="+mn-ea"/>
+                                    <a:cs typeface="+mn-cs"/>
+                                  </a:rPr>
+                                  <m:t>)</m:t>
+                                </m:r>
+                              </m:oMath>
+                            </m:oMathPara>
+                          </a14:m>
+                          <a:endParaRPr lang="en-GB" sz="1600" b="0" i="1" kern="1600" dirty="0">
+                            <a:solidFill>
+                              <a:schemeClr val="dk1"/>
+                            </a:solidFill>
+                            <a:effectLst/>
+                            <a:latin typeface="+mn-lt"/>
+                            <a:ea typeface="+mn-ea"/>
+                            <a:cs typeface="+mn-cs"/>
+                          </a:endParaRPr>
+                        </a:p>
+                      </a:txBody>
+                      <a:tcPr marL="68580" marR="68580" marT="0" marB="0"/>
+                    </a:tc>
+                    <a:tc>
+                      <a:txBody>
+                        <a:bodyPr/>
+                        <a:lstStyle/>
+                        <a:p>
+                          <a:pPr marR="144145" algn="just">
+                            <a:spcBef>
+                              <a:spcPts val="1200"/>
+                            </a:spcBef>
+                            <a:spcAft>
+                              <a:spcPts val="300"/>
+                            </a:spcAft>
+                          </a:pPr>
+                          <a14:m>
+                            <m:oMathPara xmlns:m="http://schemas.openxmlformats.org/officeDocument/2006/math">
+                              <m:oMathParaPr>
+                                <m:jc m:val="centerGroup"/>
+                              </m:oMathParaPr>
+                              <m:oMath xmlns:m="http://schemas.openxmlformats.org/officeDocument/2006/math">
+                                <m:r>
+                                  <a:rPr lang="fr-FR" sz="1400" b="0" i="1" kern="1600" smtClean="0">
+                                    <a:effectLst/>
+                                    <a:latin typeface="Cambria Math"/>
+                                    <a:ea typeface="Times New Roman"/>
+                                  </a:rPr>
+                                  <m:t>−1</m:t>
+                                </m:r>
+                              </m:oMath>
+                            </m:oMathPara>
+                          </a14:m>
+                          <a:endParaRPr lang="en-GB" sz="1400" b="0" i="1" kern="1600" dirty="0">
+                            <a:effectLst/>
+                            <a:latin typeface="Calibri"/>
+                            <a:ea typeface="Times New Roman"/>
+                          </a:endParaRPr>
+                        </a:p>
+                      </a:txBody>
+                      <a:tcPr marL="68580" marR="68580" marT="0" marB="0"/>
+                    </a:tc>
+                    <a:tc>
+                      <a:txBody>
+                        <a:bodyPr/>
+                        <a:lstStyle/>
+                        <a:p>
+                          <a:pPr marR="144145" algn="just">
+                            <a:spcBef>
+                              <a:spcPts val="1200"/>
+                            </a:spcBef>
+                            <a:spcAft>
+                              <a:spcPts val="300"/>
+                            </a:spcAft>
+                          </a:pPr>
+                          <a14:m>
+                            <m:oMathPara xmlns:m="http://schemas.openxmlformats.org/officeDocument/2006/math">
+                              <m:oMathParaPr>
+                                <m:jc m:val="centerGroup"/>
+                              </m:oMathParaPr>
+                              <m:oMath xmlns:m="http://schemas.openxmlformats.org/officeDocument/2006/math">
+                                <m:r>
+                                  <a:rPr lang="fr-FR" sz="1400" b="0" i="0" kern="1600" smtClean="0">
+                                    <a:effectLst/>
+                                    <a:latin typeface="Cambria Math"/>
+                                    <a:ea typeface="Times New Roman"/>
+                                  </a:rPr>
+                                  <m:t>0</m:t>
+                                </m:r>
+                              </m:oMath>
+                            </m:oMathPara>
+                          </a14:m>
+                          <a:endParaRPr lang="en-GB" sz="1400" b="0" i="0" kern="1600" dirty="0">
+                            <a:effectLst/>
+                            <a:latin typeface="Calibri"/>
+                            <a:ea typeface="Times New Roman"/>
+                          </a:endParaRPr>
+                        </a:p>
+                      </a:txBody>
+                      <a:tcPr marL="68580" marR="68580" marT="0" marB="0"/>
+                    </a:tc>
+                  </a:tr>
+                </a:tbl>
+              </a:graphicData>
+            </a:graphic>
+          </p:graphicFrame>
+        </mc:Choice>
+        <mc:Fallback>
+          <p:graphicFrame>
+            <p:nvGraphicFramePr>
+              <p:cNvPr id="4" name="Table 3"/>
+              <p:cNvGraphicFramePr>
+                <a:graphicFrameLocks noGrp="1"/>
+              </p:cNvGraphicFramePr>
+              <p:nvPr>
+                <p:extLst>
+                  <p:ext uri="{D42A27DB-BD31-4B8C-83A1-F6EECF244321}">
+                    <p14:modId xmlns:p14="http://schemas.microsoft.com/office/powerpoint/2010/main" val="2868172573"/>
+                  </p:ext>
+                </p:extLst>
+              </p:nvPr>
+            </p:nvGraphicFramePr>
+            <p:xfrm>
+              <a:off x="179512" y="980728"/>
+              <a:ext cx="8064896" cy="3016703"/>
+            </p:xfrm>
+            <a:graphic>
+              <a:graphicData uri="http://schemas.openxmlformats.org/drawingml/2006/table">
+                <a:tbl>
+                  <a:tblPr firstRow="1" firstCol="1" bandRow="1">
+                    <a:tableStyleId>{5C22544A-7EE6-4342-B048-85BDC9FD1C3A}</a:tableStyleId>
+                  </a:tblPr>
+                  <a:tblGrid>
+                    <a:gridCol w="1008112"/>
+                    <a:gridCol w="2500218"/>
+                    <a:gridCol w="2278283"/>
+                    <a:gridCol w="2278283"/>
+                  </a:tblGrid>
+                  <a:tr h="409230">
+                    <a:tc>
+                      <a:txBody>
+                        <a:bodyPr/>
+                        <a:lstStyle/>
+                        <a:p>
+                          <a:pPr marR="144145" algn="ctr">
+                            <a:spcBef>
+                              <a:spcPts val="1200"/>
+                            </a:spcBef>
+                            <a:spcAft>
+                              <a:spcPts val="300"/>
+                            </a:spcAft>
+                          </a:pPr>
+                          <a:r>
+                            <a:rPr lang="en-US" sz="2000" kern="1600" dirty="0">
+                              <a:effectLst/>
+                            </a:rPr>
+                            <a:t>Order</a:t>
+                          </a:r>
+                          <a:endParaRPr lang="en-GB" sz="2000" b="1" kern="1600" dirty="0">
+                            <a:effectLst/>
+                            <a:latin typeface="Calibri"/>
+                            <a:ea typeface="Times New Roman"/>
+                          </a:endParaRPr>
+                        </a:p>
+                      </a:txBody>
+                      <a:tcPr marL="68580" marR="68580" marT="0" marB="0"/>
+                    </a:tc>
+                    <a:tc>
+                      <a:txBody>
+                        <a:bodyPr/>
+                        <a:lstStyle/>
+                        <a:p>
+                          <a:endParaRPr lang="en-US"/>
+                        </a:p>
+                      </a:txBody>
+                      <a:tcPr marL="68580" marR="68580" marT="0" marB="0">
+                        <a:blipFill rotWithShape="1">
+                          <a:blip r:embed="rId2"/>
+                          <a:stretch>
+                            <a:fillRect l="-40146" t="-19403" r="-181995" b="-662687"/>
+                          </a:stretch>
+                        </a:blipFill>
+                      </a:tcPr>
+                    </a:tc>
+                    <a:tc>
+                      <a:txBody>
+                        <a:bodyPr/>
+                        <a:lstStyle/>
+                        <a:p>
+                          <a:endParaRPr lang="en-US"/>
+                        </a:p>
+                      </a:txBody>
+                      <a:tcPr marL="68580" marR="68580" marT="0" marB="0">
+                        <a:blipFill rotWithShape="1">
+                          <a:blip r:embed="rId2"/>
+                          <a:stretch>
+                            <a:fillRect l="-154424" t="-19403" r="-100536" b="-662687"/>
+                          </a:stretch>
+                        </a:blipFill>
+                      </a:tcPr>
+                    </a:tc>
+                    <a:tc>
+                      <a:txBody>
+                        <a:bodyPr/>
+                        <a:lstStyle/>
+                        <a:p>
+                          <a:endParaRPr lang="en-US"/>
+                        </a:p>
+                      </a:txBody>
+                      <a:tcPr marL="68580" marR="68580" marT="0" marB="0">
+                        <a:blipFill rotWithShape="1">
+                          <a:blip r:embed="rId2"/>
+                          <a:stretch>
+                            <a:fillRect l="-253743" t="-19403" r="-267" b="-662687"/>
+                          </a:stretch>
+                        </a:blipFill>
+                      </a:tcPr>
+                    </a:tc>
+                  </a:tr>
+                  <a:tr h="416875">
+                    <a:tc>
+                      <a:txBody>
+                        <a:bodyPr/>
+                        <a:lstStyle/>
+                        <a:p>
+                          <a:pPr marR="144145" algn="ctr">
+                            <a:spcBef>
+                              <a:spcPts val="1200"/>
+                            </a:spcBef>
+                            <a:spcAft>
+                              <a:spcPts val="300"/>
+                            </a:spcAft>
+                          </a:pPr>
+                          <a:r>
+                            <a:rPr lang="en-US" sz="2000" kern="1600">
+                              <a:effectLst/>
+                            </a:rPr>
+                            <a:t>2</a:t>
+                          </a:r>
+                          <a:r>
+                            <a:rPr lang="en-US" sz="2000" kern="1600" baseline="30000">
+                              <a:effectLst/>
+                            </a:rPr>
+                            <a:t>nd</a:t>
+                          </a:r>
+                          <a:endParaRPr lang="en-GB" sz="2000" b="1" kern="1600">
+                            <a:effectLst/>
+                            <a:latin typeface="Calibri"/>
+                            <a:ea typeface="Times New Roman"/>
+                          </a:endParaRPr>
+                        </a:p>
+                      </a:txBody>
+                      <a:tcPr marL="68580" marR="68580" marT="0" marB="0"/>
+                    </a:tc>
+                    <a:tc>
+                      <a:txBody>
+                        <a:bodyPr/>
+                        <a:lstStyle/>
+                        <a:p>
+                          <a:endParaRPr lang="en-US"/>
+                        </a:p>
+                      </a:txBody>
+                      <a:tcPr marL="68580" marR="68580" marT="0" marB="0">
+                        <a:blipFill rotWithShape="1">
+                          <a:blip r:embed="rId2"/>
+                          <a:stretch>
+                            <a:fillRect l="-40146" t="-115942" r="-181995" b="-543478"/>
+                          </a:stretch>
+                        </a:blipFill>
+                      </a:tcPr>
+                    </a:tc>
+                    <a:tc>
+                      <a:txBody>
+                        <a:bodyPr/>
+                        <a:lstStyle/>
+                        <a:p>
+                          <a:endParaRPr lang="en-US"/>
+                        </a:p>
+                      </a:txBody>
+                      <a:tcPr marL="68580" marR="68580" marT="0" marB="0">
+                        <a:blipFill rotWithShape="1">
+                          <a:blip r:embed="rId2"/>
+                          <a:stretch>
+                            <a:fillRect l="-154424" t="-115942" r="-100536" b="-543478"/>
+                          </a:stretch>
+                        </a:blipFill>
+                      </a:tcPr>
+                    </a:tc>
+                    <a:tc>
+                      <a:txBody>
+                        <a:bodyPr/>
+                        <a:lstStyle/>
+                        <a:p>
+                          <a:endParaRPr lang="en-US"/>
+                        </a:p>
+                      </a:txBody>
+                      <a:tcPr marL="68580" marR="68580" marT="0" marB="0">
+                        <a:blipFill rotWithShape="1">
+                          <a:blip r:embed="rId2"/>
+                          <a:stretch>
+                            <a:fillRect l="-253743" t="-115942" r="-267" b="-543478"/>
+                          </a:stretch>
+                        </a:blipFill>
+                      </a:tcPr>
+                    </a:tc>
+                  </a:tr>
+                  <a:tr h="706746">
+                    <a:tc>
+                      <a:txBody>
+                        <a:bodyPr/>
+                        <a:lstStyle/>
+                        <a:p>
+                          <a:pPr marR="144145" algn="ctr">
+                            <a:spcBef>
+                              <a:spcPts val="1200"/>
+                            </a:spcBef>
+                            <a:spcAft>
+                              <a:spcPts val="300"/>
+                            </a:spcAft>
+                          </a:pPr>
+                          <a:r>
+                            <a:rPr lang="en-US" sz="2000" kern="1600">
+                              <a:effectLst/>
+                            </a:rPr>
+                            <a:t>4</a:t>
+                          </a:r>
+                          <a:r>
+                            <a:rPr lang="en-US" sz="2000" kern="1600" baseline="30000">
+                              <a:effectLst/>
+                            </a:rPr>
+                            <a:t>th</a:t>
+                          </a:r>
+                          <a:endParaRPr lang="en-GB" sz="2000" b="1" kern="1600">
+                            <a:effectLst/>
+                            <a:latin typeface="Calibri"/>
+                            <a:ea typeface="Times New Roman"/>
+                          </a:endParaRPr>
+                        </a:p>
+                      </a:txBody>
+                      <a:tcPr marL="68580" marR="68580" marT="0" marB="0"/>
+                    </a:tc>
+                    <a:tc>
+                      <a:txBody>
+                        <a:bodyPr/>
+                        <a:lstStyle/>
+                        <a:p>
+                          <a:endParaRPr lang="en-US"/>
+                        </a:p>
+                      </a:txBody>
+                      <a:tcPr marL="68580" marR="68580" marT="0" marB="0">
+                        <a:blipFill rotWithShape="1">
+                          <a:blip r:embed="rId2"/>
+                          <a:stretch>
+                            <a:fillRect l="-40146" t="-128448" r="-181995" b="-223276"/>
+                          </a:stretch>
+                        </a:blipFill>
+                      </a:tcPr>
+                    </a:tc>
+                    <a:tc>
+                      <a:txBody>
+                        <a:bodyPr/>
+                        <a:lstStyle/>
+                        <a:p>
+                          <a:endParaRPr lang="en-US"/>
+                        </a:p>
+                      </a:txBody>
+                      <a:tcPr marL="68580" marR="68580" marT="0" marB="0">
+                        <a:blipFill rotWithShape="1">
+                          <a:blip r:embed="rId2"/>
+                          <a:stretch>
+                            <a:fillRect l="-154424" t="-128448" r="-100536" b="-223276"/>
+                          </a:stretch>
+                        </a:blipFill>
+                      </a:tcPr>
+                    </a:tc>
+                    <a:tc>
+                      <a:txBody>
+                        <a:bodyPr/>
+                        <a:lstStyle/>
+                        <a:p>
+                          <a:endParaRPr lang="en-US"/>
+                        </a:p>
+                      </a:txBody>
+                      <a:tcPr marL="68580" marR="68580" marT="0" marB="0">
+                        <a:blipFill rotWithShape="1">
+                          <a:blip r:embed="rId2"/>
+                          <a:stretch>
+                            <a:fillRect l="-253743" t="-128448" r="-267" b="-223276"/>
+                          </a:stretch>
+                        </a:blipFill>
+                      </a:tcPr>
+                    </a:tc>
+                  </a:tr>
+                  <a:tr h="1123812">
+                    <a:tc>
+                      <a:txBody>
+                        <a:bodyPr/>
+                        <a:lstStyle/>
+                        <a:p>
+                          <a:pPr marR="144145" algn="ctr">
+                            <a:spcBef>
+                              <a:spcPts val="1200"/>
+                            </a:spcBef>
+                            <a:spcAft>
+                              <a:spcPts val="300"/>
+                            </a:spcAft>
+                          </a:pPr>
+                          <a:r>
+                            <a:rPr lang="en-US" sz="2000" kern="1600" dirty="0">
+                              <a:effectLst/>
+                            </a:rPr>
+                            <a:t>5</a:t>
+                          </a:r>
+                          <a:r>
+                            <a:rPr lang="en-US" sz="2000" kern="1600" baseline="30000" dirty="0">
+                              <a:effectLst/>
+                            </a:rPr>
+                            <a:t>th</a:t>
+                          </a:r>
+                          <a:endParaRPr lang="en-GB" sz="2000" b="1" kern="1600" dirty="0">
+                            <a:effectLst/>
+                            <a:latin typeface="Calibri"/>
+                            <a:ea typeface="Times New Roman"/>
+                          </a:endParaRPr>
+                        </a:p>
+                      </a:txBody>
+                      <a:tcPr marL="68580" marR="68580" marT="0" marB="0"/>
+                    </a:tc>
+                    <a:tc>
+                      <a:txBody>
+                        <a:bodyPr/>
+                        <a:lstStyle/>
+                        <a:p>
+                          <a:endParaRPr lang="en-US"/>
+                        </a:p>
+                      </a:txBody>
+                      <a:tcPr marL="68580" marR="68580" marT="0" marB="0">
+                        <a:blipFill rotWithShape="1">
+                          <a:blip r:embed="rId2"/>
+                          <a:stretch>
+                            <a:fillRect l="-40146" t="-144022" r="-181995" b="-40761"/>
+                          </a:stretch>
+                        </a:blipFill>
+                      </a:tcPr>
+                    </a:tc>
+                    <a:tc>
+                      <a:txBody>
+                        <a:bodyPr/>
+                        <a:lstStyle/>
+                        <a:p>
+                          <a:endParaRPr lang="en-US"/>
+                        </a:p>
+                      </a:txBody>
+                      <a:tcPr marL="68580" marR="68580" marT="0" marB="0">
+                        <a:blipFill rotWithShape="1">
+                          <a:blip r:embed="rId2"/>
+                          <a:stretch>
+                            <a:fillRect l="-154424" t="-144022" r="-100536" b="-40761"/>
+                          </a:stretch>
+                        </a:blipFill>
+                      </a:tcPr>
+                    </a:tc>
+                    <a:tc>
+                      <a:txBody>
+                        <a:bodyPr/>
+                        <a:lstStyle/>
+                        <a:p>
+                          <a:endParaRPr lang="en-US"/>
+                        </a:p>
+                      </a:txBody>
+                      <a:tcPr marL="68580" marR="68580" marT="0" marB="0">
+                        <a:blipFill rotWithShape="1">
+                          <a:blip r:embed="rId2"/>
+                          <a:stretch>
+                            <a:fillRect l="-253743" t="-144022" r="-267" b="-40761"/>
+                          </a:stretch>
+                        </a:blipFill>
+                      </a:tcPr>
+                    </a:tc>
+                  </a:tr>
+                  <a:tr h="360040">
+                    <a:tc>
+                      <a:txBody>
+                        <a:bodyPr/>
+                        <a:lstStyle/>
+                        <a:p>
+                          <a:pPr marR="144145" algn="ctr">
+                            <a:spcBef>
+                              <a:spcPts val="1200"/>
+                            </a:spcBef>
+                            <a:spcAft>
+                              <a:spcPts val="300"/>
+                            </a:spcAft>
+                          </a:pPr>
+                          <a:r>
+                            <a:rPr lang="en-GB" sz="2000" b="1" kern="1600" dirty="0" smtClean="0">
+                              <a:effectLst/>
+                              <a:latin typeface="Calibri"/>
+                              <a:ea typeface="Times New Roman"/>
+                            </a:rPr>
+                            <a:t>exact</a:t>
+                          </a:r>
+                          <a:endParaRPr lang="en-GB" sz="2000" b="1" kern="1600" dirty="0">
+                            <a:effectLst/>
+                            <a:latin typeface="Calibri"/>
+                            <a:ea typeface="Times New Roman"/>
+                          </a:endParaRPr>
+                        </a:p>
+                      </a:txBody>
+                      <a:tcPr marL="68580" marR="68580" marT="0" marB="0"/>
+                    </a:tc>
+                    <a:tc>
+                      <a:txBody>
+                        <a:bodyPr/>
+                        <a:lstStyle/>
+                        <a:p>
+                          <a:endParaRPr lang="en-US"/>
+                        </a:p>
+                      </a:txBody>
+                      <a:tcPr marL="68580" marR="68580" marT="0" marB="0">
+                        <a:blipFill rotWithShape="1">
+                          <a:blip r:embed="rId2"/>
+                          <a:stretch>
+                            <a:fillRect l="-40146" t="-761017" r="-181995" b="-27119"/>
+                          </a:stretch>
+                        </a:blipFill>
+                      </a:tcPr>
+                    </a:tc>
+                    <a:tc>
+                      <a:txBody>
+                        <a:bodyPr/>
+                        <a:lstStyle/>
+                        <a:p>
+                          <a:endParaRPr lang="en-US"/>
+                        </a:p>
+                      </a:txBody>
+                      <a:tcPr marL="68580" marR="68580" marT="0" marB="0">
+                        <a:blipFill rotWithShape="1">
+                          <a:blip r:embed="rId2"/>
+                          <a:stretch>
+                            <a:fillRect l="-154424" t="-761017" r="-100536" b="-27119"/>
+                          </a:stretch>
+                        </a:blipFill>
+                      </a:tcPr>
+                    </a:tc>
+                    <a:tc>
+                      <a:txBody>
+                        <a:bodyPr/>
+                        <a:lstStyle/>
+                        <a:p>
+                          <a:endParaRPr lang="en-US"/>
+                        </a:p>
+                      </a:txBody>
+                      <a:tcPr marL="68580" marR="68580" marT="0" marB="0">
+                        <a:blipFill rotWithShape="1">
+                          <a:blip r:embed="rId2"/>
+                          <a:stretch>
+                            <a:fillRect l="-253743" t="-761017" r="-267" b="-27119"/>
+                          </a:stretch>
+                        </a:blipFill>
+                      </a:tcPr>
+                    </a:tc>
+                  </a:tr>
+                </a:tbl>
+              </a:graphicData>
+            </a:graphic>
+          </p:graphicFrame>
+        </mc:Fallback>
+      </mc:AlternateContent>
+      <mc:AlternateContent xmlns:mc="http://schemas.openxmlformats.org/markup-compatibility/2006">
+        <mc:Choice xmlns:a14="http://schemas.microsoft.com/office/drawing/2010/main" Requires="a14">
+          <p:graphicFrame>
+            <p:nvGraphicFramePr>
+              <p:cNvPr id="5" name="Content Placeholder 3"/>
+              <p:cNvGraphicFramePr>
+                <a:graphicFrameLocks/>
+              </p:cNvGraphicFramePr>
+              <p:nvPr>
+                <p:extLst>
+                  <p:ext uri="{D42A27DB-BD31-4B8C-83A1-F6EECF244321}">
+                    <p14:modId xmlns:p14="http://schemas.microsoft.com/office/powerpoint/2010/main" val="2120922677"/>
+                  </p:ext>
+                </p:extLst>
+              </p:nvPr>
+            </p:nvGraphicFramePr>
+            <p:xfrm>
+              <a:off x="179512" y="4293096"/>
+              <a:ext cx="8064896" cy="2304256"/>
+            </p:xfrm>
+            <a:graphic>
+              <a:graphicData uri="http://schemas.openxmlformats.org/drawingml/2006/table">
+                <a:tbl>
+                  <a:tblPr firstRow="1" bandRow="1">
+                    <a:tableStyleId>{5C22544A-7EE6-4342-B048-85BDC9FD1C3A}</a:tableStyleId>
+                  </a:tblPr>
+                  <a:tblGrid>
+                    <a:gridCol w="917232"/>
+                    <a:gridCol w="7147664"/>
+                  </a:tblGrid>
+                  <a:tr h="413624">
+                    <a:tc>
+                      <a:txBody>
+                        <a:bodyPr/>
+                        <a:lstStyle/>
+                        <a:p>
+                          <a:r>
+                            <a:rPr lang="en-GB" dirty="0" smtClean="0"/>
+                            <a:t>Order </a:t>
+                          </a:r>
+                          <a:endParaRPr lang="en-GB" dirty="0"/>
+                        </a:p>
+                      </a:txBody>
+                      <a:tcPr/>
+                    </a:tc>
+                    <a:tc>
+                      <a:txBody>
+                        <a:bodyPr/>
+                        <a:lstStyle/>
+                        <a:p>
+                          <a:r>
+                            <a:rPr lang="en-GB" dirty="0" smtClean="0"/>
+                            <a:t>scheme</a:t>
+                          </a:r>
+                          <a:endParaRPr lang="en-GB" dirty="0"/>
+                        </a:p>
+                      </a:txBody>
+                      <a:tcPr/>
+                    </a:tc>
+                  </a:tr>
+                  <a:tr h="423557">
+                    <a:tc>
+                      <a:txBody>
+                        <a:bodyPr/>
+                        <a:lstStyle/>
+                        <a:p>
+                          <a:r>
+                            <a:rPr lang="en-GB" dirty="0" smtClean="0"/>
+                            <a:t>2</a:t>
+                          </a:r>
+                          <a:r>
+                            <a:rPr lang="en-GB" baseline="30000" dirty="0" smtClean="0"/>
+                            <a:t>nd</a:t>
+                          </a:r>
+                          <a:r>
+                            <a:rPr lang="en-GB" dirty="0" smtClean="0"/>
+                            <a:t> </a:t>
+                          </a:r>
+                          <a:endParaRPr lang="en-GB" dirty="0"/>
+                        </a:p>
+                      </a:txBody>
+                      <a:tcPr/>
+                    </a:tc>
+                    <a:tc>
+                      <a:txBody>
+                        <a:bodyPr/>
+                        <a:lstStyle/>
+                        <a:p>
+                          <a:pPr/>
+                          <a14:m>
+                            <m:oMathPara xmlns:m="http://schemas.openxmlformats.org/officeDocument/2006/math">
+                              <m:oMathParaPr>
+                                <m:jc m:val="left"/>
+                              </m:oMathParaPr>
+                              <m:oMath xmlns:m="http://schemas.openxmlformats.org/officeDocument/2006/math">
+                                <m:sSub>
+                                  <m:sSubPr>
+                                    <m:ctrlPr>
+                                      <a:rPr lang="fr-FR" sz="1600" b="0" i="1" smtClean="0">
+                                        <a:latin typeface="Cambria Math"/>
+                                      </a:rPr>
+                                    </m:ctrlPr>
+                                  </m:sSubPr>
+                                  <m:e>
+                                    <m:r>
+                                      <a:rPr lang="fr-FR" sz="1600" b="0" i="1" smtClean="0">
+                                        <a:latin typeface="Cambria Math"/>
+                                      </a:rPr>
+                                      <m:t>𝑢</m:t>
+                                    </m:r>
+                                  </m:e>
+                                  <m:sub>
+                                    <m:r>
+                                      <a:rPr lang="fr-FR" sz="1600" b="0" i="1" smtClean="0">
+                                        <a:latin typeface="Cambria Math"/>
+                                      </a:rPr>
+                                      <m:t>𝑛</m:t>
+                                    </m:r>
+                                    <m:r>
+                                      <a:rPr lang="fr-FR" sz="1600" b="0" i="1" smtClean="0">
+                                        <a:latin typeface="Cambria Math"/>
+                                      </a:rPr>
+                                      <m:t>+1</m:t>
+                                    </m:r>
+                                  </m:sub>
+                                </m:sSub>
+                                <m:r>
+                                  <a:rPr lang="fr-FR" sz="1600" b="0" i="1" smtClean="0">
+                                    <a:latin typeface="Cambria Math"/>
+                                  </a:rPr>
+                                  <m:t>+2</m:t>
+                                </m:r>
+                                <m:r>
+                                  <a:rPr lang="fr-FR" sz="1600" b="0" i="1" smtClean="0">
+                                    <a:latin typeface="Cambria Math"/>
+                                  </a:rPr>
+                                  <m:t>𝑖𝑘h</m:t>
+                                </m:r>
+                                <m:sSub>
+                                  <m:sSubPr>
+                                    <m:ctrlPr>
+                                      <a:rPr lang="fr-FR" sz="1600" b="0" i="1" smtClean="0">
+                                        <a:latin typeface="Cambria Math"/>
+                                      </a:rPr>
+                                    </m:ctrlPr>
+                                  </m:sSubPr>
+                                  <m:e>
+                                    <m:r>
+                                      <a:rPr lang="fr-FR" sz="1600" b="0" i="1" smtClean="0">
+                                        <a:latin typeface="Cambria Math"/>
+                                      </a:rPr>
+                                      <m:t> </m:t>
+                                    </m:r>
+                                    <m:r>
+                                      <a:rPr lang="fr-FR" sz="1600" b="0" i="1" smtClean="0">
+                                        <a:latin typeface="Cambria Math"/>
+                                      </a:rPr>
+                                      <m:t>𝑢</m:t>
+                                    </m:r>
+                                  </m:e>
+                                  <m:sub>
+                                    <m:r>
+                                      <a:rPr lang="fr-FR" sz="1600" b="0" i="1" smtClean="0">
+                                        <a:latin typeface="Cambria Math"/>
+                                      </a:rPr>
+                                      <m:t>𝑛</m:t>
+                                    </m:r>
+                                  </m:sub>
+                                </m:sSub>
+                                <m:r>
+                                  <a:rPr lang="fr-FR" sz="1600" b="0" i="1" smtClean="0">
+                                    <a:latin typeface="Cambria Math"/>
+                                  </a:rPr>
+                                  <m:t>−</m:t>
+                                </m:r>
+                                <m:sSub>
+                                  <m:sSubPr>
+                                    <m:ctrlPr>
+                                      <a:rPr lang="fr-FR" sz="1600" b="0" i="1" smtClean="0">
+                                        <a:latin typeface="Cambria Math"/>
+                                      </a:rPr>
+                                    </m:ctrlPr>
+                                  </m:sSubPr>
+                                  <m:e>
+                                    <m:r>
+                                      <a:rPr lang="fr-FR" sz="1600" b="0" i="1" smtClean="0">
+                                        <a:latin typeface="Cambria Math"/>
+                                      </a:rPr>
+                                      <m:t>𝑢</m:t>
+                                    </m:r>
+                                  </m:e>
+                                  <m:sub>
+                                    <m:r>
+                                      <a:rPr lang="fr-FR" sz="1600" b="0" i="1" smtClean="0">
+                                        <a:latin typeface="Cambria Math"/>
+                                      </a:rPr>
+                                      <m:t>𝑛</m:t>
+                                    </m:r>
+                                    <m:r>
+                                      <a:rPr lang="fr-FR" sz="1600" b="0" i="1" smtClean="0">
+                                        <a:latin typeface="Cambria Math"/>
+                                      </a:rPr>
+                                      <m:t>−1</m:t>
+                                    </m:r>
+                                  </m:sub>
+                                </m:sSub>
+                                <m:r>
+                                  <a:rPr lang="fr-FR" sz="1600" b="0" i="1" smtClean="0">
+                                    <a:latin typeface="Cambria Math"/>
+                                  </a:rPr>
+                                  <m:t>=0</m:t>
+                                </m:r>
+                              </m:oMath>
+                            </m:oMathPara>
+                          </a14:m>
+                          <a:endParaRPr lang="en-GB" sz="1600" dirty="0"/>
+                        </a:p>
+                      </a:txBody>
+                      <a:tcPr/>
+                    </a:tc>
+                  </a:tr>
+                  <a:tr h="1043518">
+                    <a:tc>
+                      <a:txBody>
+                        <a:bodyPr/>
+                        <a:lstStyle/>
+                        <a:p>
+                          <a:r>
+                            <a:rPr lang="en-GB" dirty="0" smtClean="0"/>
+                            <a:t>6</a:t>
+                          </a:r>
+                          <a:r>
+                            <a:rPr lang="en-GB" baseline="30000" dirty="0" smtClean="0"/>
+                            <a:t>th</a:t>
+                          </a:r>
+                          <a:r>
+                            <a:rPr lang="en-GB" dirty="0" smtClean="0"/>
+                            <a:t> </a:t>
+                          </a:r>
+                          <a:endParaRPr lang="en-GB" dirty="0"/>
+                        </a:p>
+                      </a:txBody>
+                      <a:tcPr/>
+                    </a:tc>
+                    <a:tc>
+                      <a:txBody>
+                        <a:bodyPr/>
+                        <a:lstStyle/>
+                        <a:p>
+                          <a:pPr marL="0" marR="0" indent="0" algn="l" defTabSz="914400" rtl="0" eaLnBrk="1" fontAlgn="auto" latinLnBrk="0" hangingPunct="1">
+                            <a:lnSpc>
+                              <a:spcPct val="100000"/>
+                            </a:lnSpc>
+                            <a:spcBef>
+                              <a:spcPts val="0"/>
+                            </a:spcBef>
+                            <a:spcAft>
+                              <a:spcPts val="0"/>
+                            </a:spcAft>
+                            <a:buClrTx/>
+                            <a:buSzTx/>
+                            <a:buFontTx/>
+                            <a:buNone/>
+                            <a:tabLst/>
+                            <a:defRPr/>
+                          </a:pPr>
+                          <a14:m>
+                            <m:oMathPara xmlns:m="http://schemas.openxmlformats.org/officeDocument/2006/math">
+                              <m:oMathParaPr>
+                                <m:jc m:val="left"/>
+                              </m:oMathParaPr>
+                              <m:oMath xmlns:m="http://schemas.openxmlformats.org/officeDocument/2006/math">
+                                <m:sSub>
+                                  <m:sSubPr>
+                                    <m:ctrlPr>
+                                      <a:rPr lang="en-GB" sz="1600" b="0" i="1" kern="1200" smtClean="0">
+                                        <a:solidFill>
+                                          <a:schemeClr val="dk1"/>
+                                        </a:solidFill>
+                                        <a:effectLst/>
+                                        <a:latin typeface="+mn-lt"/>
+                                        <a:ea typeface="+mn-ea"/>
+                                        <a:cs typeface="+mn-cs"/>
+                                      </a:rPr>
+                                    </m:ctrlPr>
+                                  </m:sSubPr>
+                                  <m:e>
+                                    <m:r>
+                                      <a:rPr lang="en-GB" sz="1600" b="0" i="1" kern="1200">
+                                        <a:solidFill>
+                                          <a:schemeClr val="dk1"/>
+                                        </a:solidFill>
+                                        <a:effectLst/>
+                                        <a:latin typeface="+mn-lt"/>
+                                        <a:ea typeface="+mn-ea"/>
+                                        <a:cs typeface="+mn-cs"/>
+                                      </a:rPr>
+                                      <m:t>𝑢</m:t>
+                                    </m:r>
+                                  </m:e>
+                                  <m:sub>
+                                    <m:r>
+                                      <a:rPr lang="en-GB" sz="1600" b="0" i="1" kern="1200">
+                                        <a:solidFill>
+                                          <a:schemeClr val="dk1"/>
+                                        </a:solidFill>
+                                        <a:effectLst/>
+                                        <a:latin typeface="+mn-lt"/>
+                                        <a:ea typeface="+mn-ea"/>
+                                        <a:cs typeface="+mn-cs"/>
+                                      </a:rPr>
+                                      <m:t>𝑛</m:t>
+                                    </m:r>
+                                    <m:r>
+                                      <a:rPr lang="en-GB" sz="1600" b="0" i="1" kern="1200">
+                                        <a:solidFill>
+                                          <a:schemeClr val="dk1"/>
+                                        </a:solidFill>
+                                        <a:effectLst/>
+                                        <a:latin typeface="+mn-lt"/>
+                                        <a:ea typeface="+mn-ea"/>
+                                        <a:cs typeface="+mn-cs"/>
+                                      </a:rPr>
+                                      <m:t>+1</m:t>
+                                    </m:r>
+                                  </m:sub>
+                                </m:sSub>
+                                <m:r>
+                                  <a:rPr lang="en-GB" sz="1600" b="0" i="1" kern="1200">
+                                    <a:solidFill>
+                                      <a:schemeClr val="dk1"/>
+                                    </a:solidFill>
+                                    <a:effectLst/>
+                                    <a:latin typeface="+mn-lt"/>
+                                    <a:ea typeface="+mn-ea"/>
+                                    <a:cs typeface="+mn-cs"/>
+                                  </a:rPr>
+                                  <m:t>+2</m:t>
+                                </m:r>
+                                <m:r>
+                                  <a:rPr lang="en-GB" sz="1600" b="0" i="1" kern="1200">
+                                    <a:solidFill>
+                                      <a:schemeClr val="dk1"/>
+                                    </a:solidFill>
+                                    <a:effectLst/>
+                                    <a:latin typeface="+mn-lt"/>
+                                    <a:ea typeface="+mn-ea"/>
+                                    <a:cs typeface="+mn-cs"/>
+                                  </a:rPr>
+                                  <m:t>𝑖</m:t>
+                                </m:r>
+                                <m:r>
+                                  <a:rPr lang="en-GB" sz="1600" b="0" i="1" kern="1200">
+                                    <a:solidFill>
+                                      <a:schemeClr val="dk1"/>
+                                    </a:solidFill>
+                                    <a:effectLst/>
+                                    <a:latin typeface="+mn-lt"/>
+                                    <a:ea typeface="+mn-ea"/>
+                                    <a:cs typeface="+mn-cs"/>
+                                  </a:rPr>
+                                  <m:t>𝛽</m:t>
+                                </m:r>
+                                <m:r>
+                                  <a:rPr lang="en-GB" sz="1600" b="0" i="1" kern="1200">
+                                    <a:solidFill>
+                                      <a:schemeClr val="dk1"/>
+                                    </a:solidFill>
+                                    <a:effectLst/>
+                                    <a:latin typeface="+mn-lt"/>
+                                    <a:ea typeface="+mn-ea"/>
+                                    <a:cs typeface="+mn-cs"/>
+                                  </a:rPr>
+                                  <m:t>h</m:t>
+                                </m:r>
+                                <m:d>
+                                  <m:dPr>
+                                    <m:ctrlPr>
+                                      <a:rPr lang="en-GB" sz="1600" b="0" i="1" kern="1200">
+                                        <a:solidFill>
+                                          <a:schemeClr val="dk1"/>
+                                        </a:solidFill>
+                                        <a:effectLst/>
+                                        <a:latin typeface="+mn-lt"/>
+                                        <a:ea typeface="+mn-ea"/>
+                                        <a:cs typeface="+mn-cs"/>
+                                      </a:rPr>
+                                    </m:ctrlPr>
+                                  </m:dPr>
+                                  <m:e>
+                                    <m:r>
+                                      <a:rPr lang="en-GB" sz="1600" b="0" i="1" kern="1200">
+                                        <a:solidFill>
+                                          <a:schemeClr val="dk1"/>
+                                        </a:solidFill>
+                                        <a:effectLst/>
+                                        <a:latin typeface="+mn-lt"/>
+                                        <a:ea typeface="+mn-ea"/>
+                                        <a:cs typeface="+mn-cs"/>
+                                      </a:rPr>
+                                      <m:t>1−</m:t>
+                                    </m:r>
+                                    <m:f>
+                                      <m:fPr>
+                                        <m:ctrlPr>
+                                          <a:rPr lang="en-GB" sz="1600" b="0" i="1" kern="1200">
+                                            <a:solidFill>
+                                              <a:schemeClr val="dk1"/>
+                                            </a:solidFill>
+                                            <a:effectLst/>
+                                            <a:latin typeface="+mn-lt"/>
+                                            <a:ea typeface="+mn-ea"/>
+                                            <a:cs typeface="+mn-cs"/>
+                                          </a:rPr>
+                                        </m:ctrlPr>
+                                      </m:fPr>
+                                      <m:num>
+                                        <m:sSup>
+                                          <m:sSupPr>
+                                            <m:ctrlPr>
+                                              <a:rPr lang="en-GB" sz="1600" b="0" i="1" kern="1200">
+                                                <a:solidFill>
+                                                  <a:schemeClr val="dk1"/>
+                                                </a:solidFill>
+                                                <a:effectLst/>
+                                                <a:latin typeface="+mn-lt"/>
+                                                <a:ea typeface="+mn-ea"/>
+                                                <a:cs typeface="+mn-cs"/>
+                                              </a:rPr>
+                                            </m:ctrlPr>
+                                          </m:sSupPr>
+                                          <m:e>
+                                            <m:r>
+                                              <a:rPr lang="en-GB" sz="1600" b="0" i="1" kern="1200">
+                                                <a:solidFill>
+                                                  <a:schemeClr val="dk1"/>
+                                                </a:solidFill>
+                                                <a:effectLst/>
+                                                <a:latin typeface="+mn-lt"/>
+                                                <a:ea typeface="+mn-ea"/>
+                                                <a:cs typeface="+mn-cs"/>
+                                              </a:rPr>
+                                              <m:t>𝛽</m:t>
+                                            </m:r>
+                                          </m:e>
+                                          <m:sup>
+                                            <m:r>
+                                              <a:rPr lang="en-GB" sz="1600" b="0" i="1" kern="1200">
+                                                <a:solidFill>
+                                                  <a:schemeClr val="dk1"/>
+                                                </a:solidFill>
+                                                <a:effectLst/>
+                                                <a:latin typeface="+mn-lt"/>
+                                                <a:ea typeface="+mn-ea"/>
+                                                <a:cs typeface="+mn-cs"/>
+                                              </a:rPr>
+                                              <m:t>2</m:t>
+                                            </m:r>
+                                          </m:sup>
+                                        </m:sSup>
+                                        <m:sSup>
+                                          <m:sSupPr>
+                                            <m:ctrlPr>
+                                              <a:rPr lang="en-GB" sz="1600" b="0" i="1" kern="1200">
+                                                <a:solidFill>
+                                                  <a:schemeClr val="dk1"/>
+                                                </a:solidFill>
+                                                <a:effectLst/>
+                                                <a:latin typeface="+mn-lt"/>
+                                                <a:ea typeface="+mn-ea"/>
+                                                <a:cs typeface="+mn-cs"/>
+                                              </a:rPr>
+                                            </m:ctrlPr>
+                                          </m:sSupPr>
+                                          <m:e>
+                                            <m:r>
+                                              <a:rPr lang="en-GB" sz="1600" b="0" i="1" kern="1200">
+                                                <a:solidFill>
+                                                  <a:schemeClr val="dk1"/>
+                                                </a:solidFill>
+                                                <a:effectLst/>
+                                                <a:latin typeface="+mn-lt"/>
+                                                <a:ea typeface="+mn-ea"/>
+                                                <a:cs typeface="+mn-cs"/>
+                                              </a:rPr>
+                                              <m:t>h</m:t>
+                                            </m:r>
+                                          </m:e>
+                                          <m:sup>
+                                            <m:r>
+                                              <a:rPr lang="en-GB" sz="1600" b="0" i="1" kern="1200">
+                                                <a:solidFill>
+                                                  <a:schemeClr val="dk1"/>
+                                                </a:solidFill>
+                                                <a:effectLst/>
+                                                <a:latin typeface="+mn-lt"/>
+                                                <a:ea typeface="+mn-ea"/>
+                                                <a:cs typeface="+mn-cs"/>
+                                              </a:rPr>
+                                              <m:t>2</m:t>
+                                            </m:r>
+                                          </m:sup>
+                                        </m:sSup>
+                                      </m:num>
+                                      <m:den>
+                                        <m:r>
+                                          <a:rPr lang="en-GB" sz="1600" b="0" i="1" kern="1200">
+                                            <a:solidFill>
+                                              <a:schemeClr val="dk1"/>
+                                            </a:solidFill>
+                                            <a:effectLst/>
+                                            <a:latin typeface="+mn-lt"/>
+                                            <a:ea typeface="+mn-ea"/>
+                                            <a:cs typeface="+mn-cs"/>
+                                          </a:rPr>
+                                          <m:t>6</m:t>
+                                        </m:r>
+                                      </m:den>
+                                    </m:f>
+                                    <m:r>
+                                      <a:rPr lang="en-GB" sz="1600" b="0" i="1" kern="1200">
+                                        <a:solidFill>
+                                          <a:schemeClr val="dk1"/>
+                                        </a:solidFill>
+                                        <a:effectLst/>
+                                        <a:latin typeface="+mn-lt"/>
+                                        <a:ea typeface="+mn-ea"/>
+                                        <a:cs typeface="+mn-cs"/>
+                                      </a:rPr>
+                                      <m:t>+</m:t>
+                                    </m:r>
+                                    <m:f>
+                                      <m:fPr>
+                                        <m:ctrlPr>
+                                          <a:rPr lang="en-GB" sz="1600" b="0" i="1" kern="1200">
+                                            <a:solidFill>
+                                              <a:schemeClr val="dk1"/>
+                                            </a:solidFill>
+                                            <a:effectLst/>
+                                            <a:latin typeface="+mn-lt"/>
+                                            <a:ea typeface="+mn-ea"/>
+                                            <a:cs typeface="+mn-cs"/>
+                                          </a:rPr>
+                                        </m:ctrlPr>
+                                      </m:fPr>
+                                      <m:num>
+                                        <m:sSup>
+                                          <m:sSupPr>
+                                            <m:ctrlPr>
+                                              <a:rPr lang="en-GB" sz="1600" b="0" i="1" kern="1200">
+                                                <a:solidFill>
+                                                  <a:schemeClr val="dk1"/>
+                                                </a:solidFill>
+                                                <a:effectLst/>
+                                                <a:latin typeface="+mn-lt"/>
+                                                <a:ea typeface="+mn-ea"/>
+                                                <a:cs typeface="+mn-cs"/>
+                                              </a:rPr>
+                                            </m:ctrlPr>
+                                          </m:sSupPr>
+                                          <m:e>
+                                            <m:r>
+                                              <a:rPr lang="en-GB" sz="1600" b="0" i="1" kern="1200">
+                                                <a:solidFill>
+                                                  <a:schemeClr val="dk1"/>
+                                                </a:solidFill>
+                                                <a:effectLst/>
+                                                <a:latin typeface="+mn-lt"/>
+                                                <a:ea typeface="+mn-ea"/>
+                                                <a:cs typeface="+mn-cs"/>
+                                              </a:rPr>
+                                              <m:t>𝛽</m:t>
+                                            </m:r>
+                                          </m:e>
+                                          <m:sup>
+                                            <m:r>
+                                              <a:rPr lang="en-GB" sz="1600" b="0" i="1" kern="1200">
+                                                <a:solidFill>
+                                                  <a:schemeClr val="dk1"/>
+                                                </a:solidFill>
+                                                <a:effectLst/>
+                                                <a:latin typeface="+mn-lt"/>
+                                                <a:ea typeface="+mn-ea"/>
+                                                <a:cs typeface="+mn-cs"/>
+                                              </a:rPr>
+                                              <m:t>4</m:t>
+                                            </m:r>
+                                          </m:sup>
+                                        </m:sSup>
+                                        <m:sSup>
+                                          <m:sSupPr>
+                                            <m:ctrlPr>
+                                              <a:rPr lang="en-GB" sz="1600" b="0" i="1" kern="1200">
+                                                <a:solidFill>
+                                                  <a:schemeClr val="dk1"/>
+                                                </a:solidFill>
+                                                <a:effectLst/>
+                                                <a:latin typeface="+mn-lt"/>
+                                                <a:ea typeface="+mn-ea"/>
+                                                <a:cs typeface="+mn-cs"/>
+                                              </a:rPr>
+                                            </m:ctrlPr>
+                                          </m:sSupPr>
+                                          <m:e>
+                                            <m:r>
+                                              <a:rPr lang="en-GB" sz="1600" b="0" i="1" kern="1200">
+                                                <a:solidFill>
+                                                  <a:schemeClr val="dk1"/>
+                                                </a:solidFill>
+                                                <a:effectLst/>
+                                                <a:latin typeface="+mn-lt"/>
+                                                <a:ea typeface="+mn-ea"/>
+                                                <a:cs typeface="+mn-cs"/>
+                                              </a:rPr>
+                                              <m:t>h</m:t>
+                                            </m:r>
+                                          </m:e>
+                                          <m:sup>
+                                            <m:r>
+                                              <a:rPr lang="en-GB" sz="1600" b="0" i="1" kern="1200">
+                                                <a:solidFill>
+                                                  <a:schemeClr val="dk1"/>
+                                                </a:solidFill>
+                                                <a:effectLst/>
+                                                <a:latin typeface="+mn-lt"/>
+                                                <a:ea typeface="+mn-ea"/>
+                                                <a:cs typeface="+mn-cs"/>
+                                              </a:rPr>
+                                              <m:t>4</m:t>
+                                            </m:r>
+                                          </m:sup>
+                                        </m:sSup>
+                                      </m:num>
+                                      <m:den>
+                                        <m:r>
+                                          <a:rPr lang="en-GB" sz="1600" b="0" i="1" kern="1200">
+                                            <a:solidFill>
+                                              <a:schemeClr val="dk1"/>
+                                            </a:solidFill>
+                                            <a:effectLst/>
+                                            <a:latin typeface="+mn-lt"/>
+                                            <a:ea typeface="+mn-ea"/>
+                                            <a:cs typeface="+mn-cs"/>
+                                          </a:rPr>
+                                          <m:t>120</m:t>
+                                        </m:r>
+                                      </m:den>
+                                    </m:f>
+                                  </m:e>
+                                </m:d>
+                                <m:sSub>
+                                  <m:sSubPr>
+                                    <m:ctrlPr>
+                                      <a:rPr lang="en-GB" sz="1600" b="0" i="1" kern="1200">
+                                        <a:solidFill>
+                                          <a:schemeClr val="dk1"/>
+                                        </a:solidFill>
+                                        <a:effectLst/>
+                                        <a:latin typeface="+mn-lt"/>
+                                        <a:ea typeface="+mn-ea"/>
+                                        <a:cs typeface="+mn-cs"/>
+                                      </a:rPr>
+                                    </m:ctrlPr>
+                                  </m:sSubPr>
+                                  <m:e>
+                                    <m:r>
+                                      <a:rPr lang="en-GB" sz="1600" b="0" i="1" kern="1200">
+                                        <a:solidFill>
+                                          <a:schemeClr val="dk1"/>
+                                        </a:solidFill>
+                                        <a:effectLst/>
+                                        <a:latin typeface="+mn-lt"/>
+                                        <a:ea typeface="+mn-ea"/>
+                                        <a:cs typeface="+mn-cs"/>
+                                      </a:rPr>
+                                      <m:t>𝑢</m:t>
+                                    </m:r>
+                                  </m:e>
+                                  <m:sub>
+                                    <m:r>
+                                      <a:rPr lang="en-GB" sz="1600" b="0" i="1" kern="1200">
+                                        <a:solidFill>
+                                          <a:schemeClr val="dk1"/>
+                                        </a:solidFill>
+                                        <a:effectLst/>
+                                        <a:latin typeface="+mn-lt"/>
+                                        <a:ea typeface="+mn-ea"/>
+                                        <a:cs typeface="+mn-cs"/>
+                                      </a:rPr>
+                                      <m:t>𝑛</m:t>
+                                    </m:r>
+                                  </m:sub>
+                                </m:sSub>
+                                <m:r>
+                                  <a:rPr lang="en-GB" sz="1600" b="0" i="1" kern="1200">
+                                    <a:solidFill>
+                                      <a:schemeClr val="dk1"/>
+                                    </a:solidFill>
+                                    <a:effectLst/>
+                                    <a:latin typeface="+mn-lt"/>
+                                    <a:ea typeface="+mn-ea"/>
+                                    <a:cs typeface="+mn-cs"/>
+                                  </a:rPr>
+                                  <m:t>−</m:t>
+                                </m:r>
+                                <m:sSub>
+                                  <m:sSubPr>
+                                    <m:ctrlPr>
+                                      <a:rPr lang="en-GB" sz="1600" b="0" i="1" kern="1200">
+                                        <a:solidFill>
+                                          <a:schemeClr val="dk1"/>
+                                        </a:solidFill>
+                                        <a:effectLst/>
+                                        <a:latin typeface="+mn-lt"/>
+                                        <a:ea typeface="+mn-ea"/>
+                                        <a:cs typeface="+mn-cs"/>
+                                      </a:rPr>
+                                    </m:ctrlPr>
+                                  </m:sSubPr>
+                                  <m:e>
+                                    <m:r>
+                                      <a:rPr lang="en-GB" sz="1600" b="0" i="1" kern="1200">
+                                        <a:solidFill>
+                                          <a:schemeClr val="dk1"/>
+                                        </a:solidFill>
+                                        <a:effectLst/>
+                                        <a:latin typeface="+mn-lt"/>
+                                        <a:ea typeface="+mn-ea"/>
+                                        <a:cs typeface="+mn-cs"/>
+                                      </a:rPr>
+                                      <m:t>𝑢</m:t>
+                                    </m:r>
+                                  </m:e>
+                                  <m:sub>
+                                    <m:r>
+                                      <a:rPr lang="en-GB" sz="1600" b="0" i="1" kern="1200">
+                                        <a:solidFill>
+                                          <a:schemeClr val="dk1"/>
+                                        </a:solidFill>
+                                        <a:effectLst/>
+                                        <a:latin typeface="+mn-lt"/>
+                                        <a:ea typeface="+mn-ea"/>
+                                        <a:cs typeface="+mn-cs"/>
+                                      </a:rPr>
+                                      <m:t>𝑛</m:t>
+                                    </m:r>
+                                    <m:r>
+                                      <a:rPr lang="en-GB" sz="1600" b="0" i="1" kern="1200">
+                                        <a:solidFill>
+                                          <a:schemeClr val="dk1"/>
+                                        </a:solidFill>
+                                        <a:effectLst/>
+                                        <a:latin typeface="+mn-lt"/>
+                                        <a:ea typeface="+mn-ea"/>
+                                        <a:cs typeface="+mn-cs"/>
+                                      </a:rPr>
+                                      <m:t>−1</m:t>
+                                    </m:r>
+                                  </m:sub>
+                                </m:sSub>
+                                <m:r>
+                                  <a:rPr lang="en-GB" sz="1600" b="0" i="1" kern="1200">
+                                    <a:solidFill>
+                                      <a:schemeClr val="dk1"/>
+                                    </a:solidFill>
+                                    <a:effectLst/>
+                                    <a:latin typeface="+mn-lt"/>
+                                    <a:ea typeface="+mn-ea"/>
+                                    <a:cs typeface="+mn-cs"/>
+                                  </a:rPr>
+                                  <m:t>=0</m:t>
+                                </m:r>
+                              </m:oMath>
+                            </m:oMathPara>
+                          </a14:m>
+                          <a:endParaRPr lang="en-GB" sz="1600" b="1" kern="1200" dirty="0">
+                            <a:solidFill>
+                              <a:schemeClr val="dk1"/>
+                            </a:solidFill>
+                            <a:effectLst/>
+                            <a:latin typeface="+mn-lt"/>
+                            <a:ea typeface="+mn-ea"/>
+                            <a:cs typeface="+mn-cs"/>
+                          </a:endParaRPr>
+                        </a:p>
+                        <a:p>
+                          <a:endParaRPr lang="en-GB" dirty="0"/>
+                        </a:p>
+                      </a:txBody>
+                      <a:tcPr/>
+                    </a:tc>
+                  </a:tr>
+                  <a:tr h="423557">
+                    <a:tc>
+                      <a:txBody>
+                        <a:bodyPr/>
+                        <a:lstStyle/>
+                        <a:p>
+                          <a:r>
+                            <a:rPr lang="en-GB" dirty="0" smtClean="0"/>
+                            <a:t>exact</a:t>
+                          </a:r>
+                          <a:endParaRPr lang="en-GB" dirty="0"/>
+                        </a:p>
+                      </a:txBody>
+                      <a:tcPr/>
+                    </a:tc>
+                    <a:tc>
+                      <a:txBody>
+                        <a:bodyPr/>
+                        <a:lstStyle/>
+                        <a:p>
+                          <a14:m>
+                            <m:oMath xmlns:m="http://schemas.openxmlformats.org/officeDocument/2006/math">
+                              <m:sSub>
+                                <m:sSubPr>
+                                  <m:ctrlPr>
+                                    <a:rPr lang="en-GB" sz="1600" i="1" kern="1200" smtClean="0">
+                                      <a:solidFill>
+                                        <a:schemeClr val="dk1"/>
+                                      </a:solidFill>
+                                      <a:effectLst/>
+                                      <a:latin typeface="+mn-lt"/>
+                                      <a:ea typeface="+mn-ea"/>
+                                      <a:cs typeface="+mn-cs"/>
+                                    </a:rPr>
+                                  </m:ctrlPr>
+                                </m:sSubPr>
+                                <m:e>
+                                  <m:r>
+                                    <a:rPr lang="en-GB" sz="1600" i="1" kern="1200">
+                                      <a:solidFill>
+                                        <a:schemeClr val="dk1"/>
+                                      </a:solidFill>
+                                      <a:effectLst/>
+                                      <a:latin typeface="+mn-lt"/>
+                                      <a:ea typeface="+mn-ea"/>
+                                      <a:cs typeface="+mn-cs"/>
+                                    </a:rPr>
+                                    <m:t>𝑢</m:t>
+                                  </m:r>
+                                </m:e>
+                                <m:sub>
+                                  <m:r>
+                                    <a:rPr lang="en-GB" sz="1600" i="1" kern="1200">
+                                      <a:solidFill>
+                                        <a:schemeClr val="dk1"/>
+                                      </a:solidFill>
+                                      <a:effectLst/>
+                                      <a:latin typeface="+mn-lt"/>
+                                      <a:ea typeface="+mn-ea"/>
+                                      <a:cs typeface="+mn-cs"/>
+                                    </a:rPr>
+                                    <m:t>𝑛</m:t>
+                                  </m:r>
+                                  <m:r>
+                                    <a:rPr lang="en-GB" sz="1600" i="1" kern="1200">
+                                      <a:solidFill>
+                                        <a:schemeClr val="dk1"/>
+                                      </a:solidFill>
+                                      <a:effectLst/>
+                                      <a:latin typeface="+mn-lt"/>
+                                      <a:ea typeface="+mn-ea"/>
+                                      <a:cs typeface="+mn-cs"/>
+                                    </a:rPr>
+                                    <m:t>+1,</m:t>
+                                  </m:r>
+                                  <m:r>
+                                    <a:rPr lang="en-GB" sz="1600" i="1" kern="1200">
+                                      <a:solidFill>
+                                        <a:schemeClr val="dk1"/>
+                                      </a:solidFill>
+                                      <a:effectLst/>
+                                      <a:latin typeface="+mn-lt"/>
+                                      <a:ea typeface="+mn-ea"/>
+                                      <a:cs typeface="+mn-cs"/>
+                                    </a:rPr>
+                                    <m:t>𝑗</m:t>
+                                  </m:r>
+                                </m:sub>
+                              </m:sSub>
+                              <m:r>
+                                <a:rPr lang="en-GB" sz="1600" i="1" kern="1200">
+                                  <a:solidFill>
+                                    <a:schemeClr val="dk1"/>
+                                  </a:solidFill>
+                                  <a:effectLst/>
+                                  <a:latin typeface="+mn-lt"/>
+                                  <a:ea typeface="+mn-ea"/>
+                                  <a:cs typeface="+mn-cs"/>
+                                </a:rPr>
+                                <m:t>−2</m:t>
+                              </m:r>
+                              <m:r>
+                                <a:rPr lang="en-GB" sz="1600" i="1" kern="1200">
+                                  <a:solidFill>
+                                    <a:schemeClr val="dk1"/>
+                                  </a:solidFill>
+                                  <a:effectLst/>
+                                  <a:latin typeface="+mn-lt"/>
+                                  <a:ea typeface="+mn-ea"/>
+                                  <a:cs typeface="+mn-cs"/>
+                                </a:rPr>
+                                <m:t>𝑖𝑠𝑖𝑛</m:t>
+                              </m:r>
+                              <m:d>
+                                <m:dPr>
+                                  <m:ctrlPr>
+                                    <a:rPr lang="en-GB" sz="1600" i="1" kern="1200">
+                                      <a:solidFill>
+                                        <a:schemeClr val="dk1"/>
+                                      </a:solidFill>
+                                      <a:effectLst/>
+                                      <a:latin typeface="+mn-lt"/>
+                                      <a:ea typeface="+mn-ea"/>
+                                      <a:cs typeface="+mn-cs"/>
+                                    </a:rPr>
+                                  </m:ctrlPr>
+                                </m:dPr>
+                                <m:e>
+                                  <m:sSub>
+                                    <m:sSubPr>
+                                      <m:ctrlPr>
+                                        <a:rPr lang="en-GB" sz="1600" i="1" kern="1200">
+                                          <a:solidFill>
+                                            <a:schemeClr val="dk1"/>
+                                          </a:solidFill>
+                                          <a:effectLst/>
+                                          <a:latin typeface="+mn-lt"/>
+                                          <a:ea typeface="+mn-ea"/>
+                                          <a:cs typeface="+mn-cs"/>
+                                        </a:rPr>
+                                      </m:ctrlPr>
+                                    </m:sSubPr>
+                                    <m:e>
+                                      <m:r>
+                                        <a:rPr lang="en-GB" sz="1600" i="1" kern="1200">
+                                          <a:solidFill>
+                                            <a:schemeClr val="dk1"/>
+                                          </a:solidFill>
+                                          <a:effectLst/>
+                                          <a:latin typeface="+mn-lt"/>
+                                          <a:ea typeface="+mn-ea"/>
+                                          <a:cs typeface="+mn-cs"/>
+                                        </a:rPr>
+                                        <m:t>𝑘</m:t>
+                                      </m:r>
+                                    </m:e>
+                                    <m:sub>
+                                      <m:r>
+                                        <a:rPr lang="en-GB" sz="1600" i="1" kern="1200">
+                                          <a:solidFill>
+                                            <a:schemeClr val="dk1"/>
+                                          </a:solidFill>
+                                          <a:effectLst/>
+                                          <a:latin typeface="+mn-lt"/>
+                                          <a:ea typeface="+mn-ea"/>
+                                          <a:cs typeface="+mn-cs"/>
+                                        </a:rPr>
+                                        <m:t>1</m:t>
+                                      </m:r>
+                                    </m:sub>
+                                  </m:sSub>
+                                  <m:r>
+                                    <a:rPr lang="en-GB" sz="1600" i="1" kern="1200">
+                                      <a:solidFill>
+                                        <a:schemeClr val="dk1"/>
+                                      </a:solidFill>
+                                      <a:effectLst/>
+                                      <a:latin typeface="+mn-lt"/>
+                                      <a:ea typeface="+mn-ea"/>
+                                      <a:cs typeface="+mn-cs"/>
+                                    </a:rPr>
+                                    <m:t>h</m:t>
+                                  </m:r>
+                                </m:e>
+                              </m:d>
+                              <m:sSub>
+                                <m:sSubPr>
+                                  <m:ctrlPr>
+                                    <a:rPr lang="en-GB" sz="1600" i="1" kern="1200">
+                                      <a:solidFill>
+                                        <a:schemeClr val="dk1"/>
+                                      </a:solidFill>
+                                      <a:effectLst/>
+                                      <a:latin typeface="+mn-lt"/>
+                                      <a:ea typeface="+mn-ea"/>
+                                      <a:cs typeface="+mn-cs"/>
+                                    </a:rPr>
+                                  </m:ctrlPr>
+                                </m:sSubPr>
+                                <m:e>
+                                  <m:r>
+                                    <a:rPr lang="en-GB" sz="1600" i="1" kern="1200">
+                                      <a:solidFill>
+                                        <a:schemeClr val="dk1"/>
+                                      </a:solidFill>
+                                      <a:effectLst/>
+                                      <a:latin typeface="+mn-lt"/>
+                                      <a:ea typeface="+mn-ea"/>
+                                      <a:cs typeface="+mn-cs"/>
+                                    </a:rPr>
+                                    <m:t>𝑢</m:t>
+                                  </m:r>
+                                </m:e>
+                                <m:sub>
+                                  <m:r>
+                                    <a:rPr lang="en-GB" sz="1600" i="1" kern="1200">
+                                      <a:solidFill>
+                                        <a:schemeClr val="dk1"/>
+                                      </a:solidFill>
+                                      <a:effectLst/>
+                                      <a:latin typeface="+mn-lt"/>
+                                      <a:ea typeface="+mn-ea"/>
+                                      <a:cs typeface="+mn-cs"/>
+                                    </a:rPr>
+                                    <m:t>𝑛</m:t>
+                                  </m:r>
+                                  <m:r>
+                                    <a:rPr lang="en-GB" sz="1600" i="1" kern="1200">
+                                      <a:solidFill>
+                                        <a:schemeClr val="dk1"/>
+                                      </a:solidFill>
+                                      <a:effectLst/>
+                                      <a:latin typeface="+mn-lt"/>
+                                      <a:ea typeface="+mn-ea"/>
+                                      <a:cs typeface="+mn-cs"/>
+                                    </a:rPr>
+                                    <m:t>,</m:t>
+                                  </m:r>
+                                  <m:r>
+                                    <a:rPr lang="en-GB" sz="1600" i="1" kern="1200">
+                                      <a:solidFill>
+                                        <a:schemeClr val="dk1"/>
+                                      </a:solidFill>
+                                      <a:effectLst/>
+                                      <a:latin typeface="+mn-lt"/>
+                                      <a:ea typeface="+mn-ea"/>
+                                      <a:cs typeface="+mn-cs"/>
+                                    </a:rPr>
+                                    <m:t>𝑗</m:t>
+                                  </m:r>
+                                </m:sub>
+                              </m:sSub>
+                              <m:r>
+                                <a:rPr lang="en-GB" sz="1600" i="1" kern="1200">
+                                  <a:solidFill>
+                                    <a:schemeClr val="dk1"/>
+                                  </a:solidFill>
+                                  <a:effectLst/>
+                                  <a:latin typeface="+mn-lt"/>
+                                  <a:ea typeface="+mn-ea"/>
+                                  <a:cs typeface="+mn-cs"/>
+                                </a:rPr>
+                                <m:t>−</m:t>
+                              </m:r>
+                              <m:sSub>
+                                <m:sSubPr>
+                                  <m:ctrlPr>
+                                    <a:rPr lang="en-GB" sz="1600" i="1" kern="1200">
+                                      <a:solidFill>
+                                        <a:schemeClr val="dk1"/>
+                                      </a:solidFill>
+                                      <a:effectLst/>
+                                      <a:latin typeface="+mn-lt"/>
+                                      <a:ea typeface="+mn-ea"/>
+                                      <a:cs typeface="+mn-cs"/>
+                                    </a:rPr>
+                                  </m:ctrlPr>
+                                </m:sSubPr>
+                                <m:e>
+                                  <m:r>
+                                    <a:rPr lang="en-GB" sz="1600" i="1" kern="1200">
+                                      <a:solidFill>
+                                        <a:schemeClr val="dk1"/>
+                                      </a:solidFill>
+                                      <a:effectLst/>
+                                      <a:latin typeface="+mn-lt"/>
+                                      <a:ea typeface="+mn-ea"/>
+                                      <a:cs typeface="+mn-cs"/>
+                                    </a:rPr>
+                                    <m:t>𝑢</m:t>
+                                  </m:r>
+                                </m:e>
+                                <m:sub>
+                                  <m:r>
+                                    <a:rPr lang="en-GB" sz="1600" i="1" kern="1200">
+                                      <a:solidFill>
+                                        <a:schemeClr val="dk1"/>
+                                      </a:solidFill>
+                                      <a:effectLst/>
+                                      <a:latin typeface="+mn-lt"/>
+                                      <a:ea typeface="+mn-ea"/>
+                                      <a:cs typeface="+mn-cs"/>
+                                    </a:rPr>
+                                    <m:t>𝑛</m:t>
+                                  </m:r>
+                                  <m:r>
+                                    <a:rPr lang="en-GB" sz="1600" i="1" kern="1200">
+                                      <a:solidFill>
+                                        <a:schemeClr val="dk1"/>
+                                      </a:solidFill>
+                                      <a:effectLst/>
+                                      <a:latin typeface="+mn-lt"/>
+                                      <a:ea typeface="+mn-ea"/>
+                                      <a:cs typeface="+mn-cs"/>
+                                    </a:rPr>
+                                    <m:t>−1,</m:t>
+                                  </m:r>
+                                  <m:r>
+                                    <a:rPr lang="en-GB" sz="1600" i="1" kern="1200">
+                                      <a:solidFill>
+                                        <a:schemeClr val="dk1"/>
+                                      </a:solidFill>
+                                      <a:effectLst/>
+                                      <a:latin typeface="+mn-lt"/>
+                                      <a:ea typeface="+mn-ea"/>
+                                      <a:cs typeface="+mn-cs"/>
+                                    </a:rPr>
+                                    <m:t>𝑗</m:t>
+                                  </m:r>
+                                </m:sub>
+                              </m:sSub>
+                              <m:r>
+                                <a:rPr lang="en-GB" sz="1600" i="1" kern="1200">
+                                  <a:solidFill>
+                                    <a:schemeClr val="dk1"/>
+                                  </a:solidFill>
+                                  <a:effectLst/>
+                                  <a:latin typeface="+mn-lt"/>
+                                  <a:ea typeface="+mn-ea"/>
+                                  <a:cs typeface="+mn-cs"/>
+                                </a:rPr>
+                                <m:t>=0</m:t>
+                              </m:r>
+                            </m:oMath>
+                          </a14:m>
+                          <a:r>
+                            <a:rPr lang="en-GB" sz="1600" dirty="0" smtClean="0"/>
+                            <a:t>,</a:t>
+                          </a:r>
+                          <a:r>
+                            <a:rPr lang="en-GB" sz="1600" dirty="0" smtClean="0">
+                              <a:effectLst/>
+                            </a:rPr>
+                            <a:t> </a:t>
+                          </a:r>
+                          <a14:m>
+                            <m:oMath xmlns:m="http://schemas.openxmlformats.org/officeDocument/2006/math">
+                              <m:sSub>
+                                <m:sSubPr>
+                                  <m:ctrlPr>
+                                    <a:rPr lang="en-GB" sz="1600" i="1" kern="1200">
+                                      <a:solidFill>
+                                        <a:schemeClr val="dk1"/>
+                                      </a:solidFill>
+                                      <a:effectLst/>
+                                      <a:latin typeface="+mn-lt"/>
+                                      <a:ea typeface="+mn-ea"/>
+                                      <a:cs typeface="+mn-cs"/>
+                                    </a:rPr>
+                                  </m:ctrlPr>
+                                </m:sSubPr>
+                                <m:e>
+                                  <m:r>
+                                    <a:rPr lang="en-GB" sz="1600" i="1" kern="1200">
+                                      <a:solidFill>
+                                        <a:schemeClr val="dk1"/>
+                                      </a:solidFill>
+                                      <a:effectLst/>
+                                      <a:latin typeface="+mn-lt"/>
+                                      <a:ea typeface="+mn-ea"/>
+                                      <a:cs typeface="+mn-cs"/>
+                                    </a:rPr>
+                                    <m:t>𝑢</m:t>
+                                  </m:r>
+                                </m:e>
+                                <m:sub>
+                                  <m:r>
+                                    <a:rPr lang="en-GB" sz="1600" i="1" kern="1200">
+                                      <a:solidFill>
+                                        <a:schemeClr val="dk1"/>
+                                      </a:solidFill>
+                                      <a:effectLst/>
+                                      <a:latin typeface="+mn-lt"/>
+                                      <a:ea typeface="+mn-ea"/>
+                                      <a:cs typeface="+mn-cs"/>
+                                    </a:rPr>
+                                    <m:t>𝑗</m:t>
+                                  </m:r>
+                                  <m:r>
+                                    <a:rPr lang="en-GB" sz="1600" i="1" kern="1200">
+                                      <a:solidFill>
+                                        <a:schemeClr val="dk1"/>
+                                      </a:solidFill>
+                                      <a:effectLst/>
+                                      <a:latin typeface="+mn-lt"/>
+                                      <a:ea typeface="+mn-ea"/>
+                                      <a:cs typeface="+mn-cs"/>
+                                    </a:rPr>
+                                    <m:t>,</m:t>
+                                  </m:r>
+                                  <m:r>
+                                    <a:rPr lang="en-GB" sz="1600" i="1" kern="1200">
+                                      <a:solidFill>
+                                        <a:schemeClr val="dk1"/>
+                                      </a:solidFill>
+                                      <a:effectLst/>
+                                      <a:latin typeface="+mn-lt"/>
+                                      <a:ea typeface="+mn-ea"/>
+                                      <a:cs typeface="+mn-cs"/>
+                                    </a:rPr>
+                                    <m:t>𝑛</m:t>
+                                  </m:r>
+                                  <m:r>
+                                    <a:rPr lang="en-GB" sz="1600" i="1" kern="1200">
+                                      <a:solidFill>
+                                        <a:schemeClr val="dk1"/>
+                                      </a:solidFill>
+                                      <a:effectLst/>
+                                      <a:latin typeface="+mn-lt"/>
+                                      <a:ea typeface="+mn-ea"/>
+                                      <a:cs typeface="+mn-cs"/>
+                                    </a:rPr>
+                                    <m:t>+1</m:t>
+                                  </m:r>
+                                </m:sub>
+                              </m:sSub>
+                              <m:r>
+                                <a:rPr lang="en-GB" sz="1600" i="1" kern="1200">
+                                  <a:solidFill>
+                                    <a:schemeClr val="dk1"/>
+                                  </a:solidFill>
+                                  <a:effectLst/>
+                                  <a:latin typeface="+mn-lt"/>
+                                  <a:ea typeface="+mn-ea"/>
+                                  <a:cs typeface="+mn-cs"/>
+                                </a:rPr>
+                                <m:t>−2</m:t>
+                              </m:r>
+                              <m:r>
+                                <a:rPr lang="en-GB" sz="1600" i="1" kern="1200">
+                                  <a:solidFill>
+                                    <a:schemeClr val="dk1"/>
+                                  </a:solidFill>
+                                  <a:effectLst/>
+                                  <a:latin typeface="+mn-lt"/>
+                                  <a:ea typeface="+mn-ea"/>
+                                  <a:cs typeface="+mn-cs"/>
+                                </a:rPr>
+                                <m:t>𝑖𝑠𝑖𝑛</m:t>
+                              </m:r>
+                              <m:d>
+                                <m:dPr>
+                                  <m:ctrlPr>
+                                    <a:rPr lang="en-GB" sz="1600" i="1" kern="1200">
+                                      <a:solidFill>
+                                        <a:schemeClr val="dk1"/>
+                                      </a:solidFill>
+                                      <a:effectLst/>
+                                      <a:latin typeface="+mn-lt"/>
+                                      <a:ea typeface="+mn-ea"/>
+                                      <a:cs typeface="+mn-cs"/>
+                                    </a:rPr>
+                                  </m:ctrlPr>
+                                </m:dPr>
+                                <m:e>
+                                  <m:sSub>
+                                    <m:sSubPr>
+                                      <m:ctrlPr>
+                                        <a:rPr lang="en-GB" sz="1600" i="1" kern="1200">
+                                          <a:solidFill>
+                                            <a:schemeClr val="dk1"/>
+                                          </a:solidFill>
+                                          <a:effectLst/>
+                                          <a:latin typeface="+mn-lt"/>
+                                          <a:ea typeface="+mn-ea"/>
+                                          <a:cs typeface="+mn-cs"/>
+                                        </a:rPr>
+                                      </m:ctrlPr>
+                                    </m:sSubPr>
+                                    <m:e>
+                                      <m:r>
+                                        <a:rPr lang="en-GB" sz="1600" i="1" kern="1200">
+                                          <a:solidFill>
+                                            <a:schemeClr val="dk1"/>
+                                          </a:solidFill>
+                                          <a:effectLst/>
+                                          <a:latin typeface="+mn-lt"/>
+                                          <a:ea typeface="+mn-ea"/>
+                                          <a:cs typeface="+mn-cs"/>
+                                        </a:rPr>
+                                        <m:t>𝑘</m:t>
+                                      </m:r>
+                                    </m:e>
+                                    <m:sub>
+                                      <m:r>
+                                        <a:rPr lang="en-GB" sz="1600" i="1" kern="1200">
+                                          <a:solidFill>
+                                            <a:schemeClr val="dk1"/>
+                                          </a:solidFill>
+                                          <a:effectLst/>
+                                          <a:latin typeface="+mn-lt"/>
+                                          <a:ea typeface="+mn-ea"/>
+                                          <a:cs typeface="+mn-cs"/>
+                                        </a:rPr>
+                                        <m:t>2</m:t>
+                                      </m:r>
+                                    </m:sub>
+                                  </m:sSub>
+                                  <m:r>
+                                    <a:rPr lang="en-GB" sz="1600" i="1" kern="1200">
+                                      <a:solidFill>
+                                        <a:schemeClr val="dk1"/>
+                                      </a:solidFill>
+                                      <a:effectLst/>
+                                      <a:latin typeface="+mn-lt"/>
+                                      <a:ea typeface="+mn-ea"/>
+                                      <a:cs typeface="+mn-cs"/>
+                                    </a:rPr>
+                                    <m:t>h</m:t>
+                                  </m:r>
+                                </m:e>
+                              </m:d>
+                              <m:sSub>
+                                <m:sSubPr>
+                                  <m:ctrlPr>
+                                    <a:rPr lang="en-GB" sz="1600" i="1" kern="1200">
+                                      <a:solidFill>
+                                        <a:schemeClr val="dk1"/>
+                                      </a:solidFill>
+                                      <a:effectLst/>
+                                      <a:latin typeface="+mn-lt"/>
+                                      <a:ea typeface="+mn-ea"/>
+                                      <a:cs typeface="+mn-cs"/>
+                                    </a:rPr>
+                                  </m:ctrlPr>
+                                </m:sSubPr>
+                                <m:e>
+                                  <m:r>
+                                    <a:rPr lang="en-GB" sz="1600" i="1" kern="1200">
+                                      <a:solidFill>
+                                        <a:schemeClr val="dk1"/>
+                                      </a:solidFill>
+                                      <a:effectLst/>
+                                      <a:latin typeface="+mn-lt"/>
+                                      <a:ea typeface="+mn-ea"/>
+                                      <a:cs typeface="+mn-cs"/>
+                                    </a:rPr>
+                                    <m:t>𝑢</m:t>
+                                  </m:r>
+                                </m:e>
+                                <m:sub>
+                                  <m:r>
+                                    <a:rPr lang="en-GB" sz="1600" i="1" kern="1200">
+                                      <a:solidFill>
+                                        <a:schemeClr val="dk1"/>
+                                      </a:solidFill>
+                                      <a:effectLst/>
+                                      <a:latin typeface="+mn-lt"/>
+                                      <a:ea typeface="+mn-ea"/>
+                                      <a:cs typeface="+mn-cs"/>
+                                    </a:rPr>
+                                    <m:t>𝑛</m:t>
+                                  </m:r>
+                                  <m:r>
+                                    <a:rPr lang="en-GB" sz="1600" i="1" kern="1200">
+                                      <a:solidFill>
+                                        <a:schemeClr val="dk1"/>
+                                      </a:solidFill>
+                                      <a:effectLst/>
+                                      <a:latin typeface="+mn-lt"/>
+                                      <a:ea typeface="+mn-ea"/>
+                                      <a:cs typeface="+mn-cs"/>
+                                    </a:rPr>
+                                    <m:t>,</m:t>
+                                  </m:r>
+                                  <m:r>
+                                    <a:rPr lang="en-GB" sz="1600" i="1" kern="1200">
+                                      <a:solidFill>
+                                        <a:schemeClr val="dk1"/>
+                                      </a:solidFill>
+                                      <a:effectLst/>
+                                      <a:latin typeface="+mn-lt"/>
+                                      <a:ea typeface="+mn-ea"/>
+                                      <a:cs typeface="+mn-cs"/>
+                                    </a:rPr>
+                                    <m:t>𝑗</m:t>
+                                  </m:r>
+                                </m:sub>
+                              </m:sSub>
+                              <m:r>
+                                <a:rPr lang="en-GB" sz="1600" i="1" kern="1200">
+                                  <a:solidFill>
+                                    <a:schemeClr val="dk1"/>
+                                  </a:solidFill>
+                                  <a:effectLst/>
+                                  <a:latin typeface="+mn-lt"/>
+                                  <a:ea typeface="+mn-ea"/>
+                                  <a:cs typeface="+mn-cs"/>
+                                </a:rPr>
+                                <m:t>−</m:t>
+                              </m:r>
+                              <m:sSub>
+                                <m:sSubPr>
+                                  <m:ctrlPr>
+                                    <a:rPr lang="en-GB" sz="1600" i="1" kern="1200">
+                                      <a:solidFill>
+                                        <a:schemeClr val="dk1"/>
+                                      </a:solidFill>
+                                      <a:effectLst/>
+                                      <a:latin typeface="+mn-lt"/>
+                                      <a:ea typeface="+mn-ea"/>
+                                      <a:cs typeface="+mn-cs"/>
+                                    </a:rPr>
+                                  </m:ctrlPr>
+                                </m:sSubPr>
+                                <m:e>
+                                  <m:r>
+                                    <a:rPr lang="en-GB" sz="1600" i="1" kern="1200">
+                                      <a:solidFill>
+                                        <a:schemeClr val="dk1"/>
+                                      </a:solidFill>
+                                      <a:effectLst/>
+                                      <a:latin typeface="+mn-lt"/>
+                                      <a:ea typeface="+mn-ea"/>
+                                      <a:cs typeface="+mn-cs"/>
+                                    </a:rPr>
+                                    <m:t>𝑢</m:t>
+                                  </m:r>
+                                </m:e>
+                                <m:sub>
+                                  <m:r>
+                                    <a:rPr lang="en-GB" sz="1600" i="1" kern="1200">
+                                      <a:solidFill>
+                                        <a:schemeClr val="dk1"/>
+                                      </a:solidFill>
+                                      <a:effectLst/>
+                                      <a:latin typeface="+mn-lt"/>
+                                      <a:ea typeface="+mn-ea"/>
+                                      <a:cs typeface="+mn-cs"/>
+                                    </a:rPr>
+                                    <m:t>𝑗</m:t>
+                                  </m:r>
+                                  <m:r>
+                                    <a:rPr lang="en-GB" sz="1600" i="1" kern="1200">
+                                      <a:solidFill>
+                                        <a:schemeClr val="dk1"/>
+                                      </a:solidFill>
+                                      <a:effectLst/>
+                                      <a:latin typeface="+mn-lt"/>
+                                      <a:ea typeface="+mn-ea"/>
+                                      <a:cs typeface="+mn-cs"/>
+                                    </a:rPr>
+                                    <m:t>,</m:t>
+                                  </m:r>
+                                  <m:r>
+                                    <a:rPr lang="en-GB" sz="1600" i="1" kern="1200">
+                                      <a:solidFill>
+                                        <a:schemeClr val="dk1"/>
+                                      </a:solidFill>
+                                      <a:effectLst/>
+                                      <a:latin typeface="+mn-lt"/>
+                                      <a:ea typeface="+mn-ea"/>
+                                      <a:cs typeface="+mn-cs"/>
+                                    </a:rPr>
+                                    <m:t>𝑛</m:t>
+                                  </m:r>
+                                  <m:r>
+                                    <a:rPr lang="en-GB" sz="1600" i="1" kern="1200">
+                                      <a:solidFill>
+                                        <a:schemeClr val="dk1"/>
+                                      </a:solidFill>
+                                      <a:effectLst/>
+                                      <a:latin typeface="+mn-lt"/>
+                                      <a:ea typeface="+mn-ea"/>
+                                      <a:cs typeface="+mn-cs"/>
+                                    </a:rPr>
+                                    <m:t>−1</m:t>
+                                  </m:r>
+                                </m:sub>
+                              </m:sSub>
+                              <m:r>
+                                <a:rPr lang="en-GB" sz="1600" i="1" kern="1200">
+                                  <a:solidFill>
+                                    <a:schemeClr val="dk1"/>
+                                  </a:solidFill>
+                                  <a:effectLst/>
+                                  <a:latin typeface="+mn-lt"/>
+                                  <a:ea typeface="+mn-ea"/>
+                                  <a:cs typeface="+mn-cs"/>
+                                </a:rPr>
+                                <m:t>=0</m:t>
+                              </m:r>
+                            </m:oMath>
+                          </a14:m>
+                          <a:endParaRPr lang="en-GB" sz="1600" dirty="0"/>
+                        </a:p>
+                      </a:txBody>
+                      <a:tcPr/>
+                    </a:tc>
+                  </a:tr>
+                </a:tbl>
+              </a:graphicData>
+            </a:graphic>
+          </p:graphicFrame>
+        </mc:Choice>
+        <mc:Fallback>
+          <p:graphicFrame>
+            <p:nvGraphicFramePr>
+              <p:cNvPr id="5" name="Content Placeholder 3"/>
+              <p:cNvGraphicFramePr>
+                <a:graphicFrameLocks/>
+              </p:cNvGraphicFramePr>
+              <p:nvPr>
+                <p:extLst>
+                  <p:ext uri="{D42A27DB-BD31-4B8C-83A1-F6EECF244321}">
+                    <p14:modId xmlns:p14="http://schemas.microsoft.com/office/powerpoint/2010/main" val="2120922677"/>
+                  </p:ext>
+                </p:extLst>
+              </p:nvPr>
+            </p:nvGraphicFramePr>
+            <p:xfrm>
+              <a:off x="179512" y="4293096"/>
+              <a:ext cx="8064896" cy="2304256"/>
+            </p:xfrm>
+            <a:graphic>
+              <a:graphicData uri="http://schemas.openxmlformats.org/drawingml/2006/table">
+                <a:tbl>
+                  <a:tblPr firstRow="1" bandRow="1">
+                    <a:tableStyleId>{5C22544A-7EE6-4342-B048-85BDC9FD1C3A}</a:tableStyleId>
+                  </a:tblPr>
+                  <a:tblGrid>
+                    <a:gridCol w="917232"/>
+                    <a:gridCol w="7147664"/>
+                  </a:tblGrid>
+                  <a:tr h="413624">
+                    <a:tc>
+                      <a:txBody>
+                        <a:bodyPr/>
+                        <a:lstStyle/>
+                        <a:p>
+                          <a:r>
+                            <a:rPr lang="en-GB" dirty="0" smtClean="0"/>
+                            <a:t>Order </a:t>
+                          </a:r>
+                          <a:endParaRPr lang="en-GB" dirty="0"/>
+                        </a:p>
+                      </a:txBody>
+                      <a:tcPr/>
+                    </a:tc>
+                    <a:tc>
+                      <a:txBody>
+                        <a:bodyPr/>
+                        <a:lstStyle/>
+                        <a:p>
+                          <a:r>
+                            <a:rPr lang="en-GB" dirty="0" smtClean="0"/>
+                            <a:t>scheme</a:t>
+                          </a:r>
+                          <a:endParaRPr lang="en-GB" dirty="0"/>
+                        </a:p>
+                      </a:txBody>
+                      <a:tcPr/>
+                    </a:tc>
+                  </a:tr>
+                  <a:tr h="423557">
+                    <a:tc>
+                      <a:txBody>
+                        <a:bodyPr/>
+                        <a:lstStyle/>
+                        <a:p>
+                          <a:r>
+                            <a:rPr lang="en-GB" dirty="0" smtClean="0"/>
+                            <a:t>2</a:t>
+                          </a:r>
+                          <a:r>
+                            <a:rPr lang="en-GB" baseline="30000" dirty="0" smtClean="0"/>
+                            <a:t>nd</a:t>
+                          </a:r>
+                          <a:r>
+                            <a:rPr lang="en-GB" dirty="0" smtClean="0"/>
+                            <a:t> </a:t>
+                          </a:r>
+                          <a:endParaRPr lang="en-GB" dirty="0"/>
+                        </a:p>
+                      </a:txBody>
+                      <a:tcPr/>
+                    </a:tc>
+                    <a:tc>
+                      <a:txBody>
+                        <a:bodyPr/>
+                        <a:lstStyle/>
+                        <a:p>
+                          <a:endParaRPr lang="en-US"/>
+                        </a:p>
+                      </a:txBody>
+                      <a:tcPr>
+                        <a:blipFill rotWithShape="1">
+                          <a:blip r:embed="rId3"/>
+                          <a:stretch>
+                            <a:fillRect l="-12788" t="-105797" r="-85" b="-359420"/>
+                          </a:stretch>
+                        </a:blipFill>
+                      </a:tcPr>
+                    </a:tc>
+                  </a:tr>
+                  <a:tr h="1043518">
+                    <a:tc>
+                      <a:txBody>
+                        <a:bodyPr/>
+                        <a:lstStyle/>
+                        <a:p>
+                          <a:r>
+                            <a:rPr lang="en-GB" dirty="0" smtClean="0"/>
+                            <a:t>6</a:t>
+                          </a:r>
+                          <a:r>
+                            <a:rPr lang="en-GB" baseline="30000" dirty="0" smtClean="0"/>
+                            <a:t>th</a:t>
+                          </a:r>
+                          <a:r>
+                            <a:rPr lang="en-GB" dirty="0" smtClean="0"/>
+                            <a:t> </a:t>
+                          </a:r>
+                          <a:endParaRPr lang="en-GB" dirty="0"/>
+                        </a:p>
+                      </a:txBody>
+                      <a:tcPr/>
+                    </a:tc>
+                    <a:tc>
+                      <a:txBody>
+                        <a:bodyPr/>
+                        <a:lstStyle/>
+                        <a:p>
+                          <a:endParaRPr lang="en-US"/>
+                        </a:p>
+                      </a:txBody>
+                      <a:tcPr>
+                        <a:blipFill rotWithShape="1">
+                          <a:blip r:embed="rId3"/>
+                          <a:stretch>
+                            <a:fillRect l="-12788" t="-82558" r="-85" b="-44186"/>
+                          </a:stretch>
+                        </a:blipFill>
+                      </a:tcPr>
+                    </a:tc>
+                  </a:tr>
+                  <a:tr h="423557">
+                    <a:tc>
+                      <a:txBody>
+                        <a:bodyPr/>
+                        <a:lstStyle/>
+                        <a:p>
+                          <a:r>
+                            <a:rPr lang="en-GB" dirty="0" smtClean="0"/>
+                            <a:t>exact</a:t>
+                          </a:r>
+                          <a:endParaRPr lang="en-GB" dirty="0"/>
+                        </a:p>
+                      </a:txBody>
+                      <a:tcPr/>
+                    </a:tc>
+                    <a:tc>
+                      <a:txBody>
+                        <a:bodyPr/>
+                        <a:lstStyle/>
+                        <a:p>
+                          <a:endParaRPr lang="en-US"/>
+                        </a:p>
+                      </a:txBody>
+                      <a:tcPr>
+                        <a:blipFill rotWithShape="1">
+                          <a:blip r:embed="rId3"/>
+                          <a:stretch>
+                            <a:fillRect l="-12788" t="-455072" r="-85" b="-10145"/>
+                          </a:stretch>
+                        </a:blipFill>
+                      </a:tcPr>
+                    </a:tc>
+                  </a:tr>
+                </a:tbl>
+              </a:graphicData>
+            </a:graphic>
+          </p:graphicFrame>
+        </mc:Fallback>
+      </mc:AlternateContent>
+    </p:spTree>
+    <p:extLst>
+      <p:ext uri="{BB962C8B-B14F-4D97-AF65-F5344CB8AC3E}">
+        <p14:creationId xmlns:p14="http://schemas.microsoft.com/office/powerpoint/2010/main" val="5521229"/>
+      </p:ext>
+    </p:extLst>
+  </p:cSld>
+  <p:clrMapOvr>
+    <a:masterClrMapping/>
+  </p:clrMapOvr>
+  <p:timing>
+    <p:tnLst>
+      <p:par>
+        <p:cTn id="1" dur="indefinite" restart="never" nodeType="tmRoot"/>
+      </p:par>
+    </p:tnLst>
+  </p:timing>
+</p:sld>
+</file>
+
+<file path=ppt/slides/slide43.xml><?xml version="1.0" encoding="utf-8"?>
+<p:sld xmlns:a="http://schemas.openxmlformats.org/drawingml/2006/main" xmlns:r="http://schemas.openxmlformats.org/officeDocument/2006/relationships" xmlns:p="http://schemas.openxmlformats.org/presentationml/2006/main">
+  <p:cSld>
+    <p:spTree>
+      <p:nvGrpSpPr>
+        <p:cNvPr id="1" name=""/>
+        <p:cNvGrpSpPr/>
+        <p:nvPr/>
+      </p:nvGrpSpPr>
+      <p:grpSpPr>
+        <a:xfrm>
+          <a:off x="0" y="0"/>
+          <a:ext cx="0" cy="0"/>
+          <a:chOff x="0" y="0"/>
+          <a:chExt cx="0" cy="0"/>
+        </a:xfrm>
+      </p:grpSpPr>
+      <p:sp>
+        <p:nvSpPr>
+          <p:cNvPr id="2" name="Title 1"/>
+          <p:cNvSpPr>
+            <a:spLocks noGrp="1"/>
+          </p:cNvSpPr>
+          <p:nvPr>
+            <p:ph type="title"/>
+          </p:nvPr>
+        </p:nvSpPr>
+        <p:spPr/>
+        <p:txBody>
+          <a:bodyPr/>
+          <a:lstStyle/>
+          <a:p>
+            <a:r>
+              <a:rPr lang="en-GB" dirty="0" smtClean="0"/>
+              <a:t>Redesign in OOP</a:t>
+            </a:r>
+            <a:endParaRPr lang="en-GB" dirty="0"/>
+          </a:p>
+        </p:txBody>
+      </p:sp>
+      <p:sp>
+        <p:nvSpPr>
+          <p:cNvPr id="5" name="Content Placeholder 4"/>
+          <p:cNvSpPr>
+            <a:spLocks noGrp="1"/>
+          </p:cNvSpPr>
+          <p:nvPr>
+            <p:ph idx="1"/>
+          </p:nvPr>
+        </p:nvSpPr>
+        <p:spPr/>
+        <p:txBody>
+          <a:bodyPr>
+            <a:normAutofit fontScale="92500"/>
+          </a:bodyPr>
+          <a:lstStyle/>
+          <a:p>
+            <a:r>
+              <a:rPr lang="en-GB" sz="2400" dirty="0" smtClean="0"/>
+              <a:t>A strong need for a more flexible type of program that would take into account:</a:t>
+            </a:r>
+          </a:p>
+          <a:p>
+            <a:pPr lvl="1"/>
+            <a:r>
+              <a:rPr lang="en-GB" sz="2400" dirty="0" smtClean="0"/>
+              <a:t>Central schemes of different kind on two type of stencil</a:t>
+            </a:r>
+          </a:p>
+          <a:p>
+            <a:pPr lvl="1"/>
+            <a:r>
+              <a:rPr lang="en-GB" sz="2400" dirty="0" smtClean="0"/>
+              <a:t>Different kind of Sommerfeld schemes</a:t>
+            </a:r>
+          </a:p>
+          <a:p>
+            <a:pPr lvl="1"/>
+            <a:r>
+              <a:rPr lang="en-GB" sz="2400" dirty="0" smtClean="0"/>
+              <a:t>A need to combine Central Scheme/Boundary Condition easily</a:t>
+            </a:r>
+          </a:p>
+          <a:p>
+            <a:pPr lvl="1"/>
+            <a:r>
+              <a:rPr lang="en-GB" sz="2400" dirty="0" smtClean="0"/>
+              <a:t>A more testable (and tested!) framework</a:t>
+            </a:r>
+          </a:p>
+          <a:p>
+            <a:pPr lvl="1"/>
+            <a:r>
+              <a:rPr lang="en-GB" sz="2400" dirty="0" smtClean="0"/>
+              <a:t>Easy to use and to read from a user (and programmer) point of view</a:t>
+            </a:r>
+          </a:p>
+          <a:p>
+            <a:pPr lvl="1"/>
+            <a:r>
+              <a:rPr lang="en-GB" sz="2400" dirty="0" smtClean="0"/>
+              <a:t>Clear computation of error</a:t>
+            </a:r>
+          </a:p>
+          <a:p>
+            <a:pPr lvl="1"/>
+            <a:r>
+              <a:rPr lang="en-GB" sz="2400" dirty="0" smtClean="0"/>
+              <a:t>Easy and quick graphical representation</a:t>
+            </a:r>
+          </a:p>
+          <a:p>
+            <a:pPr lvl="1"/>
+            <a:r>
+              <a:rPr lang="en-GB" sz="2400" dirty="0" smtClean="0"/>
+              <a:t>Export of resulting data</a:t>
+            </a:r>
+          </a:p>
+          <a:p>
+            <a:pPr lvl="1"/>
+            <a:endParaRPr lang="en-GB" dirty="0"/>
+          </a:p>
+        </p:txBody>
+      </p:sp>
+    </p:spTree>
+    <p:extLst>
+      <p:ext uri="{BB962C8B-B14F-4D97-AF65-F5344CB8AC3E}">
+        <p14:creationId xmlns:p14="http://schemas.microsoft.com/office/powerpoint/2010/main" val="2638255518"/>
+      </p:ext>
+    </p:extLst>
+  </p:cSld>
+  <p:clrMapOvr>
+    <a:masterClrMapping/>
+  </p:clrMapOvr>
+  <p:timing>
+    <p:tnLst>
+      <p:par>
+        <p:cTn id="1" dur="indefinite" restart="never" nodeType="tmRoot"/>
+      </p:par>
+    </p:tnLst>
+  </p:timing>
+</p:sld>
+</file>
+
+<file path=ppt/slides/slide44.xml><?xml version="1.0" encoding="utf-8"?>
+<p:sld xmlns:a="http://schemas.openxmlformats.org/drawingml/2006/main" xmlns:r="http://schemas.openxmlformats.org/officeDocument/2006/relationships" xmlns:p="http://schemas.openxmlformats.org/presentationml/2006/main">
+  <p:cSld>
+    <p:spTree>
+      <p:nvGrpSpPr>
+        <p:cNvPr id="1" name=""/>
+        <p:cNvGrpSpPr/>
+        <p:nvPr/>
+      </p:nvGrpSpPr>
+      <p:grpSpPr>
+        <a:xfrm>
+          <a:off x="0" y="0"/>
+          <a:ext cx="0" cy="0"/>
+          <a:chOff x="0" y="0"/>
+          <a:chExt cx="0" cy="0"/>
+        </a:xfrm>
+      </p:grpSpPr>
+      <p:sp>
+        <p:nvSpPr>
+          <p:cNvPr id="2" name="Title 1"/>
+          <p:cNvSpPr>
+            <a:spLocks noGrp="1"/>
+          </p:cNvSpPr>
+          <p:nvPr>
+            <p:ph type="title"/>
+          </p:nvPr>
+        </p:nvSpPr>
+        <p:spPr/>
+        <p:txBody>
+          <a:bodyPr/>
+          <a:lstStyle/>
+          <a:p>
+            <a:r>
+              <a:rPr lang="en-GB" dirty="0" smtClean="0"/>
+              <a:t>Central Scheme Module</a:t>
+            </a:r>
+            <a:endParaRPr lang="en-GB" dirty="0"/>
+          </a:p>
+        </p:txBody>
+      </p:sp>
+      <p:pic>
+        <p:nvPicPr>
+          <p:cNvPr id="4098" name="Picture 2" descr="D:\Dropbox\Samuel\advancement\5-high order scheme\Finite Difference 2D__Central Point Schemes_0.png"/>
+          <p:cNvPicPr>
+            <a:picLocks noChangeAspect="1" noChangeArrowheads="1"/>
+          </p:cNvPicPr>
+          <p:nvPr/>
+        </p:nvPicPr>
+        <p:blipFill>
+          <a:blip r:embed="rId2">
+            <a:extLst>
+              <a:ext uri="{28A0092B-C50C-407E-A947-70E740481C1C}">
+                <a14:useLocalDpi xmlns:a14="http://schemas.microsoft.com/office/drawing/2010/main" val="0"/>
+              </a:ext>
+            </a:extLst>
+          </a:blip>
+          <a:srcRect/>
+          <a:stretch>
+            <a:fillRect/>
+          </a:stretch>
+        </p:blipFill>
+        <p:spPr bwMode="auto">
+          <a:xfrm>
+            <a:off x="611560" y="1268760"/>
+            <a:ext cx="7400283" cy="5400600"/>
+          </a:xfrm>
+          <a:prstGeom prst="rect">
+            <a:avLst/>
+          </a:prstGeom>
+          <a:noFill/>
+          <a:extLst>
+            <a:ext uri="{909E8E84-426E-40DD-AFC4-6F175D3DCCD1}">
+              <a14:hiddenFill xmlns:a14="http://schemas.microsoft.com/office/drawing/2010/main">
+                <a:solidFill>
+                  <a:srgbClr val="FFFFFF"/>
+                </a:solidFill>
+              </a14:hiddenFill>
+            </a:ext>
+          </a:extLst>
+        </p:spPr>
+      </p:pic>
+    </p:spTree>
+    <p:extLst>
+      <p:ext uri="{BB962C8B-B14F-4D97-AF65-F5344CB8AC3E}">
+        <p14:creationId xmlns:p14="http://schemas.microsoft.com/office/powerpoint/2010/main" val="2994976856"/>
+      </p:ext>
+    </p:extLst>
+  </p:cSld>
+  <p:clrMapOvr>
+    <a:masterClrMapping/>
+  </p:clrMapOvr>
+  <p:timing>
+    <p:tnLst>
+      <p:par>
+        <p:cTn id="1" dur="indefinite" restart="never" nodeType="tmRoot"/>
+      </p:par>
+    </p:tnLst>
+  </p:timing>
+</p:sld>
+</file>
+
+<file path=ppt/slides/slide45.xml><?xml version="1.0" encoding="utf-8"?>
+<p:sld xmlns:a="http://schemas.openxmlformats.org/drawingml/2006/main" xmlns:r="http://schemas.openxmlformats.org/officeDocument/2006/relationships" xmlns:p="http://schemas.openxmlformats.org/presentationml/2006/main">
+  <p:cSld>
+    <p:spTree>
+      <p:nvGrpSpPr>
+        <p:cNvPr id="1" name=""/>
+        <p:cNvGrpSpPr/>
+        <p:nvPr/>
+      </p:nvGrpSpPr>
+      <p:grpSpPr>
+        <a:xfrm>
+          <a:off x="0" y="0"/>
+          <a:ext cx="0" cy="0"/>
+          <a:chOff x="0" y="0"/>
+          <a:chExt cx="0" cy="0"/>
+        </a:xfrm>
+      </p:grpSpPr>
+      <p:sp>
+        <p:nvSpPr>
+          <p:cNvPr id="4" name="Title 3"/>
+          <p:cNvSpPr>
+            <a:spLocks noGrp="1"/>
+          </p:cNvSpPr>
+          <p:nvPr>
+            <p:ph type="title"/>
+          </p:nvPr>
+        </p:nvSpPr>
+        <p:spPr/>
+        <p:txBody>
+          <a:bodyPr/>
+          <a:lstStyle/>
+          <a:p>
+            <a:r>
+              <a:rPr lang="en-GB" dirty="0" smtClean="0"/>
+              <a:t>Sommerfeld Scheme Module</a:t>
+            </a:r>
+            <a:endParaRPr lang="en-GB" dirty="0"/>
+          </a:p>
+        </p:txBody>
+      </p:sp>
+      <p:pic>
+        <p:nvPicPr>
+          <p:cNvPr id="5122" name="Picture 2" descr="D:\Dropbox\Samuel\advancement\5-high order scheme\Finite Difference 2D__Sommerfeld Scheme_1.png"/>
+          <p:cNvPicPr>
+            <a:picLocks noChangeAspect="1" noChangeArrowheads="1"/>
+          </p:cNvPicPr>
+          <p:nvPr/>
+        </p:nvPicPr>
+        <p:blipFill>
+          <a:blip r:embed="rId2">
+            <a:extLst>
+              <a:ext uri="{28A0092B-C50C-407E-A947-70E740481C1C}">
+                <a14:useLocalDpi xmlns:a14="http://schemas.microsoft.com/office/drawing/2010/main" val="0"/>
+              </a:ext>
+            </a:extLst>
+          </a:blip>
+          <a:srcRect/>
+          <a:stretch>
+            <a:fillRect/>
+          </a:stretch>
+        </p:blipFill>
+        <p:spPr bwMode="auto">
+          <a:xfrm>
+            <a:off x="1043203" y="1268760"/>
+            <a:ext cx="6697149" cy="5544616"/>
+          </a:xfrm>
+          <a:prstGeom prst="rect">
+            <a:avLst/>
+          </a:prstGeom>
+          <a:noFill/>
+          <a:extLst>
+            <a:ext uri="{909E8E84-426E-40DD-AFC4-6F175D3DCCD1}">
+              <a14:hiddenFill xmlns:a14="http://schemas.microsoft.com/office/drawing/2010/main">
+                <a:solidFill>
+                  <a:srgbClr val="FFFFFF"/>
+                </a:solidFill>
+              </a14:hiddenFill>
+            </a:ext>
+          </a:extLst>
+        </p:spPr>
+      </p:pic>
+    </p:spTree>
+    <p:extLst>
+      <p:ext uri="{BB962C8B-B14F-4D97-AF65-F5344CB8AC3E}">
+        <p14:creationId xmlns:p14="http://schemas.microsoft.com/office/powerpoint/2010/main" val="2148248527"/>
+      </p:ext>
+    </p:extLst>
+  </p:cSld>
+  <p:clrMapOvr>
+    <a:masterClrMapping/>
+  </p:clrMapOvr>
+  <p:timing>
+    <p:tnLst>
+      <p:par>
+        <p:cTn id="1" dur="indefinite" restart="never" nodeType="tmRoot"/>
+      </p:par>
+    </p:tnLst>
+  </p:timing>
+</p:sld>
+</file>
+
+<file path=ppt/slides/slide46.xml><?xml version="1.0" encoding="utf-8"?>
+<p:sld xmlns:a="http://schemas.openxmlformats.org/drawingml/2006/main" xmlns:r="http://schemas.openxmlformats.org/officeDocument/2006/relationships" xmlns:p="http://schemas.openxmlformats.org/presentationml/2006/main">
+  <p:cSld>
+    <p:spTree>
+      <p:nvGrpSpPr>
+        <p:cNvPr id="1" name=""/>
+        <p:cNvGrpSpPr/>
+        <p:nvPr/>
+      </p:nvGrpSpPr>
+      <p:grpSpPr>
+        <a:xfrm>
+          <a:off x="0" y="0"/>
+          <a:ext cx="0" cy="0"/>
+          <a:chOff x="0" y="0"/>
+          <a:chExt cx="0" cy="0"/>
+        </a:xfrm>
+      </p:grpSpPr>
+      <p:sp>
+        <p:nvSpPr>
+          <p:cNvPr id="2" name="Title 1"/>
+          <p:cNvSpPr>
+            <a:spLocks noGrp="1"/>
+          </p:cNvSpPr>
+          <p:nvPr>
+            <p:ph type="title"/>
+          </p:nvPr>
+        </p:nvSpPr>
+        <p:spPr/>
+        <p:txBody>
+          <a:bodyPr/>
+          <a:lstStyle/>
+          <a:p>
+            <a:r>
+              <a:rPr lang="en-GB" dirty="0" smtClean="0"/>
+              <a:t>Simulation Module</a:t>
+            </a:r>
+            <a:endParaRPr lang="en-GB" dirty="0"/>
+          </a:p>
+        </p:txBody>
+      </p:sp>
+      <p:pic>
+        <p:nvPicPr>
+          <p:cNvPr id="6147" name="Picture 3" descr="D:\Dropbox\Samuel\advancement\5-high order scheme\Finite Difference 2D__Simulation_2.png"/>
+          <p:cNvPicPr>
+            <a:picLocks noChangeAspect="1" noChangeArrowheads="1"/>
+          </p:cNvPicPr>
+          <p:nvPr/>
+        </p:nvPicPr>
+        <p:blipFill>
+          <a:blip r:embed="rId2">
+            <a:extLst>
+              <a:ext uri="{28A0092B-C50C-407E-A947-70E740481C1C}">
+                <a14:useLocalDpi xmlns:a14="http://schemas.microsoft.com/office/drawing/2010/main" val="0"/>
+              </a:ext>
+            </a:extLst>
+          </a:blip>
+          <a:srcRect/>
+          <a:stretch>
+            <a:fillRect/>
+          </a:stretch>
+        </p:blipFill>
+        <p:spPr bwMode="auto">
+          <a:xfrm>
+            <a:off x="214789" y="1556792"/>
+            <a:ext cx="8101627" cy="4843140"/>
+          </a:xfrm>
+          <a:prstGeom prst="rect">
+            <a:avLst/>
+          </a:prstGeom>
+          <a:noFill/>
+          <a:extLst>
+            <a:ext uri="{909E8E84-426E-40DD-AFC4-6F175D3DCCD1}">
+              <a14:hiddenFill xmlns:a14="http://schemas.microsoft.com/office/drawing/2010/main">
+                <a:solidFill>
+                  <a:srgbClr val="FFFFFF"/>
+                </a:solidFill>
+              </a14:hiddenFill>
+            </a:ext>
+          </a:extLst>
+        </p:spPr>
+      </p:pic>
+    </p:spTree>
+    <p:extLst>
+      <p:ext uri="{BB962C8B-B14F-4D97-AF65-F5344CB8AC3E}">
+        <p14:creationId xmlns:p14="http://schemas.microsoft.com/office/powerpoint/2010/main" val="1248595899"/>
+      </p:ext>
+    </p:extLst>
+  </p:cSld>
+  <p:clrMapOvr>
+    <a:masterClrMapping/>
+  </p:clrMapOvr>
+  <p:timing>
+    <p:tnLst>
+      <p:par>
+        <p:cTn id="1" dur="indefinite" restart="never" nodeType="tmRoot"/>
+      </p:par>
+    </p:tnLst>
+  </p:timing>
+</p:sld>
+</file>
+
+<file path=ppt/slides/slide47.xml><?xml version="1.0" encoding="utf-8"?>
+<p:sld xmlns:a="http://schemas.openxmlformats.org/drawingml/2006/main" xmlns:r="http://schemas.openxmlformats.org/officeDocument/2006/relationships" xmlns:p="http://schemas.openxmlformats.org/presentationml/2006/main">
+  <p:cSld>
+    <p:spTree>
+      <p:nvGrpSpPr>
+        <p:cNvPr id="1" name=""/>
+        <p:cNvGrpSpPr/>
+        <p:nvPr/>
+      </p:nvGrpSpPr>
+      <p:grpSpPr>
+        <a:xfrm>
+          <a:off x="0" y="0"/>
+          <a:ext cx="0" cy="0"/>
+          <a:chOff x="0" y="0"/>
+          <a:chExt cx="0" cy="0"/>
+        </a:xfrm>
+      </p:grpSpPr>
+      <p:sp>
+        <p:nvSpPr>
+          <p:cNvPr id="2" name="Title 1"/>
+          <p:cNvSpPr>
+            <a:spLocks noGrp="1"/>
+          </p:cNvSpPr>
+          <p:nvPr>
+            <p:ph type="title"/>
+          </p:nvPr>
+        </p:nvSpPr>
+        <p:spPr/>
+        <p:txBody>
+          <a:bodyPr/>
+          <a:lstStyle/>
+          <a:p>
+            <a:r>
+              <a:rPr lang="en-GB" dirty="0" smtClean="0"/>
+              <a:t>Reporting Module</a:t>
+            </a:r>
+            <a:endParaRPr lang="en-GB" dirty="0"/>
+          </a:p>
+        </p:txBody>
+      </p:sp>
+      <p:pic>
+        <p:nvPicPr>
+          <p:cNvPr id="7170" name="Picture 2" descr="D:\Dropbox\Samuel\advancement\5-high order scheme\Finite Difference 2D__Reporting_3.png"/>
+          <p:cNvPicPr>
+            <a:picLocks noChangeAspect="1" noChangeArrowheads="1"/>
+          </p:cNvPicPr>
+          <p:nvPr/>
+        </p:nvPicPr>
+        <p:blipFill>
+          <a:blip r:embed="rId2">
+            <a:extLst>
+              <a:ext uri="{28A0092B-C50C-407E-A947-70E740481C1C}">
+                <a14:useLocalDpi xmlns:a14="http://schemas.microsoft.com/office/drawing/2010/main" val="0"/>
+              </a:ext>
+            </a:extLst>
+          </a:blip>
+          <a:srcRect/>
+          <a:stretch>
+            <a:fillRect/>
+          </a:stretch>
+        </p:blipFill>
+        <p:spPr bwMode="auto">
+          <a:xfrm>
+            <a:off x="1475656" y="1268760"/>
+            <a:ext cx="6129572" cy="4896544"/>
+          </a:xfrm>
+          <a:prstGeom prst="rect">
+            <a:avLst/>
+          </a:prstGeom>
+          <a:noFill/>
+          <a:extLst>
+            <a:ext uri="{909E8E84-426E-40DD-AFC4-6F175D3DCCD1}">
+              <a14:hiddenFill xmlns:a14="http://schemas.microsoft.com/office/drawing/2010/main">
+                <a:solidFill>
+                  <a:srgbClr val="FFFFFF"/>
+                </a:solidFill>
+              </a14:hiddenFill>
+            </a:ext>
+          </a:extLst>
+        </p:spPr>
+      </p:pic>
+    </p:spTree>
+    <p:extLst>
+      <p:ext uri="{BB962C8B-B14F-4D97-AF65-F5344CB8AC3E}">
+        <p14:creationId xmlns:p14="http://schemas.microsoft.com/office/powerpoint/2010/main" val="256007836"/>
+      </p:ext>
+    </p:extLst>
+  </p:cSld>
+  <p:clrMapOvr>
+    <a:masterClrMapping/>
+  </p:clrMapOvr>
+  <p:timing>
+    <p:tnLst>
+      <p:par>
+        <p:cTn id="1" dur="indefinite" restart="never" nodeType="tmRoot"/>
+      </p:par>
+    </p:tnLst>
+  </p:timing>
+</p:sld>
+</file>
+
+<file path=ppt/slides/slide48.xml><?xml version="1.0" encoding="utf-8"?>
+<p:sld xmlns:a="http://schemas.openxmlformats.org/drawingml/2006/main" xmlns:r="http://schemas.openxmlformats.org/officeDocument/2006/relationships" xmlns:p="http://schemas.openxmlformats.org/presentationml/2006/main">
+  <p:cSld>
+    <p:spTree>
+      <p:nvGrpSpPr>
+        <p:cNvPr id="1" name=""/>
+        <p:cNvGrpSpPr/>
+        <p:nvPr/>
+      </p:nvGrpSpPr>
+      <p:grpSpPr>
+        <a:xfrm>
+          <a:off x="0" y="0"/>
+          <a:ext cx="0" cy="0"/>
+          <a:chOff x="0" y="0"/>
+          <a:chExt cx="0" cy="0"/>
+        </a:xfrm>
+      </p:grpSpPr>
+      <p:sp>
+        <p:nvSpPr>
+          <p:cNvPr id="2" name="Title 1"/>
+          <p:cNvSpPr>
+            <a:spLocks noGrp="1"/>
+          </p:cNvSpPr>
+          <p:nvPr>
+            <p:ph type="title"/>
+          </p:nvPr>
+        </p:nvSpPr>
+        <p:spPr/>
+        <p:txBody>
+          <a:bodyPr/>
+          <a:lstStyle/>
+          <a:p>
+            <a:r>
+              <a:rPr lang="en-GB" dirty="0" smtClean="0"/>
+              <a:t>Poisson revisited</a:t>
+            </a:r>
+            <a:endParaRPr lang="en-GB" dirty="0"/>
+          </a:p>
+        </p:txBody>
+      </p:sp>
+      <p:sp>
+        <p:nvSpPr>
+          <p:cNvPr id="3" name="Content Placeholder 2"/>
+          <p:cNvSpPr>
+            <a:spLocks noGrp="1"/>
+          </p:cNvSpPr>
+          <p:nvPr>
+            <p:ph sz="half" idx="1"/>
+          </p:nvPr>
+        </p:nvSpPr>
+        <p:spPr>
+          <a:xfrm>
+            <a:off x="107504" y="1268760"/>
+            <a:ext cx="4464496" cy="5184576"/>
+          </a:xfrm>
+        </p:spPr>
+        <p:txBody>
+          <a:bodyPr>
+            <a:normAutofit fontScale="25000" lnSpcReduction="20000"/>
+          </a:bodyPr>
+          <a:lstStyle/>
+          <a:p>
+            <a:pPr marL="114300" indent="0">
+              <a:buNone/>
+            </a:pPr>
+            <a:r>
+              <a:rPr lang="en-GB" sz="4800" dirty="0">
+                <a:latin typeface="Courier New" pitchFamily="49" charset="0"/>
+                <a:cs typeface="Courier New" pitchFamily="49" charset="0"/>
+              </a:rPr>
+              <a:t>% definition of the area we simulate in it</a:t>
+            </a:r>
+          </a:p>
+          <a:p>
+            <a:pPr marL="114300" indent="0">
+              <a:buNone/>
+            </a:pPr>
+            <a:r>
+              <a:rPr lang="en-GB" sz="4800" dirty="0" err="1">
+                <a:latin typeface="Courier New" pitchFamily="49" charset="0"/>
+                <a:cs typeface="Courier New" pitchFamily="49" charset="0"/>
+              </a:rPr>
+              <a:t>param.h</a:t>
+            </a:r>
+            <a:r>
+              <a:rPr lang="en-GB" sz="4800" dirty="0">
+                <a:latin typeface="Courier New" pitchFamily="49" charset="0"/>
+                <a:cs typeface="Courier New" pitchFamily="49" charset="0"/>
+              </a:rPr>
+              <a:t> = 0.125;%3 </a:t>
+            </a:r>
+            <a:r>
+              <a:rPr lang="en-GB" sz="4800" dirty="0" err="1">
+                <a:latin typeface="Courier New" pitchFamily="49" charset="0"/>
+                <a:cs typeface="Courier New" pitchFamily="49" charset="0"/>
+              </a:rPr>
+              <a:t>pt</a:t>
+            </a:r>
+            <a:endParaRPr lang="en-GB" sz="4800" dirty="0">
+              <a:latin typeface="Courier New" pitchFamily="49" charset="0"/>
+              <a:cs typeface="Courier New" pitchFamily="49" charset="0"/>
+            </a:endParaRPr>
+          </a:p>
+          <a:p>
+            <a:pPr marL="114300" indent="0">
+              <a:buNone/>
+            </a:pPr>
+            <a:r>
+              <a:rPr lang="en-GB" sz="4800" dirty="0" smtClean="0">
+                <a:latin typeface="Courier New" pitchFamily="49" charset="0"/>
+                <a:cs typeface="Courier New" pitchFamily="49" charset="0"/>
+              </a:rPr>
+              <a:t> </a:t>
+            </a:r>
+            <a:endParaRPr lang="en-GB" sz="4800" dirty="0">
+              <a:latin typeface="Courier New" pitchFamily="49" charset="0"/>
+              <a:cs typeface="Courier New" pitchFamily="49" charset="0"/>
+            </a:endParaRPr>
+          </a:p>
+          <a:p>
+            <a:pPr marL="114300" indent="0">
+              <a:buNone/>
+            </a:pPr>
+            <a:r>
+              <a:rPr lang="en-GB" sz="4800" dirty="0" err="1">
+                <a:latin typeface="Courier New" pitchFamily="49" charset="0"/>
+                <a:cs typeface="Courier New" pitchFamily="49" charset="0"/>
+              </a:rPr>
+              <a:t>param.a</a:t>
+            </a:r>
+            <a:r>
+              <a:rPr lang="en-GB" sz="4800" dirty="0">
+                <a:latin typeface="Courier New" pitchFamily="49" charset="0"/>
+                <a:cs typeface="Courier New" pitchFamily="49" charset="0"/>
+              </a:rPr>
+              <a:t> = 0.125; </a:t>
+            </a:r>
+          </a:p>
+          <a:p>
+            <a:pPr marL="114300" indent="0">
+              <a:buNone/>
+            </a:pPr>
+            <a:r>
+              <a:rPr lang="en-GB" sz="4800" dirty="0" err="1">
+                <a:latin typeface="Courier New" pitchFamily="49" charset="0"/>
+                <a:cs typeface="Courier New" pitchFamily="49" charset="0"/>
+              </a:rPr>
+              <a:t>param.b</a:t>
+            </a:r>
+            <a:r>
+              <a:rPr lang="en-GB" sz="4800" dirty="0">
+                <a:latin typeface="Courier New" pitchFamily="49" charset="0"/>
+                <a:cs typeface="Courier New" pitchFamily="49" charset="0"/>
+              </a:rPr>
+              <a:t> = 0.375;</a:t>
+            </a:r>
+          </a:p>
+          <a:p>
+            <a:pPr marL="114300" indent="0">
+              <a:buNone/>
+            </a:pPr>
+            <a:r>
+              <a:rPr lang="en-GB" sz="4800" dirty="0" err="1">
+                <a:latin typeface="Courier New" pitchFamily="49" charset="0"/>
+                <a:cs typeface="Courier New" pitchFamily="49" charset="0"/>
+              </a:rPr>
+              <a:t>param.c</a:t>
+            </a:r>
+            <a:r>
+              <a:rPr lang="en-GB" sz="4800" dirty="0">
+                <a:latin typeface="Courier New" pitchFamily="49" charset="0"/>
+                <a:cs typeface="Courier New" pitchFamily="49" charset="0"/>
+              </a:rPr>
+              <a:t> = 0.125; </a:t>
+            </a:r>
+          </a:p>
+          <a:p>
+            <a:pPr marL="114300" indent="0">
+              <a:buNone/>
+            </a:pPr>
+            <a:r>
+              <a:rPr lang="en-GB" sz="4800" dirty="0" err="1">
+                <a:latin typeface="Courier New" pitchFamily="49" charset="0"/>
+                <a:cs typeface="Courier New" pitchFamily="49" charset="0"/>
+              </a:rPr>
+              <a:t>param.d</a:t>
+            </a:r>
+            <a:r>
+              <a:rPr lang="en-GB" sz="4800" dirty="0">
+                <a:latin typeface="Courier New" pitchFamily="49" charset="0"/>
+                <a:cs typeface="Courier New" pitchFamily="49" charset="0"/>
+              </a:rPr>
+              <a:t> = 0.375;</a:t>
+            </a:r>
+          </a:p>
+          <a:p>
+            <a:pPr marL="114300" indent="0">
+              <a:buNone/>
+            </a:pPr>
+            <a:r>
+              <a:rPr lang="pt-BR" sz="4800" dirty="0">
+                <a:latin typeface="Courier New" pitchFamily="49" charset="0"/>
+                <a:cs typeface="Courier New" pitchFamily="49" charset="0"/>
+              </a:rPr>
+              <a:t>param.m = (param.d - param.c)/param.h + 1;</a:t>
+            </a:r>
+          </a:p>
+          <a:p>
+            <a:pPr marL="114300" indent="0">
+              <a:buNone/>
+            </a:pPr>
+            <a:r>
+              <a:rPr lang="pt-BR" sz="4800" dirty="0">
+                <a:latin typeface="Courier New" pitchFamily="49" charset="0"/>
+                <a:cs typeface="Courier New" pitchFamily="49" charset="0"/>
+              </a:rPr>
+              <a:t>param.n = (param.b - param.a)/param.h + 1;</a:t>
+            </a:r>
+          </a:p>
+          <a:p>
+            <a:pPr marL="114300" indent="0">
+              <a:buNone/>
+            </a:pPr>
+            <a:r>
+              <a:rPr lang="en-GB" sz="4800" dirty="0">
+                <a:latin typeface="Courier New" pitchFamily="49" charset="0"/>
+                <a:cs typeface="Courier New" pitchFamily="49" charset="0"/>
+              </a:rPr>
+              <a:t> </a:t>
+            </a:r>
+          </a:p>
+          <a:p>
+            <a:pPr marL="114300" indent="0">
+              <a:buNone/>
+            </a:pPr>
+            <a:r>
+              <a:rPr lang="en-GB" sz="4800" dirty="0">
+                <a:latin typeface="Courier New" pitchFamily="49" charset="0"/>
+                <a:cs typeface="Courier New" pitchFamily="49" charset="0"/>
+              </a:rPr>
+              <a:t>% </a:t>
+            </a:r>
+            <a:r>
+              <a:rPr lang="en-GB" sz="4800" dirty="0" err="1">
+                <a:latin typeface="Courier New" pitchFamily="49" charset="0"/>
+                <a:cs typeface="Courier New" pitchFamily="49" charset="0"/>
+              </a:rPr>
+              <a:t>dirichlet</a:t>
+            </a:r>
+            <a:r>
+              <a:rPr lang="en-GB" sz="4800" dirty="0">
+                <a:latin typeface="Courier New" pitchFamily="49" charset="0"/>
+                <a:cs typeface="Courier New" pitchFamily="49" charset="0"/>
+              </a:rPr>
+              <a:t> function</a:t>
+            </a:r>
+          </a:p>
+          <a:p>
+            <a:pPr marL="114300" indent="0">
+              <a:buNone/>
+            </a:pPr>
+            <a:r>
+              <a:rPr lang="fr-FR" sz="4800" dirty="0" err="1">
+                <a:latin typeface="Courier New" pitchFamily="49" charset="0"/>
+                <a:cs typeface="Courier New" pitchFamily="49" charset="0"/>
+              </a:rPr>
+              <a:t>param.dirichlet</a:t>
+            </a:r>
+            <a:r>
+              <a:rPr lang="fr-FR" sz="4800" dirty="0">
+                <a:latin typeface="Courier New" pitchFamily="49" charset="0"/>
+                <a:cs typeface="Courier New" pitchFamily="49" charset="0"/>
+              </a:rPr>
+              <a:t> = @(</a:t>
+            </a:r>
+            <a:r>
+              <a:rPr lang="fr-FR" sz="4800" dirty="0" err="1">
+                <a:latin typeface="Courier New" pitchFamily="49" charset="0"/>
+                <a:cs typeface="Courier New" pitchFamily="49" charset="0"/>
+              </a:rPr>
+              <a:t>x,y</a:t>
+            </a:r>
+            <a:r>
+              <a:rPr lang="fr-FR" sz="4800" dirty="0">
+                <a:latin typeface="Courier New" pitchFamily="49" charset="0"/>
+                <a:cs typeface="Courier New" pitchFamily="49" charset="0"/>
+              </a:rPr>
+              <a:t>) </a:t>
+            </a:r>
+            <a:r>
+              <a:rPr lang="fr-FR" sz="4800" dirty="0" err="1">
+                <a:latin typeface="Courier New" pitchFamily="49" charset="0"/>
+                <a:cs typeface="Courier New" pitchFamily="49" charset="0"/>
+              </a:rPr>
+              <a:t>poisson_dirichlet</a:t>
+            </a:r>
+            <a:r>
+              <a:rPr lang="fr-FR" sz="4800" dirty="0">
+                <a:latin typeface="Courier New" pitchFamily="49" charset="0"/>
+                <a:cs typeface="Courier New" pitchFamily="49" charset="0"/>
+              </a:rPr>
+              <a:t>( x, y);</a:t>
+            </a:r>
+          </a:p>
+          <a:p>
+            <a:pPr marL="114300" indent="0">
+              <a:buNone/>
+            </a:pPr>
+            <a:r>
+              <a:rPr lang="en-GB" sz="4800" dirty="0">
+                <a:latin typeface="Courier New" pitchFamily="49" charset="0"/>
+                <a:cs typeface="Courier New" pitchFamily="49" charset="0"/>
+              </a:rPr>
+              <a:t>scheme = Poisson2D();</a:t>
+            </a:r>
+          </a:p>
+          <a:p>
+            <a:pPr marL="114300" indent="0">
+              <a:buNone/>
+            </a:pPr>
+            <a:r>
+              <a:rPr lang="en-GB" sz="4800" dirty="0">
+                <a:latin typeface="Courier New" pitchFamily="49" charset="0"/>
+                <a:cs typeface="Courier New" pitchFamily="49" charset="0"/>
+              </a:rPr>
+              <a:t> </a:t>
+            </a:r>
+          </a:p>
+          <a:p>
+            <a:pPr marL="114300" indent="0">
+              <a:buNone/>
+            </a:pPr>
+            <a:r>
+              <a:rPr lang="en-GB" sz="4800" dirty="0">
+                <a:latin typeface="Courier New" pitchFamily="49" charset="0"/>
+                <a:cs typeface="Courier New" pitchFamily="49" charset="0"/>
+              </a:rPr>
+              <a:t>% define the solver</a:t>
+            </a:r>
+          </a:p>
+          <a:p>
+            <a:pPr marL="114300" indent="0">
+              <a:buNone/>
+            </a:pPr>
+            <a:r>
+              <a:rPr lang="en-GB" sz="4800" dirty="0">
+                <a:latin typeface="Courier New" pitchFamily="49" charset="0"/>
+                <a:cs typeface="Courier New" pitchFamily="49" charset="0"/>
+              </a:rPr>
+              <a:t>solver = @(A, b) A\b</a:t>
+            </a:r>
+            <a:r>
+              <a:rPr lang="en-GB" sz="4800" dirty="0" smtClean="0">
+                <a:latin typeface="Courier New" pitchFamily="49" charset="0"/>
+                <a:cs typeface="Courier New" pitchFamily="49" charset="0"/>
+              </a:rPr>
+              <a:t>;</a:t>
+            </a:r>
+          </a:p>
+          <a:p>
+            <a:pPr marL="114300" indent="0">
+              <a:buNone/>
+            </a:pPr>
+            <a:endParaRPr lang="en-GB" sz="4800" dirty="0">
+              <a:latin typeface="Courier New" pitchFamily="49" charset="0"/>
+              <a:cs typeface="Courier New" pitchFamily="49" charset="0"/>
+            </a:endParaRPr>
+          </a:p>
+          <a:p>
+            <a:pPr marL="114300" indent="0">
+              <a:buNone/>
+            </a:pPr>
+            <a:r>
+              <a:rPr lang="en-GB" sz="4800" dirty="0" smtClean="0">
+                <a:latin typeface="Courier New" pitchFamily="49" charset="0"/>
+                <a:cs typeface="Courier New" pitchFamily="49" charset="0"/>
+              </a:rPr>
+              <a:t>% solve the problem </a:t>
+            </a:r>
+            <a:endParaRPr lang="en-GB" sz="4800" dirty="0">
+              <a:latin typeface="Courier New" pitchFamily="49" charset="0"/>
+              <a:cs typeface="Courier New" pitchFamily="49" charset="0"/>
+            </a:endParaRPr>
+          </a:p>
+          <a:p>
+            <a:pPr marL="114300" indent="0">
+              <a:buNone/>
+            </a:pPr>
+            <a:r>
+              <a:rPr lang="en-GB" sz="4800" dirty="0" err="1">
+                <a:latin typeface="Courier New" pitchFamily="49" charset="0"/>
+                <a:cs typeface="Courier New" pitchFamily="49" charset="0"/>
+              </a:rPr>
+              <a:t>ps</a:t>
+            </a:r>
+            <a:r>
+              <a:rPr lang="en-GB" sz="4800" dirty="0">
+                <a:latin typeface="Courier New" pitchFamily="49" charset="0"/>
+                <a:cs typeface="Courier New" pitchFamily="49" charset="0"/>
+              </a:rPr>
+              <a:t> = </a:t>
+            </a:r>
+            <a:r>
+              <a:rPr lang="en-GB" sz="4800" dirty="0" err="1">
+                <a:latin typeface="Courier New" pitchFamily="49" charset="0"/>
+                <a:cs typeface="Courier New" pitchFamily="49" charset="0"/>
+              </a:rPr>
+              <a:t>ProblemSolver</a:t>
+            </a:r>
+            <a:r>
+              <a:rPr lang="en-GB" sz="4800" dirty="0">
+                <a:latin typeface="Courier New" pitchFamily="49" charset="0"/>
+                <a:cs typeface="Courier New" pitchFamily="49" charset="0"/>
+              </a:rPr>
+              <a:t>(</a:t>
+            </a:r>
+            <a:r>
+              <a:rPr lang="en-GB" sz="4800" dirty="0" err="1">
+                <a:latin typeface="Courier New" pitchFamily="49" charset="0"/>
+                <a:cs typeface="Courier New" pitchFamily="49" charset="0"/>
+              </a:rPr>
+              <a:t>param</a:t>
+            </a:r>
+            <a:r>
+              <a:rPr lang="en-GB" sz="4800" dirty="0">
+                <a:latin typeface="Courier New" pitchFamily="49" charset="0"/>
+                <a:cs typeface="Courier New" pitchFamily="49" charset="0"/>
+              </a:rPr>
+              <a:t>, scheme, solver);</a:t>
+            </a:r>
+          </a:p>
+          <a:p>
+            <a:pPr marL="114300" indent="0">
+              <a:buNone/>
+            </a:pPr>
+            <a:r>
+              <a:rPr lang="en-GB" sz="4800" dirty="0">
+                <a:latin typeface="Courier New" pitchFamily="49" charset="0"/>
+                <a:cs typeface="Courier New" pitchFamily="49" charset="0"/>
+              </a:rPr>
+              <a:t>[ A, b, sol ] = </a:t>
+            </a:r>
+            <a:r>
+              <a:rPr lang="en-GB" sz="4800" dirty="0" err="1">
+                <a:latin typeface="Courier New" pitchFamily="49" charset="0"/>
+                <a:cs typeface="Courier New" pitchFamily="49" charset="0"/>
+              </a:rPr>
+              <a:t>ps.solve</a:t>
+            </a:r>
+            <a:r>
+              <a:rPr lang="en-GB" sz="4800" dirty="0">
+                <a:latin typeface="Courier New" pitchFamily="49" charset="0"/>
+                <a:cs typeface="Courier New" pitchFamily="49" charset="0"/>
+              </a:rPr>
+              <a:t>();</a:t>
+            </a:r>
+          </a:p>
+          <a:p>
+            <a:endParaRPr lang="en-GB" dirty="0"/>
+          </a:p>
+        </p:txBody>
+      </p:sp>
+      <p:pic>
+        <p:nvPicPr>
+          <p:cNvPr id="5" name="Content Placeholder 4"/>
+          <p:cNvPicPr>
+            <a:picLocks noGrp="1" noChangeAspect="1"/>
+          </p:cNvPicPr>
+          <p:nvPr>
+            <p:ph sz="half" idx="2"/>
+          </p:nvPr>
+        </p:nvPicPr>
+        <p:blipFill>
+          <a:blip r:embed="rId2">
+            <a:extLst>
+              <a:ext uri="{28A0092B-C50C-407E-A947-70E740481C1C}">
+                <a14:useLocalDpi xmlns:a14="http://schemas.microsoft.com/office/drawing/2010/main" val="0"/>
+              </a:ext>
+            </a:extLst>
+          </a:blip>
+          <a:stretch>
+            <a:fillRect/>
+          </a:stretch>
+        </p:blipFill>
+        <p:spPr>
+          <a:xfrm>
+            <a:off x="4322779" y="1412776"/>
+            <a:ext cx="4137653" cy="3103239"/>
+          </a:xfrm>
+        </p:spPr>
+      </p:pic>
+      <p:sp>
+        <p:nvSpPr>
+          <p:cNvPr id="6" name="TextBox 5"/>
+          <p:cNvSpPr txBox="1"/>
+          <p:nvPr/>
+        </p:nvSpPr>
+        <p:spPr>
+          <a:xfrm>
+            <a:off x="4716016" y="4653136"/>
+            <a:ext cx="3406702" cy="1600438"/>
+          </a:xfrm>
+          <a:prstGeom prst="rect">
+            <a:avLst/>
+          </a:prstGeom>
+          <a:noFill/>
+        </p:spPr>
+        <p:txBody>
+          <a:bodyPr wrap="none" rtlCol="0">
+            <a:spAutoFit/>
+          </a:bodyPr>
+          <a:lstStyle/>
+          <a:p>
+            <a:r>
+              <a:rPr lang="fr-FR" sz="1400" dirty="0">
+                <a:latin typeface="Courier New" pitchFamily="49" charset="0"/>
+                <a:cs typeface="Courier New" pitchFamily="49" charset="0"/>
+              </a:rPr>
+              <a:t>&gt;&gt; full(sol)</a:t>
+            </a:r>
+          </a:p>
+          <a:p>
+            <a:endParaRPr lang="fr-FR" sz="1400" dirty="0">
+              <a:latin typeface="Courier New" pitchFamily="49" charset="0"/>
+              <a:cs typeface="Courier New" pitchFamily="49" charset="0"/>
+            </a:endParaRPr>
+          </a:p>
+          <a:p>
+            <a:r>
+              <a:rPr lang="fr-FR" sz="1400" dirty="0">
+                <a:latin typeface="Courier New" pitchFamily="49" charset="0"/>
+                <a:cs typeface="Courier New" pitchFamily="49" charset="0"/>
+              </a:rPr>
+              <a:t>ans =</a:t>
+            </a:r>
+          </a:p>
+          <a:p>
+            <a:endParaRPr lang="fr-FR" sz="1400" dirty="0">
+              <a:latin typeface="Courier New" pitchFamily="49" charset="0"/>
+              <a:cs typeface="Courier New" pitchFamily="49" charset="0"/>
+            </a:endParaRPr>
+          </a:p>
+          <a:p>
+            <a:r>
+              <a:rPr lang="fr-FR" sz="1400" dirty="0">
+                <a:latin typeface="Courier New" pitchFamily="49" charset="0"/>
+                <a:cs typeface="Courier New" pitchFamily="49" charset="0"/>
+              </a:rPr>
+              <a:t>   18.7500   37.5000   56.2500</a:t>
+            </a:r>
+          </a:p>
+          <a:p>
+            <a:r>
+              <a:rPr lang="fr-FR" sz="1400" dirty="0">
+                <a:latin typeface="Courier New" pitchFamily="49" charset="0"/>
+                <a:cs typeface="Courier New" pitchFamily="49" charset="0"/>
+              </a:rPr>
+              <a:t>   12.5000   25.0000   37.5000</a:t>
+            </a:r>
+          </a:p>
+          <a:p>
+            <a:r>
+              <a:rPr lang="fr-FR" sz="1400" dirty="0">
+                <a:latin typeface="Courier New" pitchFamily="49" charset="0"/>
+                <a:cs typeface="Courier New" pitchFamily="49" charset="0"/>
+              </a:rPr>
+              <a:t>    6.2500   12.5000   18.7500</a:t>
+            </a:r>
+            <a:endParaRPr lang="en-GB" sz="1400" dirty="0">
+              <a:latin typeface="Courier New" pitchFamily="49" charset="0"/>
+              <a:cs typeface="Courier New" pitchFamily="49" charset="0"/>
+            </a:endParaRPr>
+          </a:p>
+        </p:txBody>
+      </p:sp>
+    </p:spTree>
+    <p:extLst>
+      <p:ext uri="{BB962C8B-B14F-4D97-AF65-F5344CB8AC3E}">
+        <p14:creationId xmlns:p14="http://schemas.microsoft.com/office/powerpoint/2010/main" val="655098092"/>
+      </p:ext>
+    </p:extLst>
+  </p:cSld>
+  <p:clrMapOvr>
+    <a:masterClrMapping/>
+  </p:clrMapOvr>
+  <p:timing>
+    <p:tnLst>
+      <p:par>
+        <p:cTn id="1" dur="indefinite" restart="never" nodeType="tmRoot"/>
+      </p:par>
+    </p:tnLst>
+  </p:timing>
+</p:sld>
+</file>
+
+<file path=ppt/slides/slide49.xml><?xml version="1.0" encoding="utf-8"?>
+<p:sld xmlns:a="http://schemas.openxmlformats.org/drawingml/2006/main" xmlns:r="http://schemas.openxmlformats.org/officeDocument/2006/relationships" xmlns:p="http://schemas.openxmlformats.org/presentationml/2006/main">
+  <p:cSld>
+    <p:spTree>
+      <p:nvGrpSpPr>
+        <p:cNvPr id="1" name=""/>
+        <p:cNvGrpSpPr/>
+        <p:nvPr/>
+      </p:nvGrpSpPr>
+      <p:grpSpPr>
+        <a:xfrm>
+          <a:off x="0" y="0"/>
+          <a:ext cx="0" cy="0"/>
+          <a:chOff x="0" y="0"/>
+          <a:chExt cx="0" cy="0"/>
+        </a:xfrm>
+      </p:grpSpPr>
+      <p:sp>
+        <p:nvSpPr>
+          <p:cNvPr id="3" name="Title 2"/>
+          <p:cNvSpPr>
+            <a:spLocks noGrp="1"/>
+          </p:cNvSpPr>
+          <p:nvPr>
+            <p:ph type="title"/>
+          </p:nvPr>
+        </p:nvSpPr>
+        <p:spPr/>
+        <p:txBody>
+          <a:bodyPr/>
+          <a:lstStyle/>
+          <a:p>
+            <a:r>
+              <a:rPr lang="en-GB" dirty="0" smtClean="0"/>
+              <a:t>Next Steps</a:t>
+            </a:r>
+            <a:endParaRPr lang="en-GB" dirty="0"/>
+          </a:p>
+        </p:txBody>
+      </p:sp>
+      <p:sp>
+        <p:nvSpPr>
+          <p:cNvPr id="4" name="Content Placeholder 3"/>
+          <p:cNvSpPr>
+            <a:spLocks noGrp="1"/>
+          </p:cNvSpPr>
+          <p:nvPr>
+            <p:ph idx="1"/>
+          </p:nvPr>
+        </p:nvSpPr>
+        <p:spPr/>
+        <p:txBody>
+          <a:bodyPr>
+            <a:normAutofit fontScale="92500" lnSpcReduction="10000"/>
+          </a:bodyPr>
+          <a:lstStyle/>
+          <a:p>
+            <a:r>
+              <a:rPr lang="en-GB" dirty="0"/>
+              <a:t>Correct the actual framework to include correctly mixed and full Sommerfeld corners.</a:t>
+            </a:r>
+          </a:p>
+          <a:p>
+            <a:r>
+              <a:rPr lang="en-GB" dirty="0"/>
+              <a:t>Analyse errors more deeply and compare them between various combinations of schemes (add more report classes…)</a:t>
+            </a:r>
+          </a:p>
+          <a:p>
+            <a:r>
+              <a:rPr lang="en-GB" dirty="0"/>
+              <a:t>Include in the 2</a:t>
+            </a:r>
+            <a:r>
+              <a:rPr lang="en-GB" baseline="30000" dirty="0"/>
+              <a:t>nd</a:t>
+            </a:r>
+            <a:r>
+              <a:rPr lang="en-GB" dirty="0"/>
+              <a:t> Order and 4</a:t>
+            </a:r>
+            <a:r>
+              <a:rPr lang="en-GB" baseline="30000" dirty="0"/>
+              <a:t>th</a:t>
+            </a:r>
+            <a:r>
+              <a:rPr lang="en-GB" dirty="0"/>
+              <a:t> Order scheme (with and without Sommerfeld) a possibility to compute results with variable k (k may be a function of the position and parametrically depend on the angular frequency). . Analyse the ability of the scheme to handle position dependent refraction index.</a:t>
+            </a:r>
+          </a:p>
+          <a:p>
+            <a:r>
+              <a:rPr lang="en-GB" dirty="0"/>
+              <a:t>Solve a problem with a digital anatomy-phantom defined by the position dependent refraction index.</a:t>
+            </a:r>
+          </a:p>
+          <a:p>
+            <a:r>
+              <a:rPr lang="en-GB" b="1" i="1" dirty="0"/>
+              <a:t>Optional</a:t>
+            </a:r>
+            <a:r>
+              <a:rPr lang="en-GB" dirty="0"/>
+              <a:t>, if time permits, compare the high-frequency ray approximation to the full solution of the Helmholtz equation</a:t>
+            </a:r>
+            <a:r>
+              <a:rPr lang="en-GB" dirty="0" smtClean="0"/>
+              <a:t>.</a:t>
+            </a:r>
+          </a:p>
+          <a:p>
+            <a:r>
+              <a:rPr lang="en-GB" b="1" i="1" dirty="0" smtClean="0"/>
+              <a:t>Wish:</a:t>
+            </a:r>
+            <a:r>
+              <a:rPr lang="en-GB" dirty="0" smtClean="0"/>
+              <a:t> try to solve a basic Helmholtz equation with Finite Element Method</a:t>
+            </a:r>
+            <a:endParaRPr lang="en-GB" b="1" i="1" dirty="0"/>
+          </a:p>
+          <a:p>
+            <a:endParaRPr lang="en-GB" dirty="0"/>
+          </a:p>
+        </p:txBody>
+      </p:sp>
+    </p:spTree>
+    <p:extLst>
+      <p:ext uri="{BB962C8B-B14F-4D97-AF65-F5344CB8AC3E}">
+        <p14:creationId xmlns:p14="http://schemas.microsoft.com/office/powerpoint/2010/main" val="2566992922"/>
       </p:ext>
     </p:extLst>
   </p:cSld>
